--- a/geogebra/linear_control.pptx
+++ b/geogebra/linear_control.pptx
@@ -6,6 +6,9 @@
   </p:sldMasterIdLst>
   <p:sldIdLst>
     <p:sldId id="256" r:id="rId2"/>
+    <p:sldId id="257" r:id="rId3"/>
+    <p:sldId id="258" r:id="rId4"/>
+    <p:sldId id="259" r:id="rId5"/>
   </p:sldIdLst>
   <p:sldSz cx="12192000" cy="6858000"/>
   <p:notesSz cx="6858000" cy="9144000"/>
@@ -104,6 +107,11 @@
       </a:defRPr>
     </a:lvl9pPr>
   </p:defaultTextStyle>
+  <p:extLst>
+    <p:ext uri="{EFAFB233-063F-42B5-8137-9DF3F51BA10A}">
+      <p15:sldGuideLst xmlns:p15="http://schemas.microsoft.com/office/powerpoint/2012/main"/>
+    </p:ext>
+  </p:extLst>
 </p:presentation>
 </file>
 
@@ -256,7 +264,7 @@
           <a:p>
             <a:fld id="{05F15ED1-8C0B-1545-9937-F7B300258173}" type="datetimeFigureOut">
               <a:rPr kumimoji="1" lang="ko-Kore-KR" altLang="en-US" smtClean="0"/>
-              <a:t>2023. 7. 17.</a:t>
+              <a:t>07/17/2023</a:t>
             </a:fld>
             <a:endParaRPr kumimoji="1" lang="ko-Kore-KR" altLang="en-US"/>
           </a:p>
@@ -456,7 +464,7 @@
           <a:p>
             <a:fld id="{05F15ED1-8C0B-1545-9937-F7B300258173}" type="datetimeFigureOut">
               <a:rPr kumimoji="1" lang="ko-Kore-KR" altLang="en-US" smtClean="0"/>
-              <a:t>2023. 7. 17.</a:t>
+              <a:t>07/17/2023</a:t>
             </a:fld>
             <a:endParaRPr kumimoji="1" lang="ko-Kore-KR" altLang="en-US"/>
           </a:p>
@@ -666,7 +674,7 @@
           <a:p>
             <a:fld id="{05F15ED1-8C0B-1545-9937-F7B300258173}" type="datetimeFigureOut">
               <a:rPr kumimoji="1" lang="ko-Kore-KR" altLang="en-US" smtClean="0"/>
-              <a:t>2023. 7. 17.</a:t>
+              <a:t>07/17/2023</a:t>
             </a:fld>
             <a:endParaRPr kumimoji="1" lang="ko-Kore-KR" altLang="en-US"/>
           </a:p>
@@ -866,7 +874,7 @@
           <a:p>
             <a:fld id="{05F15ED1-8C0B-1545-9937-F7B300258173}" type="datetimeFigureOut">
               <a:rPr kumimoji="1" lang="ko-Kore-KR" altLang="en-US" smtClean="0"/>
-              <a:t>2023. 7. 17.</a:t>
+              <a:t>07/17/2023</a:t>
             </a:fld>
             <a:endParaRPr kumimoji="1" lang="ko-Kore-KR" altLang="en-US"/>
           </a:p>
@@ -1142,7 +1150,7 @@
           <a:p>
             <a:fld id="{05F15ED1-8C0B-1545-9937-F7B300258173}" type="datetimeFigureOut">
               <a:rPr kumimoji="1" lang="ko-Kore-KR" altLang="en-US" smtClean="0"/>
-              <a:t>2023. 7. 17.</a:t>
+              <a:t>07/17/2023</a:t>
             </a:fld>
             <a:endParaRPr kumimoji="1" lang="ko-Kore-KR" altLang="en-US"/>
           </a:p>
@@ -1410,7 +1418,7 @@
           <a:p>
             <a:fld id="{05F15ED1-8C0B-1545-9937-F7B300258173}" type="datetimeFigureOut">
               <a:rPr kumimoji="1" lang="ko-Kore-KR" altLang="en-US" smtClean="0"/>
-              <a:t>2023. 7. 17.</a:t>
+              <a:t>07/17/2023</a:t>
             </a:fld>
             <a:endParaRPr kumimoji="1" lang="ko-Kore-KR" altLang="en-US"/>
           </a:p>
@@ -1825,7 +1833,7 @@
           <a:p>
             <a:fld id="{05F15ED1-8C0B-1545-9937-F7B300258173}" type="datetimeFigureOut">
               <a:rPr kumimoji="1" lang="ko-Kore-KR" altLang="en-US" smtClean="0"/>
-              <a:t>2023. 7. 17.</a:t>
+              <a:t>07/17/2023</a:t>
             </a:fld>
             <a:endParaRPr kumimoji="1" lang="ko-Kore-KR" altLang="en-US"/>
           </a:p>
@@ -1967,7 +1975,7 @@
           <a:p>
             <a:fld id="{05F15ED1-8C0B-1545-9937-F7B300258173}" type="datetimeFigureOut">
               <a:rPr kumimoji="1" lang="ko-Kore-KR" altLang="en-US" smtClean="0"/>
-              <a:t>2023. 7. 17.</a:t>
+              <a:t>07/17/2023</a:t>
             </a:fld>
             <a:endParaRPr kumimoji="1" lang="ko-Kore-KR" altLang="en-US"/>
           </a:p>
@@ -2080,7 +2088,7 @@
           <a:p>
             <a:fld id="{05F15ED1-8C0B-1545-9937-F7B300258173}" type="datetimeFigureOut">
               <a:rPr kumimoji="1" lang="ko-Kore-KR" altLang="en-US" smtClean="0"/>
-              <a:t>2023. 7. 17.</a:t>
+              <a:t>07/17/2023</a:t>
             </a:fld>
             <a:endParaRPr kumimoji="1" lang="ko-Kore-KR" altLang="en-US"/>
           </a:p>
@@ -2393,7 +2401,7 @@
           <a:p>
             <a:fld id="{05F15ED1-8C0B-1545-9937-F7B300258173}" type="datetimeFigureOut">
               <a:rPr kumimoji="1" lang="ko-Kore-KR" altLang="en-US" smtClean="0"/>
-              <a:t>2023. 7. 17.</a:t>
+              <a:t>07/17/2023</a:t>
             </a:fld>
             <a:endParaRPr kumimoji="1" lang="ko-Kore-KR" altLang="en-US"/>
           </a:p>
@@ -2682,7 +2690,7 @@
           <a:p>
             <a:fld id="{05F15ED1-8C0B-1545-9937-F7B300258173}" type="datetimeFigureOut">
               <a:rPr kumimoji="1" lang="ko-Kore-KR" altLang="en-US" smtClean="0"/>
-              <a:t>2023. 7. 17.</a:t>
+              <a:t>07/17/2023</a:t>
             </a:fld>
             <a:endParaRPr kumimoji="1" lang="ko-Kore-KR" altLang="en-US"/>
           </a:p>
@@ -2925,7 +2933,7 @@
           <a:p>
             <a:fld id="{05F15ED1-8C0B-1545-9937-F7B300258173}" type="datetimeFigureOut">
               <a:rPr kumimoji="1" lang="ko-Kore-KR" altLang="en-US" smtClean="0"/>
-              <a:t>2023. 7. 17.</a:t>
+              <a:t>07/17/2023</a:t>
             </a:fld>
             <a:endParaRPr kumimoji="1" lang="ko-Kore-KR" altLang="en-US"/>
           </a:p>
@@ -3732,8 +3740,8 @@
           </a:fontRef>
         </p:style>
       </p:cxnSp>
-      <mc:AlternateContent xmlns:mc="http://schemas.openxmlformats.org/markup-compatibility/2006">
-        <mc:Choice xmlns:a14="http://schemas.microsoft.com/office/drawing/2010/main" Requires="a14">
+      <mc:AlternateContent xmlns:mc="http://schemas.openxmlformats.org/markup-compatibility/2006" xmlns:a14="http://schemas.microsoft.com/office/drawing/2010/main">
+        <mc:Choice Requires="a14">
           <p:sp>
             <p:nvSpPr>
               <p:cNvPr id="32" name="TextBox 31">
@@ -3762,6 +3770,7 @@
               </a:bodyPr>
               <a:lstStyle/>
               <a:p>
+                <a:pPr/>
                 <a14:m>
                   <m:oMathPara xmlns:m="http://schemas.openxmlformats.org/officeDocument/2006/math">
                     <m:oMathParaPr>
@@ -3801,7 +3810,7 @@
             </p:txBody>
           </p:sp>
         </mc:Choice>
-        <mc:Fallback>
+        <mc:Fallback xmlns="">
           <p:sp>
             <p:nvSpPr>
               <p:cNvPr id="32" name="TextBox 31">
@@ -3846,8 +3855,8 @@
           </p:sp>
         </mc:Fallback>
       </mc:AlternateContent>
-      <mc:AlternateContent xmlns:mc="http://schemas.openxmlformats.org/markup-compatibility/2006">
-        <mc:Choice xmlns:a14="http://schemas.microsoft.com/office/drawing/2010/main" Requires="a14">
+      <mc:AlternateContent xmlns:mc="http://schemas.openxmlformats.org/markup-compatibility/2006" xmlns:a14="http://schemas.microsoft.com/office/drawing/2010/main">
+        <mc:Choice Requires="a14">
           <p:sp>
             <p:nvSpPr>
               <p:cNvPr id="33" name="TextBox 32">
@@ -3876,6 +3885,7 @@
               </a:bodyPr>
               <a:lstStyle/>
               <a:p>
+                <a:pPr/>
                 <a14:m>
                   <m:oMathPara xmlns:m="http://schemas.openxmlformats.org/officeDocument/2006/math">
                     <m:oMathParaPr>
@@ -3896,7 +3906,7 @@
             </p:txBody>
           </p:sp>
         </mc:Choice>
-        <mc:Fallback>
+        <mc:Fallback xmlns="">
           <p:sp>
             <p:nvSpPr>
               <p:cNvPr id="33" name="TextBox 32">
@@ -3941,8 +3951,8 @@
           </p:sp>
         </mc:Fallback>
       </mc:AlternateContent>
-      <mc:AlternateContent xmlns:mc="http://schemas.openxmlformats.org/markup-compatibility/2006">
-        <mc:Choice xmlns:a14="http://schemas.microsoft.com/office/drawing/2010/main" Requires="a14">
+      <mc:AlternateContent xmlns:mc="http://schemas.openxmlformats.org/markup-compatibility/2006" xmlns:a14="http://schemas.microsoft.com/office/drawing/2010/main">
+        <mc:Choice Requires="a14">
           <p:sp>
             <p:nvSpPr>
               <p:cNvPr id="34" name="TextBox 33">
@@ -3971,6 +3981,7 @@
               </a:bodyPr>
               <a:lstStyle/>
               <a:p>
+                <a:pPr/>
                 <a14:m>
                   <m:oMathPara xmlns:m="http://schemas.openxmlformats.org/officeDocument/2006/math">
                     <m:oMathParaPr>
@@ -3991,7 +4002,7 @@
             </p:txBody>
           </p:sp>
         </mc:Choice>
-        <mc:Fallback>
+        <mc:Fallback xmlns="">
           <p:sp>
             <p:nvSpPr>
               <p:cNvPr id="34" name="TextBox 33">
@@ -4036,8 +4047,8 @@
           </p:sp>
         </mc:Fallback>
       </mc:AlternateContent>
-      <mc:AlternateContent xmlns:mc="http://schemas.openxmlformats.org/markup-compatibility/2006">
-        <mc:Choice xmlns:a14="http://schemas.microsoft.com/office/drawing/2010/main" Requires="a14">
+      <mc:AlternateContent xmlns:mc="http://schemas.openxmlformats.org/markup-compatibility/2006" xmlns:a14="http://schemas.microsoft.com/office/drawing/2010/main">
+        <mc:Choice Requires="a14">
           <p:sp>
             <p:nvSpPr>
               <p:cNvPr id="36" name="TextBox 35">
@@ -4066,6 +4077,7 @@
               </a:bodyPr>
               <a:lstStyle/>
               <a:p>
+                <a:pPr/>
                 <a14:m>
                   <m:oMathPara xmlns:m="http://schemas.openxmlformats.org/officeDocument/2006/math">
                     <m:oMathParaPr>
@@ -4086,7 +4098,7 @@
             </p:txBody>
           </p:sp>
         </mc:Choice>
-        <mc:Fallback>
+        <mc:Fallback xmlns="">
           <p:sp>
             <p:nvSpPr>
               <p:cNvPr id="36" name="TextBox 35">
@@ -4131,8 +4143,8 @@
           </p:sp>
         </mc:Fallback>
       </mc:AlternateContent>
-      <mc:AlternateContent xmlns:mc="http://schemas.openxmlformats.org/markup-compatibility/2006">
-        <mc:Choice xmlns:a14="http://schemas.microsoft.com/office/drawing/2010/main" Requires="a14">
+      <mc:AlternateContent xmlns:mc="http://schemas.openxmlformats.org/markup-compatibility/2006" xmlns:a14="http://schemas.microsoft.com/office/drawing/2010/main">
+        <mc:Choice Requires="a14">
           <p:sp>
             <p:nvSpPr>
               <p:cNvPr id="37" name="TextBox 36">
@@ -4161,6 +4173,7 @@
               </a:bodyPr>
               <a:lstStyle/>
               <a:p>
+                <a:pPr/>
                 <a14:m>
                   <m:oMathPara xmlns:m="http://schemas.openxmlformats.org/officeDocument/2006/math">
                     <m:oMathParaPr>
@@ -4250,7 +4263,7 @@
             </p:txBody>
           </p:sp>
         </mc:Choice>
-        <mc:Fallback>
+        <mc:Fallback xmlns="">
           <p:sp>
             <p:nvSpPr>
               <p:cNvPr id="37" name="TextBox 36">
@@ -4295,8 +4308,8 @@
           </p:sp>
         </mc:Fallback>
       </mc:AlternateContent>
-      <mc:AlternateContent xmlns:mc="http://schemas.openxmlformats.org/markup-compatibility/2006">
-        <mc:Choice xmlns:a14="http://schemas.microsoft.com/office/drawing/2010/main" Requires="a14">
+      <mc:AlternateContent xmlns:mc="http://schemas.openxmlformats.org/markup-compatibility/2006" xmlns:a14="http://schemas.microsoft.com/office/drawing/2010/main">
+        <mc:Choice Requires="a14">
           <p:sp>
             <p:nvSpPr>
               <p:cNvPr id="38" name="TextBox 37">
@@ -4325,6 +4338,1412 @@
               </a:bodyPr>
               <a:lstStyle/>
               <a:p>
+                <a:pPr/>
+                <a14:m>
+                  <m:oMathPara xmlns:m="http://schemas.openxmlformats.org/officeDocument/2006/math">
+                    <m:oMathParaPr>
+                      <m:jc m:val="centerGroup"/>
+                    </m:oMathParaPr>
+                    <m:oMath xmlns:m="http://schemas.openxmlformats.org/officeDocument/2006/math">
+                      <m:acc>
+                        <m:accPr>
+                          <m:chr m:val="̇"/>
+                          <m:ctrlPr>
+                            <a:rPr kumimoji="1" lang="ko-Kore-KR" altLang="en-US" i="1" smtClean="0">
+                              <a:latin typeface="Cambria Math" panose="02040503050406030204" pitchFamily="18" charset="0"/>
+                            </a:rPr>
+                          </m:ctrlPr>
+                        </m:accPr>
+                        <m:e>
+                          <m:r>
+                            <a:rPr kumimoji="1" lang="en-US" altLang="ko-Kore-KR" b="0" i="1" smtClean="0">
+                              <a:latin typeface="Cambria Math" panose="02040503050406030204" pitchFamily="18" charset="0"/>
+                            </a:rPr>
+                            <m:t>𝑥</m:t>
+                          </m:r>
+                        </m:e>
+                      </m:acc>
+                      <m:r>
+                        <a:rPr kumimoji="1" lang="en-US" altLang="ko-Kore-KR" b="0" i="1" smtClean="0">
+                          <a:latin typeface="Cambria Math" panose="02040503050406030204" pitchFamily="18" charset="0"/>
+                        </a:rPr>
+                        <m:t>=</m:t>
+                      </m:r>
+                      <m:r>
+                        <a:rPr kumimoji="1" lang="en-US" altLang="ko-Kore-KR" b="0" i="1" smtClean="0">
+                          <a:latin typeface="Cambria Math" panose="02040503050406030204" pitchFamily="18" charset="0"/>
+                        </a:rPr>
+                        <m:t>𝐴𝑥</m:t>
+                      </m:r>
+                      <m:r>
+                        <a:rPr kumimoji="1" lang="en-US" altLang="ko-Kore-KR" b="0" i="1" smtClean="0">
+                          <a:latin typeface="Cambria Math" panose="02040503050406030204" pitchFamily="18" charset="0"/>
+                        </a:rPr>
+                        <m:t>+</m:t>
+                      </m:r>
+                      <m:r>
+                        <a:rPr kumimoji="1" lang="en-US" altLang="ko-Kore-KR" b="0" i="1" smtClean="0">
+                          <a:latin typeface="Cambria Math" panose="02040503050406030204" pitchFamily="18" charset="0"/>
+                        </a:rPr>
+                        <m:t>𝐵𝑢</m:t>
+                      </m:r>
+                    </m:oMath>
+                  </m:oMathPara>
+                </a14:m>
+                <a:endParaRPr kumimoji="1" lang="en-US" altLang="ko-Kore-KR" b="0" dirty="0"/>
+              </a:p>
+            </p:txBody>
+          </p:sp>
+        </mc:Choice>
+        <mc:Fallback xmlns="">
+          <p:sp>
+            <p:nvSpPr>
+              <p:cNvPr id="38" name="TextBox 37">
+                <a:extLst>
+                  <a:ext uri="{FF2B5EF4-FFF2-40B4-BE49-F238E27FC236}">
+                    <a16:creationId xmlns:a16="http://schemas.microsoft.com/office/drawing/2014/main" id="{BFDA45FF-844F-F18F-B22C-AF8D5843EEA2}"/>
+                  </a:ext>
+                </a:extLst>
+              </p:cNvPr>
+              <p:cNvSpPr txBox="1">
+                <a:spLocks noRot="1" noChangeAspect="1" noMove="1" noResize="1" noEditPoints="1" noAdjustHandles="1" noChangeArrowheads="1" noChangeShapeType="1" noTextEdit="1"/>
+              </p:cNvSpPr>
+              <p:nvPr/>
+            </p:nvSpPr>
+            <p:spPr>
+              <a:xfrm>
+                <a:off x="7028513" y="1599112"/>
+                <a:ext cx="1327863" cy="276999"/>
+              </a:xfrm>
+              <a:prstGeom prst="rect">
+                <a:avLst/>
+              </a:prstGeom>
+              <a:blipFill>
+                <a:blip r:embed="rId7"/>
+                <a:stretch>
+                  <a:fillRect l="-1887" r="-1887" b="-8696"/>
+                </a:stretch>
+              </a:blipFill>
+            </p:spPr>
+            <p:txBody>
+              <a:bodyPr/>
+              <a:lstStyle/>
+              <a:p>
+                <a:r>
+                  <a:rPr lang="ko-Kore-KR" altLang="en-US">
+                    <a:noFill/>
+                  </a:rPr>
+                  <a:t> </a:t>
+                </a:r>
+              </a:p>
+            </p:txBody>
+          </p:sp>
+        </mc:Fallback>
+      </mc:AlternateContent>
+      <mc:AlternateContent xmlns:mc="http://schemas.openxmlformats.org/markup-compatibility/2006" xmlns:a14="http://schemas.microsoft.com/office/drawing/2010/main">
+        <mc:Choice Requires="a14">
+          <p:sp>
+            <p:nvSpPr>
+              <p:cNvPr id="39" name="TextBox 38">
+                <a:extLst>
+                  <a:ext uri="{FF2B5EF4-FFF2-40B4-BE49-F238E27FC236}">
+                    <a16:creationId xmlns:a16="http://schemas.microsoft.com/office/drawing/2014/main" id="{B20196C5-A6B3-046F-E321-EE5D72B15375}"/>
+                  </a:ext>
+                </a:extLst>
+              </p:cNvPr>
+              <p:cNvSpPr txBox="1"/>
+              <p:nvPr/>
+            </p:nvSpPr>
+            <p:spPr>
+              <a:xfrm>
+                <a:off x="7033816" y="1981646"/>
+                <a:ext cx="1331262" cy="276999"/>
+              </a:xfrm>
+              <a:prstGeom prst="rect">
+                <a:avLst/>
+              </a:prstGeom>
+              <a:noFill/>
+            </p:spPr>
+            <p:txBody>
+              <a:bodyPr wrap="none" lIns="0" tIns="0" rIns="0" bIns="0" rtlCol="0">
+                <a:spAutoFit/>
+              </a:bodyPr>
+              <a:lstStyle/>
+              <a:p>
+                <a:pPr/>
+                <a14:m>
+                  <m:oMathPara xmlns:m="http://schemas.openxmlformats.org/officeDocument/2006/math">
+                    <m:oMathParaPr>
+                      <m:jc m:val="centerGroup"/>
+                    </m:oMathParaPr>
+                    <m:oMath xmlns:m="http://schemas.openxmlformats.org/officeDocument/2006/math">
+                      <m:r>
+                        <a:rPr kumimoji="1" lang="en-US" altLang="ko-Kore-KR" b="0" i="1" smtClean="0">
+                          <a:latin typeface="Cambria Math" panose="02040503050406030204" pitchFamily="18" charset="0"/>
+                        </a:rPr>
+                        <m:t>𝑦</m:t>
+                      </m:r>
+                      <m:r>
+                        <a:rPr kumimoji="1" lang="en-US" altLang="ko-Kore-KR" b="0" i="1" smtClean="0">
+                          <a:latin typeface="Cambria Math" panose="02040503050406030204" pitchFamily="18" charset="0"/>
+                        </a:rPr>
+                        <m:t>=</m:t>
+                      </m:r>
+                      <m:r>
+                        <a:rPr kumimoji="1" lang="en-US" altLang="ko-Kore-KR" b="0" i="1" smtClean="0">
+                          <a:latin typeface="Cambria Math" panose="02040503050406030204" pitchFamily="18" charset="0"/>
+                        </a:rPr>
+                        <m:t>𝐶𝑥</m:t>
+                      </m:r>
+                      <m:r>
+                        <a:rPr kumimoji="1" lang="en-US" altLang="ko-Kore-KR" b="0" i="1" smtClean="0">
+                          <a:latin typeface="Cambria Math" panose="02040503050406030204" pitchFamily="18" charset="0"/>
+                        </a:rPr>
+                        <m:t>+</m:t>
+                      </m:r>
+                      <m:r>
+                        <a:rPr kumimoji="1" lang="en-US" altLang="ko-Kore-KR" b="0" i="1" smtClean="0">
+                          <a:latin typeface="Cambria Math" panose="02040503050406030204" pitchFamily="18" charset="0"/>
+                        </a:rPr>
+                        <m:t>𝐷𝑢</m:t>
+                      </m:r>
+                    </m:oMath>
+                  </m:oMathPara>
+                </a14:m>
+                <a:endParaRPr kumimoji="1" lang="en-US" altLang="ko-Kore-KR" b="0" dirty="0"/>
+              </a:p>
+            </p:txBody>
+          </p:sp>
+        </mc:Choice>
+        <mc:Fallback xmlns="">
+          <p:sp>
+            <p:nvSpPr>
+              <p:cNvPr id="39" name="TextBox 38">
+                <a:extLst>
+                  <a:ext uri="{FF2B5EF4-FFF2-40B4-BE49-F238E27FC236}">
+                    <a16:creationId xmlns:a16="http://schemas.microsoft.com/office/drawing/2014/main" id="{B20196C5-A6B3-046F-E321-EE5D72B15375}"/>
+                  </a:ext>
+                </a:extLst>
+              </p:cNvPr>
+              <p:cNvSpPr txBox="1">
+                <a:spLocks noRot="1" noChangeAspect="1" noMove="1" noResize="1" noEditPoints="1" noAdjustHandles="1" noChangeArrowheads="1" noChangeShapeType="1" noTextEdit="1"/>
+              </p:cNvSpPr>
+              <p:nvPr/>
+            </p:nvSpPr>
+            <p:spPr>
+              <a:xfrm>
+                <a:off x="7033816" y="1981646"/>
+                <a:ext cx="1331262" cy="276999"/>
+              </a:xfrm>
+              <a:prstGeom prst="rect">
+                <a:avLst/>
+              </a:prstGeom>
+              <a:blipFill>
+                <a:blip r:embed="rId8"/>
+                <a:stretch>
+                  <a:fillRect l="-3774" r="-2830" b="-21739"/>
+                </a:stretch>
+              </a:blipFill>
+            </p:spPr>
+            <p:txBody>
+              <a:bodyPr/>
+              <a:lstStyle/>
+              <a:p>
+                <a:r>
+                  <a:rPr lang="ko-Kore-KR" altLang="en-US">
+                    <a:noFill/>
+                  </a:rPr>
+                  <a:t> </a:t>
+                </a:r>
+              </a:p>
+            </p:txBody>
+          </p:sp>
+        </mc:Fallback>
+      </mc:AlternateContent>
+      <p:cxnSp>
+        <p:nvCxnSpPr>
+          <p:cNvPr id="40" name="직선 화살표 연결선 39">
+            <a:extLst>
+              <a:ext uri="{FF2B5EF4-FFF2-40B4-BE49-F238E27FC236}">
+                <a16:creationId xmlns:a16="http://schemas.microsoft.com/office/drawing/2014/main" id="{6320270A-563D-2B17-3087-3666C4686F2D}"/>
+              </a:ext>
+            </a:extLst>
+          </p:cNvPr>
+          <p:cNvCxnSpPr>
+            <a:cxnSpLocks/>
+            <a:stCxn id="6" idx="3"/>
+          </p:cNvCxnSpPr>
+          <p:nvPr/>
+        </p:nvCxnSpPr>
+        <p:spPr>
+          <a:xfrm>
+            <a:off x="8616536" y="1943402"/>
+            <a:ext cx="1782523" cy="0"/>
+          </a:xfrm>
+          <a:prstGeom prst="straightConnector1">
+            <a:avLst/>
+          </a:prstGeom>
+          <a:ln>
+            <a:tailEnd type="triangle"/>
+          </a:ln>
+        </p:spPr>
+        <p:style>
+          <a:lnRef idx="2">
+            <a:schemeClr val="dk1"/>
+          </a:lnRef>
+          <a:fillRef idx="0">
+            <a:schemeClr val="dk1"/>
+          </a:fillRef>
+          <a:effectRef idx="1">
+            <a:schemeClr val="dk1"/>
+          </a:effectRef>
+          <a:fontRef idx="minor">
+            <a:schemeClr val="tx1"/>
+          </a:fontRef>
+        </p:style>
+      </p:cxnSp>
+      <mc:AlternateContent xmlns:mc="http://schemas.openxmlformats.org/markup-compatibility/2006" xmlns:a14="http://schemas.microsoft.com/office/drawing/2010/main">
+        <mc:Choice Requires="a14">
+          <p:sp>
+            <p:nvSpPr>
+              <p:cNvPr id="47" name="TextBox 46">
+                <a:extLst>
+                  <a:ext uri="{FF2B5EF4-FFF2-40B4-BE49-F238E27FC236}">
+                    <a16:creationId xmlns:a16="http://schemas.microsoft.com/office/drawing/2014/main" id="{51BF618A-6BF2-4880-50AD-78313533A4C2}"/>
+                  </a:ext>
+                </a:extLst>
+              </p:cNvPr>
+              <p:cNvSpPr txBox="1"/>
+              <p:nvPr/>
+            </p:nvSpPr>
+            <p:spPr>
+              <a:xfrm>
+                <a:off x="601600" y="1632756"/>
+                <a:ext cx="166969" cy="276999"/>
+              </a:xfrm>
+              <a:prstGeom prst="rect">
+                <a:avLst/>
+              </a:prstGeom>
+              <a:noFill/>
+            </p:spPr>
+            <p:txBody>
+              <a:bodyPr wrap="none" lIns="0" tIns="0" rIns="0" bIns="0" rtlCol="0">
+                <a:spAutoFit/>
+              </a:bodyPr>
+              <a:lstStyle/>
+              <a:p>
+                <a:pPr/>
+                <a14:m>
+                  <m:oMathPara xmlns:m="http://schemas.openxmlformats.org/officeDocument/2006/math">
+                    <m:oMathParaPr>
+                      <m:jc m:val="centerGroup"/>
+                    </m:oMathParaPr>
+                    <m:oMath xmlns:m="http://schemas.openxmlformats.org/officeDocument/2006/math">
+                      <m:r>
+                        <a:rPr kumimoji="1" lang="en-US" altLang="ko-Kore-KR" b="0" i="1" smtClean="0">
+                          <a:latin typeface="Cambria Math" panose="02040503050406030204" pitchFamily="18" charset="0"/>
+                        </a:rPr>
+                        <m:t>𝑟</m:t>
+                      </m:r>
+                    </m:oMath>
+                  </m:oMathPara>
+                </a14:m>
+                <a:endParaRPr kumimoji="1" lang="ko-Kore-KR" altLang="en-US" dirty="0"/>
+              </a:p>
+            </p:txBody>
+          </p:sp>
+        </mc:Choice>
+        <mc:Fallback xmlns="">
+          <p:sp>
+            <p:nvSpPr>
+              <p:cNvPr id="47" name="TextBox 46">
+                <a:extLst>
+                  <a:ext uri="{FF2B5EF4-FFF2-40B4-BE49-F238E27FC236}">
+                    <a16:creationId xmlns:a16="http://schemas.microsoft.com/office/drawing/2014/main" id="{51BF618A-6BF2-4880-50AD-78313533A4C2}"/>
+                  </a:ext>
+                </a:extLst>
+              </p:cNvPr>
+              <p:cNvSpPr txBox="1">
+                <a:spLocks noRot="1" noChangeAspect="1" noMove="1" noResize="1" noEditPoints="1" noAdjustHandles="1" noChangeArrowheads="1" noChangeShapeType="1" noTextEdit="1"/>
+              </p:cNvSpPr>
+              <p:nvPr/>
+            </p:nvSpPr>
+            <p:spPr>
+              <a:xfrm>
+                <a:off x="601600" y="1632756"/>
+                <a:ext cx="166969" cy="276999"/>
+              </a:xfrm>
+              <a:prstGeom prst="rect">
+                <a:avLst/>
+              </a:prstGeom>
+              <a:blipFill>
+                <a:blip r:embed="rId9"/>
+                <a:stretch>
+                  <a:fillRect l="-21429" r="-14286"/>
+                </a:stretch>
+              </a:blipFill>
+            </p:spPr>
+            <p:txBody>
+              <a:bodyPr/>
+              <a:lstStyle/>
+              <a:p>
+                <a:r>
+                  <a:rPr lang="ko-Kore-KR" altLang="en-US">
+                    <a:noFill/>
+                  </a:rPr>
+                  <a:t> </a:t>
+                </a:r>
+              </a:p>
+            </p:txBody>
+          </p:sp>
+        </mc:Fallback>
+      </mc:AlternateContent>
+      <mc:AlternateContent xmlns:mc="http://schemas.openxmlformats.org/markup-compatibility/2006" xmlns:a14="http://schemas.microsoft.com/office/drawing/2010/main">
+        <mc:Choice Requires="a14">
+          <p:sp>
+            <p:nvSpPr>
+              <p:cNvPr id="48" name="TextBox 47">
+                <a:extLst>
+                  <a:ext uri="{FF2B5EF4-FFF2-40B4-BE49-F238E27FC236}">
+                    <a16:creationId xmlns:a16="http://schemas.microsoft.com/office/drawing/2014/main" id="{DE546BE9-22E1-001F-0A83-DE748FA565F8}"/>
+                  </a:ext>
+                </a:extLst>
+              </p:cNvPr>
+              <p:cNvSpPr txBox="1"/>
+              <p:nvPr/>
+            </p:nvSpPr>
+            <p:spPr>
+              <a:xfrm>
+                <a:off x="8962604" y="1666402"/>
+                <a:ext cx="186718" cy="276999"/>
+              </a:xfrm>
+              <a:prstGeom prst="rect">
+                <a:avLst/>
+              </a:prstGeom>
+              <a:noFill/>
+            </p:spPr>
+            <p:txBody>
+              <a:bodyPr wrap="none" lIns="0" tIns="0" rIns="0" bIns="0" rtlCol="0">
+                <a:spAutoFit/>
+              </a:bodyPr>
+              <a:lstStyle/>
+              <a:p>
+                <a:pPr/>
+                <a14:m>
+                  <m:oMathPara xmlns:m="http://schemas.openxmlformats.org/officeDocument/2006/math">
+                    <m:oMathParaPr>
+                      <m:jc m:val="centerGroup"/>
+                    </m:oMathParaPr>
+                    <m:oMath xmlns:m="http://schemas.openxmlformats.org/officeDocument/2006/math">
+                      <m:r>
+                        <a:rPr kumimoji="1" lang="en-US" altLang="ko-Kore-KR" b="0" i="1" smtClean="0">
+                          <a:latin typeface="Cambria Math" panose="02040503050406030204" pitchFamily="18" charset="0"/>
+                        </a:rPr>
+                        <m:t>𝑦</m:t>
+                      </m:r>
+                    </m:oMath>
+                  </m:oMathPara>
+                </a14:m>
+                <a:endParaRPr kumimoji="1" lang="ko-Kore-KR" altLang="en-US" dirty="0"/>
+              </a:p>
+            </p:txBody>
+          </p:sp>
+        </mc:Choice>
+        <mc:Fallback xmlns="">
+          <p:sp>
+            <p:nvSpPr>
+              <p:cNvPr id="48" name="TextBox 47">
+                <a:extLst>
+                  <a:ext uri="{FF2B5EF4-FFF2-40B4-BE49-F238E27FC236}">
+                    <a16:creationId xmlns:a16="http://schemas.microsoft.com/office/drawing/2014/main" id="{DE546BE9-22E1-001F-0A83-DE748FA565F8}"/>
+                  </a:ext>
+                </a:extLst>
+              </p:cNvPr>
+              <p:cNvSpPr txBox="1">
+                <a:spLocks noRot="1" noChangeAspect="1" noMove="1" noResize="1" noEditPoints="1" noAdjustHandles="1" noChangeArrowheads="1" noChangeShapeType="1" noTextEdit="1"/>
+              </p:cNvSpPr>
+              <p:nvPr/>
+            </p:nvSpPr>
+            <p:spPr>
+              <a:xfrm>
+                <a:off x="8962604" y="1666402"/>
+                <a:ext cx="186718" cy="276999"/>
+              </a:xfrm>
+              <a:prstGeom prst="rect">
+                <a:avLst/>
+              </a:prstGeom>
+              <a:blipFill>
+                <a:blip r:embed="rId10"/>
+                <a:stretch>
+                  <a:fillRect l="-25000" r="-25000" b="-21739"/>
+                </a:stretch>
+              </a:blipFill>
+            </p:spPr>
+            <p:txBody>
+              <a:bodyPr/>
+              <a:lstStyle/>
+              <a:p>
+                <a:r>
+                  <a:rPr lang="ko-Kore-KR" altLang="en-US">
+                    <a:noFill/>
+                  </a:rPr>
+                  <a:t> </a:t>
+                </a:r>
+              </a:p>
+            </p:txBody>
+          </p:sp>
+        </mc:Fallback>
+      </mc:AlternateContent>
+      <mc:AlternateContent xmlns:mc="http://schemas.openxmlformats.org/markup-compatibility/2006" xmlns:a14="http://schemas.microsoft.com/office/drawing/2010/main">
+        <mc:Choice Requires="a14">
+          <p:sp>
+            <p:nvSpPr>
+              <p:cNvPr id="49" name="TextBox 48">
+                <a:extLst>
+                  <a:ext uri="{FF2B5EF4-FFF2-40B4-BE49-F238E27FC236}">
+                    <a16:creationId xmlns:a16="http://schemas.microsoft.com/office/drawing/2014/main" id="{CA182889-6AB4-7028-2CD0-D7838906BF41}"/>
+                  </a:ext>
+                </a:extLst>
+              </p:cNvPr>
+              <p:cNvSpPr txBox="1"/>
+              <p:nvPr/>
+            </p:nvSpPr>
+            <p:spPr>
+              <a:xfrm>
+                <a:off x="6810738" y="3259580"/>
+                <a:ext cx="183319" cy="276999"/>
+              </a:xfrm>
+              <a:prstGeom prst="rect">
+                <a:avLst/>
+              </a:prstGeom>
+              <a:noFill/>
+            </p:spPr>
+            <p:txBody>
+              <a:bodyPr wrap="none" lIns="0" tIns="0" rIns="0" bIns="0" rtlCol="0">
+                <a:spAutoFit/>
+              </a:bodyPr>
+              <a:lstStyle/>
+              <a:p>
+                <a:pPr/>
+                <a14:m>
+                  <m:oMathPara xmlns:m="http://schemas.openxmlformats.org/officeDocument/2006/math">
+                    <m:oMathParaPr>
+                      <m:jc m:val="centerGroup"/>
+                    </m:oMathParaPr>
+                    <m:oMath xmlns:m="http://schemas.openxmlformats.org/officeDocument/2006/math">
+                      <m:r>
+                        <a:rPr kumimoji="1" lang="en-US" altLang="ko-Kore-KR" b="0" i="1" smtClean="0">
+                          <a:latin typeface="Cambria Math" panose="02040503050406030204" pitchFamily="18" charset="0"/>
+                        </a:rPr>
+                        <m:t>𝑥</m:t>
+                      </m:r>
+                    </m:oMath>
+                  </m:oMathPara>
+                </a14:m>
+                <a:endParaRPr kumimoji="1" lang="ko-Kore-KR" altLang="en-US" dirty="0"/>
+              </a:p>
+            </p:txBody>
+          </p:sp>
+        </mc:Choice>
+        <mc:Fallback xmlns="">
+          <p:sp>
+            <p:nvSpPr>
+              <p:cNvPr id="49" name="TextBox 48">
+                <a:extLst>
+                  <a:ext uri="{FF2B5EF4-FFF2-40B4-BE49-F238E27FC236}">
+                    <a16:creationId xmlns:a16="http://schemas.microsoft.com/office/drawing/2014/main" id="{CA182889-6AB4-7028-2CD0-D7838906BF41}"/>
+                  </a:ext>
+                </a:extLst>
+              </p:cNvPr>
+              <p:cNvSpPr txBox="1">
+                <a:spLocks noRot="1" noChangeAspect="1" noMove="1" noResize="1" noEditPoints="1" noAdjustHandles="1" noChangeArrowheads="1" noChangeShapeType="1" noTextEdit="1"/>
+              </p:cNvSpPr>
+              <p:nvPr/>
+            </p:nvSpPr>
+            <p:spPr>
+              <a:xfrm>
+                <a:off x="6810738" y="3259580"/>
+                <a:ext cx="183319" cy="276999"/>
+              </a:xfrm>
+              <a:prstGeom prst="rect">
+                <a:avLst/>
+              </a:prstGeom>
+              <a:blipFill>
+                <a:blip r:embed="rId11"/>
+                <a:stretch>
+                  <a:fillRect l="-20000" r="-13333"/>
+                </a:stretch>
+              </a:blipFill>
+            </p:spPr>
+            <p:txBody>
+              <a:bodyPr/>
+              <a:lstStyle/>
+              <a:p>
+                <a:r>
+                  <a:rPr lang="ko-Kore-KR" altLang="en-US">
+                    <a:noFill/>
+                  </a:rPr>
+                  <a:t> </a:t>
+                </a:r>
+              </a:p>
+            </p:txBody>
+          </p:sp>
+        </mc:Fallback>
+      </mc:AlternateContent>
+    </p:spTree>
+    <p:extLst>
+      <p:ext uri="{BB962C8B-B14F-4D97-AF65-F5344CB8AC3E}">
+        <p14:creationId xmlns:p14="http://schemas.microsoft.com/office/powerpoint/2010/main" val="3291112625"/>
+      </p:ext>
+    </p:extLst>
+  </p:cSld>
+  <p:clrMapOvr>
+    <a:masterClrMapping/>
+  </p:clrMapOvr>
+</p:sld>
+</file>
+
+<file path=ppt/slides/slide2.xml><?xml version="1.0" encoding="utf-8"?>
+<p:sld xmlns:a="http://schemas.openxmlformats.org/drawingml/2006/main" xmlns:r="http://schemas.openxmlformats.org/officeDocument/2006/relationships" xmlns:p="http://schemas.openxmlformats.org/presentationml/2006/main">
+  <p:cSld>
+    <p:spTree>
+      <p:nvGrpSpPr>
+        <p:cNvPr id="1" name=""/>
+        <p:cNvGrpSpPr/>
+        <p:nvPr/>
+      </p:nvGrpSpPr>
+      <p:grpSpPr>
+        <a:xfrm>
+          <a:off x="0" y="0"/>
+          <a:ext cx="0" cy="0"/>
+          <a:chOff x="0" y="0"/>
+          <a:chExt cx="0" cy="0"/>
+        </a:xfrm>
+      </p:grpSpPr>
+      <p:sp>
+        <p:nvSpPr>
+          <p:cNvPr id="4" name="모서리가 둥근 직사각형 3">
+            <a:extLst>
+              <a:ext uri="{FF2B5EF4-FFF2-40B4-BE49-F238E27FC236}">
+                <a16:creationId xmlns:a16="http://schemas.microsoft.com/office/drawing/2014/main" id="{EFF7D143-1F0C-CBAB-E8BB-5811A2B625A8}"/>
+              </a:ext>
+            </a:extLst>
+          </p:cNvPr>
+          <p:cNvSpPr/>
+          <p:nvPr/>
+        </p:nvSpPr>
+        <p:spPr>
+          <a:xfrm>
+            <a:off x="1125319" y="2273364"/>
+            <a:ext cx="963827" cy="691978"/>
+          </a:xfrm>
+          <a:prstGeom prst="roundRect">
+            <a:avLst/>
+          </a:prstGeom>
+        </p:spPr>
+        <p:style>
+          <a:lnRef idx="3">
+            <a:schemeClr val="lt1"/>
+          </a:lnRef>
+          <a:fillRef idx="1">
+            <a:schemeClr val="accent4"/>
+          </a:fillRef>
+          <a:effectRef idx="1">
+            <a:schemeClr val="accent4"/>
+          </a:effectRef>
+          <a:fontRef idx="minor">
+            <a:schemeClr val="lt1"/>
+          </a:fontRef>
+        </p:style>
+        <p:txBody>
+          <a:bodyPr rtlCol="0" anchor="ctr"/>
+          <a:lstStyle/>
+          <a:p>
+            <a:pPr algn="ctr"/>
+            <a:endParaRPr kumimoji="1" lang="ko-Kore-KR" altLang="en-US" dirty="0"/>
+          </a:p>
+        </p:txBody>
+      </p:sp>
+      <p:sp>
+        <p:nvSpPr>
+          <p:cNvPr id="5" name="모서리가 둥근 직사각형 4">
+            <a:extLst>
+              <a:ext uri="{FF2B5EF4-FFF2-40B4-BE49-F238E27FC236}">
+                <a16:creationId xmlns:a16="http://schemas.microsoft.com/office/drawing/2014/main" id="{0BE9EFF4-9B67-6909-735C-6C59FC0BA392}"/>
+              </a:ext>
+            </a:extLst>
+          </p:cNvPr>
+          <p:cNvSpPr/>
+          <p:nvPr/>
+        </p:nvSpPr>
+        <p:spPr>
+          <a:xfrm>
+            <a:off x="2896979" y="3864845"/>
+            <a:ext cx="963827" cy="691978"/>
+          </a:xfrm>
+          <a:prstGeom prst="roundRect">
+            <a:avLst/>
+          </a:prstGeom>
+        </p:spPr>
+        <p:style>
+          <a:lnRef idx="3">
+            <a:schemeClr val="lt1"/>
+          </a:lnRef>
+          <a:fillRef idx="1">
+            <a:schemeClr val="accent4"/>
+          </a:fillRef>
+          <a:effectRef idx="1">
+            <a:schemeClr val="accent4"/>
+          </a:effectRef>
+          <a:fontRef idx="minor">
+            <a:schemeClr val="lt1"/>
+          </a:fontRef>
+        </p:style>
+        <p:txBody>
+          <a:bodyPr rtlCol="0" anchor="ctr"/>
+          <a:lstStyle/>
+          <a:p>
+            <a:pPr algn="ctr"/>
+            <a:endParaRPr kumimoji="1" lang="ko-Kore-KR" altLang="en-US"/>
+          </a:p>
+        </p:txBody>
+      </p:sp>
+      <p:sp>
+        <p:nvSpPr>
+          <p:cNvPr id="6" name="모서리가 둥근 직사각형 5">
+            <a:extLst>
+              <a:ext uri="{FF2B5EF4-FFF2-40B4-BE49-F238E27FC236}">
+                <a16:creationId xmlns:a16="http://schemas.microsoft.com/office/drawing/2014/main" id="{75F40AFD-6D1C-5772-7CAF-8B06BEC31306}"/>
+              </a:ext>
+            </a:extLst>
+          </p:cNvPr>
+          <p:cNvSpPr/>
+          <p:nvPr/>
+        </p:nvSpPr>
+        <p:spPr>
+          <a:xfrm>
+            <a:off x="3572583" y="2135501"/>
+            <a:ext cx="1848182" cy="964311"/>
+          </a:xfrm>
+          <a:prstGeom prst="roundRect">
+            <a:avLst/>
+          </a:prstGeom>
+        </p:spPr>
+        <p:style>
+          <a:lnRef idx="3">
+            <a:schemeClr val="lt1"/>
+          </a:lnRef>
+          <a:fillRef idx="1">
+            <a:schemeClr val="accent4"/>
+          </a:fillRef>
+          <a:effectRef idx="1">
+            <a:schemeClr val="accent4"/>
+          </a:effectRef>
+          <a:fontRef idx="minor">
+            <a:schemeClr val="lt1"/>
+          </a:fontRef>
+        </p:style>
+        <p:txBody>
+          <a:bodyPr rtlCol="0" anchor="ctr"/>
+          <a:lstStyle/>
+          <a:p>
+            <a:pPr algn="ctr"/>
+            <a:endParaRPr kumimoji="1" lang="ko-Kore-KR" altLang="en-US" dirty="0"/>
+          </a:p>
+        </p:txBody>
+      </p:sp>
+      <p:sp>
+        <p:nvSpPr>
+          <p:cNvPr id="8" name="타원 7">
+            <a:extLst>
+              <a:ext uri="{FF2B5EF4-FFF2-40B4-BE49-F238E27FC236}">
+                <a16:creationId xmlns:a16="http://schemas.microsoft.com/office/drawing/2014/main" id="{1F795A3E-8DF9-F8DE-078F-E881EACFFEF9}"/>
+              </a:ext>
+            </a:extLst>
+          </p:cNvPr>
+          <p:cNvSpPr/>
+          <p:nvPr/>
+        </p:nvSpPr>
+        <p:spPr>
+          <a:xfrm>
+            <a:off x="2335446" y="2411469"/>
+            <a:ext cx="412376" cy="412376"/>
+          </a:xfrm>
+          <a:prstGeom prst="ellipse">
+            <a:avLst/>
+          </a:prstGeom>
+        </p:spPr>
+        <p:style>
+          <a:lnRef idx="3">
+            <a:schemeClr val="lt1"/>
+          </a:lnRef>
+          <a:fillRef idx="1">
+            <a:schemeClr val="accent4"/>
+          </a:fillRef>
+          <a:effectRef idx="1">
+            <a:schemeClr val="accent4"/>
+          </a:effectRef>
+          <a:fontRef idx="minor">
+            <a:schemeClr val="lt1"/>
+          </a:fontRef>
+        </p:style>
+        <p:txBody>
+          <a:bodyPr rtlCol="0" anchor="ctr"/>
+          <a:lstStyle/>
+          <a:p>
+            <a:pPr algn="ctr"/>
+            <a:endParaRPr kumimoji="1" lang="ko-Kore-KR" altLang="en-US"/>
+          </a:p>
+        </p:txBody>
+      </p:sp>
+      <p:cxnSp>
+        <p:nvCxnSpPr>
+          <p:cNvPr id="10" name="직선 화살표 연결선 9">
+            <a:extLst>
+              <a:ext uri="{FF2B5EF4-FFF2-40B4-BE49-F238E27FC236}">
+                <a16:creationId xmlns:a16="http://schemas.microsoft.com/office/drawing/2014/main" id="{8DF428D7-C0B9-1B75-4974-D8B1A84DE666}"/>
+              </a:ext>
+            </a:extLst>
+          </p:cNvPr>
+          <p:cNvCxnSpPr>
+            <a:cxnSpLocks/>
+            <a:stCxn id="4" idx="3"/>
+            <a:endCxn id="8" idx="2"/>
+          </p:cNvCxnSpPr>
+          <p:nvPr/>
+        </p:nvCxnSpPr>
+        <p:spPr>
+          <a:xfrm flipV="1">
+            <a:off x="2089146" y="2617657"/>
+            <a:ext cx="246300" cy="1696"/>
+          </a:xfrm>
+          <a:prstGeom prst="straightConnector1">
+            <a:avLst/>
+          </a:prstGeom>
+          <a:ln>
+            <a:tailEnd type="triangle"/>
+          </a:ln>
+        </p:spPr>
+        <p:style>
+          <a:lnRef idx="2">
+            <a:schemeClr val="dk1"/>
+          </a:lnRef>
+          <a:fillRef idx="0">
+            <a:schemeClr val="dk1"/>
+          </a:fillRef>
+          <a:effectRef idx="1">
+            <a:schemeClr val="dk1"/>
+          </a:effectRef>
+          <a:fontRef idx="minor">
+            <a:schemeClr val="tx1"/>
+          </a:fontRef>
+        </p:style>
+      </p:cxnSp>
+      <p:cxnSp>
+        <p:nvCxnSpPr>
+          <p:cNvPr id="12" name="직선 화살표 연결선 11">
+            <a:extLst>
+              <a:ext uri="{FF2B5EF4-FFF2-40B4-BE49-F238E27FC236}">
+                <a16:creationId xmlns:a16="http://schemas.microsoft.com/office/drawing/2014/main" id="{6292A000-BF2B-8F5E-EE57-3BDA40286014}"/>
+              </a:ext>
+            </a:extLst>
+          </p:cNvPr>
+          <p:cNvCxnSpPr>
+            <a:cxnSpLocks/>
+            <a:endCxn id="4" idx="1"/>
+          </p:cNvCxnSpPr>
+          <p:nvPr/>
+        </p:nvCxnSpPr>
+        <p:spPr>
+          <a:xfrm>
+            <a:off x="609600" y="2619353"/>
+            <a:ext cx="515719" cy="0"/>
+          </a:xfrm>
+          <a:prstGeom prst="straightConnector1">
+            <a:avLst/>
+          </a:prstGeom>
+          <a:ln>
+            <a:tailEnd type="triangle"/>
+          </a:ln>
+        </p:spPr>
+        <p:style>
+          <a:lnRef idx="2">
+            <a:schemeClr val="dk1"/>
+          </a:lnRef>
+          <a:fillRef idx="0">
+            <a:schemeClr val="dk1"/>
+          </a:fillRef>
+          <a:effectRef idx="1">
+            <a:schemeClr val="dk1"/>
+          </a:effectRef>
+          <a:fontRef idx="minor">
+            <a:schemeClr val="tx1"/>
+          </a:fontRef>
+        </p:style>
+      </p:cxnSp>
+      <p:cxnSp>
+        <p:nvCxnSpPr>
+          <p:cNvPr id="16" name="직선 화살표 연결선 15">
+            <a:extLst>
+              <a:ext uri="{FF2B5EF4-FFF2-40B4-BE49-F238E27FC236}">
+                <a16:creationId xmlns:a16="http://schemas.microsoft.com/office/drawing/2014/main" id="{62D4C061-9239-093D-C3F6-0BEC7B754A38}"/>
+              </a:ext>
+            </a:extLst>
+          </p:cNvPr>
+          <p:cNvCxnSpPr>
+            <a:cxnSpLocks/>
+            <a:stCxn id="8" idx="6"/>
+            <a:endCxn id="6" idx="1"/>
+          </p:cNvCxnSpPr>
+          <p:nvPr/>
+        </p:nvCxnSpPr>
+        <p:spPr>
+          <a:xfrm>
+            <a:off x="2747822" y="2617657"/>
+            <a:ext cx="824761" cy="0"/>
+          </a:xfrm>
+          <a:prstGeom prst="straightConnector1">
+            <a:avLst/>
+          </a:prstGeom>
+          <a:ln>
+            <a:tailEnd type="triangle"/>
+          </a:ln>
+        </p:spPr>
+        <p:style>
+          <a:lnRef idx="2">
+            <a:schemeClr val="dk1"/>
+          </a:lnRef>
+          <a:fillRef idx="0">
+            <a:schemeClr val="dk1"/>
+          </a:fillRef>
+          <a:effectRef idx="1">
+            <a:schemeClr val="dk1"/>
+          </a:effectRef>
+          <a:fontRef idx="minor">
+            <a:schemeClr val="tx1"/>
+          </a:fontRef>
+        </p:style>
+      </p:cxnSp>
+      <p:cxnSp>
+        <p:nvCxnSpPr>
+          <p:cNvPr id="22" name="꺾인 연결선[E] 21">
+            <a:extLst>
+              <a:ext uri="{FF2B5EF4-FFF2-40B4-BE49-F238E27FC236}">
+                <a16:creationId xmlns:a16="http://schemas.microsoft.com/office/drawing/2014/main" id="{7EAE379D-2F00-3CEA-C7A7-C972D52F081F}"/>
+              </a:ext>
+            </a:extLst>
+          </p:cNvPr>
+          <p:cNvCxnSpPr>
+            <a:cxnSpLocks/>
+            <a:stCxn id="6" idx="2"/>
+            <a:endCxn id="5" idx="3"/>
+          </p:cNvCxnSpPr>
+          <p:nvPr/>
+        </p:nvCxnSpPr>
+        <p:spPr>
+          <a:xfrm rot="5400000">
+            <a:off x="3623229" y="3337389"/>
+            <a:ext cx="1111022" cy="635868"/>
+          </a:xfrm>
+          <a:prstGeom prst="bentConnector2">
+            <a:avLst/>
+          </a:prstGeom>
+          <a:ln>
+            <a:tailEnd type="triangle"/>
+          </a:ln>
+        </p:spPr>
+        <p:style>
+          <a:lnRef idx="2">
+            <a:schemeClr val="dk1"/>
+          </a:lnRef>
+          <a:fillRef idx="0">
+            <a:schemeClr val="dk1"/>
+          </a:fillRef>
+          <a:effectRef idx="1">
+            <a:schemeClr val="dk1"/>
+          </a:effectRef>
+          <a:fontRef idx="minor">
+            <a:schemeClr val="tx1"/>
+          </a:fontRef>
+        </p:style>
+      </p:cxnSp>
+      <p:cxnSp>
+        <p:nvCxnSpPr>
+          <p:cNvPr id="26" name="꺾인 연결선[E] 25">
+            <a:extLst>
+              <a:ext uri="{FF2B5EF4-FFF2-40B4-BE49-F238E27FC236}">
+                <a16:creationId xmlns:a16="http://schemas.microsoft.com/office/drawing/2014/main" id="{1AB826A0-E954-F05C-9E9B-7EB53721EAE6}"/>
+              </a:ext>
+            </a:extLst>
+          </p:cNvPr>
+          <p:cNvCxnSpPr>
+            <a:cxnSpLocks/>
+            <a:stCxn id="5" idx="1"/>
+            <a:endCxn id="8" idx="4"/>
+          </p:cNvCxnSpPr>
+          <p:nvPr/>
+        </p:nvCxnSpPr>
+        <p:spPr>
+          <a:xfrm rot="10800000">
+            <a:off x="2541635" y="2823846"/>
+            <a:ext cx="355345" cy="1386989"/>
+          </a:xfrm>
+          <a:prstGeom prst="bentConnector2">
+            <a:avLst/>
+          </a:prstGeom>
+          <a:ln>
+            <a:tailEnd type="triangle"/>
+          </a:ln>
+        </p:spPr>
+        <p:style>
+          <a:lnRef idx="2">
+            <a:schemeClr val="dk1"/>
+          </a:lnRef>
+          <a:fillRef idx="0">
+            <a:schemeClr val="dk1"/>
+          </a:fillRef>
+          <a:effectRef idx="1">
+            <a:schemeClr val="dk1"/>
+          </a:effectRef>
+          <a:fontRef idx="minor">
+            <a:schemeClr val="tx1"/>
+          </a:fontRef>
+        </p:style>
+      </p:cxnSp>
+      <mc:AlternateContent xmlns:mc="http://schemas.openxmlformats.org/markup-compatibility/2006">
+        <mc:Choice xmlns:a14="http://schemas.microsoft.com/office/drawing/2010/main" Requires="a14">
+          <p:sp>
+            <p:nvSpPr>
+              <p:cNvPr id="32" name="TextBox 31">
+                <a:extLst>
+                  <a:ext uri="{FF2B5EF4-FFF2-40B4-BE49-F238E27FC236}">
+                    <a16:creationId xmlns:a16="http://schemas.microsoft.com/office/drawing/2014/main" id="{567A1840-CA2A-0EEA-68B9-7276F567348F}"/>
+                  </a:ext>
+                </a:extLst>
+              </p:cNvPr>
+              <p:cNvSpPr txBox="1"/>
+              <p:nvPr/>
+            </p:nvSpPr>
+            <p:spPr>
+              <a:xfrm>
+                <a:off x="1420326" y="2432990"/>
+                <a:ext cx="377347" cy="369332"/>
+              </a:xfrm>
+              <a:prstGeom prst="rect">
+                <a:avLst/>
+              </a:prstGeom>
+              <a:noFill/>
+            </p:spPr>
+            <p:txBody>
+              <a:bodyPr wrap="none" lIns="0" tIns="0" rIns="0" bIns="0" rtlCol="0">
+                <a:spAutoFit/>
+              </a:bodyPr>
+              <a:lstStyle/>
+              <a:p>
+                <a:pPr/>
+                <a14:m>
+                  <m:oMathPara xmlns:m="http://schemas.openxmlformats.org/officeDocument/2006/math">
+                    <m:oMathParaPr>
+                      <m:jc m:val="centerGroup"/>
+                    </m:oMathParaPr>
+                    <m:oMath xmlns:m="http://schemas.openxmlformats.org/officeDocument/2006/math">
+                      <m:sSub>
+                        <m:sSubPr>
+                          <m:ctrlPr>
+                            <a:rPr kumimoji="1" lang="en-US" altLang="ko-Kore-KR" sz="2400" b="0" i="1" smtClean="0">
+                              <a:latin typeface="Cambria Math" panose="02040503050406030204" pitchFamily="18" charset="0"/>
+                            </a:rPr>
+                          </m:ctrlPr>
+                        </m:sSubPr>
+                        <m:e>
+                          <m:r>
+                            <a:rPr kumimoji="1" lang="en-US" altLang="ko-Kore-KR" sz="2400" b="0" i="1" smtClean="0">
+                              <a:latin typeface="Cambria Math" panose="02040503050406030204" pitchFamily="18" charset="0"/>
+                            </a:rPr>
+                            <m:t>𝑘</m:t>
+                          </m:r>
+                        </m:e>
+                        <m:sub>
+                          <m:r>
+                            <a:rPr kumimoji="1" lang="en-US" altLang="ko-Kore-KR" sz="2400" b="0" i="1" smtClean="0">
+                              <a:latin typeface="Cambria Math" panose="02040503050406030204" pitchFamily="18" charset="0"/>
+                            </a:rPr>
+                            <m:t>𝑟</m:t>
+                          </m:r>
+                        </m:sub>
+                      </m:sSub>
+                    </m:oMath>
+                  </m:oMathPara>
+                </a14:m>
+                <a:endParaRPr kumimoji="1" lang="ko-Kore-KR" altLang="en-US" sz="2400" dirty="0"/>
+              </a:p>
+            </p:txBody>
+          </p:sp>
+        </mc:Choice>
+        <mc:Fallback>
+          <p:sp>
+            <p:nvSpPr>
+              <p:cNvPr id="32" name="TextBox 31">
+                <a:extLst>
+                  <a:ext uri="{FF2B5EF4-FFF2-40B4-BE49-F238E27FC236}">
+                    <a16:creationId xmlns:a16="http://schemas.microsoft.com/office/drawing/2014/main" id="{567A1840-CA2A-0EEA-68B9-7276F567348F}"/>
+                  </a:ext>
+                </a:extLst>
+              </p:cNvPr>
+              <p:cNvSpPr txBox="1">
+                <a:spLocks noRot="1" noChangeAspect="1" noMove="1" noResize="1" noEditPoints="1" noAdjustHandles="1" noChangeArrowheads="1" noChangeShapeType="1" noTextEdit="1"/>
+              </p:cNvSpPr>
+              <p:nvPr/>
+            </p:nvSpPr>
+            <p:spPr>
+              <a:xfrm>
+                <a:off x="1420326" y="2432990"/>
+                <a:ext cx="377347" cy="369332"/>
+              </a:xfrm>
+              <a:prstGeom prst="rect">
+                <a:avLst/>
+              </a:prstGeom>
+              <a:blipFill>
+                <a:blip r:embed="rId2"/>
+                <a:stretch>
+                  <a:fillRect l="-19355" r="-1613" b="-9836"/>
+                </a:stretch>
+              </a:blipFill>
+            </p:spPr>
+            <p:txBody>
+              <a:bodyPr/>
+              <a:lstStyle/>
+              <a:p>
+                <a:r>
+                  <a:rPr lang="ko-KR" altLang="en-US">
+                    <a:noFill/>
+                  </a:rPr>
+                  <a:t> </a:t>
+                </a:r>
+              </a:p>
+            </p:txBody>
+          </p:sp>
+        </mc:Fallback>
+      </mc:AlternateContent>
+      <mc:AlternateContent xmlns:mc="http://schemas.openxmlformats.org/markup-compatibility/2006">
+        <mc:Choice xmlns:a14="http://schemas.microsoft.com/office/drawing/2010/main" Requires="a14">
+          <p:sp>
+            <p:nvSpPr>
+              <p:cNvPr id="33" name="TextBox 32">
+                <a:extLst>
+                  <a:ext uri="{FF2B5EF4-FFF2-40B4-BE49-F238E27FC236}">
+                    <a16:creationId xmlns:a16="http://schemas.microsoft.com/office/drawing/2014/main" id="{2E6284E0-8B7E-A21C-3EB9-806C694968A4}"/>
+                  </a:ext>
+                </a:extLst>
+              </p:cNvPr>
+              <p:cNvSpPr txBox="1"/>
+              <p:nvPr/>
+            </p:nvSpPr>
+            <p:spPr>
+              <a:xfrm>
+                <a:off x="2164841" y="2203855"/>
+                <a:ext cx="226024" cy="276999"/>
+              </a:xfrm>
+              <a:prstGeom prst="rect">
+                <a:avLst/>
+              </a:prstGeom>
+              <a:noFill/>
+            </p:spPr>
+            <p:txBody>
+              <a:bodyPr wrap="none" lIns="0" tIns="0" rIns="0" bIns="0" rtlCol="0">
+                <a:spAutoFit/>
+              </a:bodyPr>
+              <a:lstStyle/>
+              <a:p>
+                <a:pPr/>
+                <a14:m>
+                  <m:oMathPara xmlns:m="http://schemas.openxmlformats.org/officeDocument/2006/math">
+                    <m:oMathParaPr>
+                      <m:jc m:val="centerGroup"/>
+                    </m:oMathParaPr>
+                    <m:oMath xmlns:m="http://schemas.openxmlformats.org/officeDocument/2006/math">
+                      <m:r>
+                        <a:rPr kumimoji="1" lang="en-US" altLang="ko-Kore-KR" b="0" i="1" smtClean="0">
+                          <a:latin typeface="Cambria Math" panose="02040503050406030204" pitchFamily="18" charset="0"/>
+                        </a:rPr>
+                        <m:t>+</m:t>
+                      </m:r>
+                    </m:oMath>
+                  </m:oMathPara>
+                </a14:m>
+                <a:endParaRPr kumimoji="1" lang="ko-Kore-KR" altLang="en-US" dirty="0"/>
+              </a:p>
+            </p:txBody>
+          </p:sp>
+        </mc:Choice>
+        <mc:Fallback>
+          <p:sp>
+            <p:nvSpPr>
+              <p:cNvPr id="33" name="TextBox 32">
+                <a:extLst>
+                  <a:ext uri="{FF2B5EF4-FFF2-40B4-BE49-F238E27FC236}">
+                    <a16:creationId xmlns:a16="http://schemas.microsoft.com/office/drawing/2014/main" id="{2E6284E0-8B7E-A21C-3EB9-806C694968A4}"/>
+                  </a:ext>
+                </a:extLst>
+              </p:cNvPr>
+              <p:cNvSpPr txBox="1">
+                <a:spLocks noRot="1" noChangeAspect="1" noMove="1" noResize="1" noEditPoints="1" noAdjustHandles="1" noChangeArrowheads="1" noChangeShapeType="1" noTextEdit="1"/>
+              </p:cNvSpPr>
+              <p:nvPr/>
+            </p:nvSpPr>
+            <p:spPr>
+              <a:xfrm>
+                <a:off x="2164841" y="2203855"/>
+                <a:ext cx="226024" cy="276999"/>
+              </a:xfrm>
+              <a:prstGeom prst="rect">
+                <a:avLst/>
+              </a:prstGeom>
+              <a:blipFill>
+                <a:blip r:embed="rId3"/>
+                <a:stretch>
+                  <a:fillRect l="-21622" r="-21622" b="-6667"/>
+                </a:stretch>
+              </a:blipFill>
+            </p:spPr>
+            <p:txBody>
+              <a:bodyPr/>
+              <a:lstStyle/>
+              <a:p>
+                <a:r>
+                  <a:rPr lang="ko-KR" altLang="en-US">
+                    <a:noFill/>
+                  </a:rPr>
+                  <a:t> </a:t>
+                </a:r>
+              </a:p>
+            </p:txBody>
+          </p:sp>
+        </mc:Fallback>
+      </mc:AlternateContent>
+      <mc:AlternateContent xmlns:mc="http://schemas.openxmlformats.org/markup-compatibility/2006">
+        <mc:Choice xmlns:a14="http://schemas.microsoft.com/office/drawing/2010/main" Requires="a14">
+          <p:sp>
+            <p:nvSpPr>
+              <p:cNvPr id="34" name="TextBox 33">
+                <a:extLst>
+                  <a:ext uri="{FF2B5EF4-FFF2-40B4-BE49-F238E27FC236}">
+                    <a16:creationId xmlns:a16="http://schemas.microsoft.com/office/drawing/2014/main" id="{9A5F63F2-FB74-934A-AF8F-D0B6AB9C5B63}"/>
+                  </a:ext>
+                </a:extLst>
+              </p:cNvPr>
+              <p:cNvSpPr txBox="1"/>
+              <p:nvPr/>
+            </p:nvSpPr>
+            <p:spPr>
+              <a:xfrm>
+                <a:off x="2306647" y="2794440"/>
+                <a:ext cx="226024" cy="276999"/>
+              </a:xfrm>
+              <a:prstGeom prst="rect">
+                <a:avLst/>
+              </a:prstGeom>
+              <a:noFill/>
+            </p:spPr>
+            <p:txBody>
+              <a:bodyPr wrap="none" lIns="0" tIns="0" rIns="0" bIns="0" rtlCol="0">
+                <a:spAutoFit/>
+              </a:bodyPr>
+              <a:lstStyle/>
+              <a:p>
+                <a:pPr/>
+                <a14:m>
+                  <m:oMathPara xmlns:m="http://schemas.openxmlformats.org/officeDocument/2006/math">
+                    <m:oMathParaPr>
+                      <m:jc m:val="centerGroup"/>
+                    </m:oMathParaPr>
+                    <m:oMath xmlns:m="http://schemas.openxmlformats.org/officeDocument/2006/math">
+                      <m:r>
+                        <a:rPr kumimoji="1" lang="en-US" altLang="ko-Kore-KR" b="0" i="1" smtClean="0">
+                          <a:latin typeface="Cambria Math" panose="02040503050406030204" pitchFamily="18" charset="0"/>
+                        </a:rPr>
+                        <m:t>−</m:t>
+                      </m:r>
+                    </m:oMath>
+                  </m:oMathPara>
+                </a14:m>
+                <a:endParaRPr kumimoji="1" lang="ko-Kore-KR" altLang="en-US" dirty="0"/>
+              </a:p>
+            </p:txBody>
+          </p:sp>
+        </mc:Choice>
+        <mc:Fallback>
+          <p:sp>
+            <p:nvSpPr>
+              <p:cNvPr id="34" name="TextBox 33">
+                <a:extLst>
+                  <a:ext uri="{FF2B5EF4-FFF2-40B4-BE49-F238E27FC236}">
+                    <a16:creationId xmlns:a16="http://schemas.microsoft.com/office/drawing/2014/main" id="{9A5F63F2-FB74-934A-AF8F-D0B6AB9C5B63}"/>
+                  </a:ext>
+                </a:extLst>
+              </p:cNvPr>
+              <p:cNvSpPr txBox="1">
+                <a:spLocks noRot="1" noChangeAspect="1" noMove="1" noResize="1" noEditPoints="1" noAdjustHandles="1" noChangeArrowheads="1" noChangeShapeType="1" noTextEdit="1"/>
+              </p:cNvSpPr>
+              <p:nvPr/>
+            </p:nvSpPr>
+            <p:spPr>
+              <a:xfrm>
+                <a:off x="2306647" y="2794440"/>
+                <a:ext cx="226024" cy="276999"/>
+              </a:xfrm>
+              <a:prstGeom prst="rect">
+                <a:avLst/>
+              </a:prstGeom>
+              <a:blipFill>
+                <a:blip r:embed="rId4"/>
+                <a:stretch>
+                  <a:fillRect l="-5405" r="-5405"/>
+                </a:stretch>
+              </a:blipFill>
+            </p:spPr>
+            <p:txBody>
+              <a:bodyPr/>
+              <a:lstStyle/>
+              <a:p>
+                <a:r>
+                  <a:rPr lang="ko-KR" altLang="en-US">
+                    <a:noFill/>
+                  </a:rPr>
+                  <a:t> </a:t>
+                </a:r>
+              </a:p>
+            </p:txBody>
+          </p:sp>
+        </mc:Fallback>
+      </mc:AlternateContent>
+      <mc:AlternateContent xmlns:mc="http://schemas.openxmlformats.org/markup-compatibility/2006">
+        <mc:Choice xmlns:a14="http://schemas.microsoft.com/office/drawing/2010/main" Requires="a14">
+          <p:sp>
+            <p:nvSpPr>
+              <p:cNvPr id="36" name="TextBox 35">
+                <a:extLst>
+                  <a:ext uri="{FF2B5EF4-FFF2-40B4-BE49-F238E27FC236}">
+                    <a16:creationId xmlns:a16="http://schemas.microsoft.com/office/drawing/2014/main" id="{A3BB3207-BB4E-3C87-C7FF-F913531AE477}"/>
+                  </a:ext>
+                </a:extLst>
+              </p:cNvPr>
+              <p:cNvSpPr txBox="1"/>
+              <p:nvPr/>
+            </p:nvSpPr>
+            <p:spPr>
+              <a:xfrm>
+                <a:off x="3272028" y="4026168"/>
+                <a:ext cx="247888" cy="369332"/>
+              </a:xfrm>
+              <a:prstGeom prst="rect">
+                <a:avLst/>
+              </a:prstGeom>
+              <a:noFill/>
+            </p:spPr>
+            <p:txBody>
+              <a:bodyPr wrap="none" lIns="0" tIns="0" rIns="0" bIns="0" rtlCol="0">
+                <a:spAutoFit/>
+              </a:bodyPr>
+              <a:lstStyle/>
+              <a:p>
+                <a:pPr/>
+                <a14:m>
+                  <m:oMathPara xmlns:m="http://schemas.openxmlformats.org/officeDocument/2006/math">
+                    <m:oMathParaPr>
+                      <m:jc m:val="centerGroup"/>
+                    </m:oMathParaPr>
+                    <m:oMath xmlns:m="http://schemas.openxmlformats.org/officeDocument/2006/math">
+                      <m:r>
+                        <a:rPr kumimoji="1" lang="en-US" altLang="ko-Kore-KR" sz="2400" b="0" i="1" smtClean="0">
+                          <a:latin typeface="Cambria Math" panose="02040503050406030204" pitchFamily="18" charset="0"/>
+                        </a:rPr>
+                        <m:t>𝑘</m:t>
+                      </m:r>
+                    </m:oMath>
+                  </m:oMathPara>
+                </a14:m>
+                <a:endParaRPr kumimoji="1" lang="ko-Kore-KR" altLang="en-US" sz="2400" dirty="0"/>
+              </a:p>
+            </p:txBody>
+          </p:sp>
+        </mc:Choice>
+        <mc:Fallback>
+          <p:sp>
+            <p:nvSpPr>
+              <p:cNvPr id="36" name="TextBox 35">
+                <a:extLst>
+                  <a:ext uri="{FF2B5EF4-FFF2-40B4-BE49-F238E27FC236}">
+                    <a16:creationId xmlns:a16="http://schemas.microsoft.com/office/drawing/2014/main" id="{A3BB3207-BB4E-3C87-C7FF-F913531AE477}"/>
+                  </a:ext>
+                </a:extLst>
+              </p:cNvPr>
+              <p:cNvSpPr txBox="1">
+                <a:spLocks noRot="1" noChangeAspect="1" noMove="1" noResize="1" noEditPoints="1" noAdjustHandles="1" noChangeArrowheads="1" noChangeShapeType="1" noTextEdit="1"/>
+              </p:cNvSpPr>
+              <p:nvPr/>
+            </p:nvSpPr>
+            <p:spPr>
+              <a:xfrm>
+                <a:off x="3272028" y="4026168"/>
+                <a:ext cx="247888" cy="369332"/>
+              </a:xfrm>
+              <a:prstGeom prst="rect">
+                <a:avLst/>
+              </a:prstGeom>
+              <a:blipFill>
+                <a:blip r:embed="rId5"/>
+                <a:stretch>
+                  <a:fillRect l="-30000" r="-30000" b="-6557"/>
+                </a:stretch>
+              </a:blipFill>
+            </p:spPr>
+            <p:txBody>
+              <a:bodyPr/>
+              <a:lstStyle/>
+              <a:p>
+                <a:r>
+                  <a:rPr lang="ko-KR" altLang="en-US">
+                    <a:noFill/>
+                  </a:rPr>
+                  <a:t> </a:t>
+                </a:r>
+              </a:p>
+            </p:txBody>
+          </p:sp>
+        </mc:Fallback>
+      </mc:AlternateContent>
+      <mc:AlternateContent xmlns:mc="http://schemas.openxmlformats.org/markup-compatibility/2006">
+        <mc:Choice xmlns:a14="http://schemas.microsoft.com/office/drawing/2010/main" Requires="a14">
+          <p:sp>
+            <p:nvSpPr>
+              <p:cNvPr id="38" name="TextBox 37">
+                <a:extLst>
+                  <a:ext uri="{FF2B5EF4-FFF2-40B4-BE49-F238E27FC236}">
+                    <a16:creationId xmlns:a16="http://schemas.microsoft.com/office/drawing/2014/main" id="{BFDA45FF-844F-F18F-B22C-AF8D5843EEA2}"/>
+                  </a:ext>
+                </a:extLst>
+              </p:cNvPr>
+              <p:cNvSpPr txBox="1"/>
+              <p:nvPr/>
+            </p:nvSpPr>
+            <p:spPr>
+              <a:xfrm>
+                <a:off x="3869689" y="2273367"/>
+                <a:ext cx="1327863" cy="276999"/>
+              </a:xfrm>
+              <a:prstGeom prst="rect">
+                <a:avLst/>
+              </a:prstGeom>
+              <a:noFill/>
+            </p:spPr>
+            <p:txBody>
+              <a:bodyPr wrap="none" lIns="0" tIns="0" rIns="0" bIns="0" rtlCol="0">
+                <a:spAutoFit/>
+              </a:bodyPr>
+              <a:lstStyle/>
+              <a:p>
+                <a:pPr/>
                 <a14:m>
                   <m:oMathPara xmlns:m="http://schemas.openxmlformats.org/officeDocument/2006/math">
                     <m:oMathParaPr>
@@ -4398,16 +5817,16 @@
             </p:nvSpPr>
             <p:spPr>
               <a:xfrm>
-                <a:off x="7028513" y="1599112"/>
+                <a:off x="3869689" y="2273367"/>
                 <a:ext cx="1327863" cy="276999"/>
               </a:xfrm>
               <a:prstGeom prst="rect">
                 <a:avLst/>
               </a:prstGeom>
               <a:blipFill>
-                <a:blip r:embed="rId7"/>
+                <a:blip r:embed="rId6"/>
                 <a:stretch>
-                  <a:fillRect l="-1887" r="-1887" b="-8696"/>
+                  <a:fillRect l="-2294" t="-4444" r="-3211" b="-6667"/>
                 </a:stretch>
               </a:blipFill>
             </p:spPr>
@@ -4416,7 +5835,7 @@
               <a:lstStyle/>
               <a:p>
                 <a:r>
-                  <a:rPr lang="ko-Kore-KR" altLang="en-US">
+                  <a:rPr lang="ko-KR" altLang="en-US">
                     <a:noFill/>
                   </a:rPr>
                   <a:t> </a:t>
@@ -4442,7 +5861,7 @@
             </p:nvSpPr>
             <p:spPr>
               <a:xfrm>
-                <a:off x="7033816" y="1981646"/>
+                <a:off x="3874992" y="2655901"/>
                 <a:ext cx="1331262" cy="276999"/>
               </a:xfrm>
               <a:prstGeom prst="rect">
@@ -4456,6 +5875,7 @@
               </a:bodyPr>
               <a:lstStyle/>
               <a:p>
+                <a:pPr/>
                 <a14:m>
                   <m:oMathPara xmlns:m="http://schemas.openxmlformats.org/officeDocument/2006/math">
                     <m:oMathParaPr>
@@ -4517,16 +5937,16 @@
             </p:nvSpPr>
             <p:spPr>
               <a:xfrm>
-                <a:off x="7033816" y="1981646"/>
+                <a:off x="3874992" y="2655901"/>
                 <a:ext cx="1331262" cy="276999"/>
               </a:xfrm>
               <a:prstGeom prst="rect">
                 <a:avLst/>
               </a:prstGeom>
               <a:blipFill>
-                <a:blip r:embed="rId8"/>
+                <a:blip r:embed="rId7"/>
                 <a:stretch>
-                  <a:fillRect l="-3774" r="-2830" b="-21739"/>
+                  <a:fillRect l="-4128" r="-3211" b="-26667"/>
                 </a:stretch>
               </a:blipFill>
             </p:spPr>
@@ -4535,7 +5955,7 @@
               <a:lstStyle/>
               <a:p>
                 <a:r>
-                  <a:rPr lang="ko-Kore-KR" altLang="en-US">
+                  <a:rPr lang="ko-KR" altLang="en-US">
                     <a:noFill/>
                   </a:rPr>
                   <a:t> </a:t>
@@ -4562,8 +5982,8 @@
         </p:nvCxnSpPr>
         <p:spPr>
           <a:xfrm>
-            <a:off x="8616536" y="1943402"/>
-            <a:ext cx="1782523" cy="0"/>
+            <a:off x="5420765" y="2617657"/>
+            <a:ext cx="532786" cy="0"/>
           </a:xfrm>
           <a:prstGeom prst="straightConnector1">
             <a:avLst/>
@@ -4603,7 +6023,7 @@
             </p:nvSpPr>
             <p:spPr>
               <a:xfrm>
-                <a:off x="601600" y="1632756"/>
+                <a:off x="795564" y="2307011"/>
                 <a:ext cx="166969" cy="276999"/>
               </a:xfrm>
               <a:prstGeom prst="rect">
@@ -4617,6 +6037,7 @@
               </a:bodyPr>
               <a:lstStyle/>
               <a:p>
+                <a:pPr/>
                 <a14:m>
                   <m:oMathPara xmlns:m="http://schemas.openxmlformats.org/officeDocument/2006/math">
                     <m:oMathParaPr>
@@ -4654,16 +6075,16 @@
             </p:nvSpPr>
             <p:spPr>
               <a:xfrm>
-                <a:off x="601600" y="1632756"/>
+                <a:off x="795564" y="2307011"/>
                 <a:ext cx="166969" cy="276999"/>
               </a:xfrm>
               <a:prstGeom prst="rect">
                 <a:avLst/>
               </a:prstGeom>
               <a:blipFill>
-                <a:blip r:embed="rId9"/>
+                <a:blip r:embed="rId8"/>
                 <a:stretch>
-                  <a:fillRect l="-21429" r="-14286"/>
+                  <a:fillRect l="-22222" r="-18519"/>
                 </a:stretch>
               </a:blipFill>
             </p:spPr>
@@ -4672,7 +6093,7 @@
               <a:lstStyle/>
               <a:p>
                 <a:r>
-                  <a:rPr lang="ko-Kore-KR" altLang="en-US">
+                  <a:rPr lang="ko-KR" altLang="en-US">
                     <a:noFill/>
                   </a:rPr>
                   <a:t> </a:t>
@@ -4698,7 +6119,7 @@
             </p:nvSpPr>
             <p:spPr>
               <a:xfrm>
-                <a:off x="8962604" y="1666402"/>
+                <a:off x="5500440" y="2314167"/>
                 <a:ext cx="186718" cy="276999"/>
               </a:xfrm>
               <a:prstGeom prst="rect">
@@ -4712,6 +6133,7 @@
               </a:bodyPr>
               <a:lstStyle/>
               <a:p>
+                <a:pPr/>
                 <a14:m>
                   <m:oMathPara xmlns:m="http://schemas.openxmlformats.org/officeDocument/2006/math">
                     <m:oMathParaPr>
@@ -4749,16 +6171,16 @@
             </p:nvSpPr>
             <p:spPr>
               <a:xfrm>
-                <a:off x="8962604" y="1666402"/>
+                <a:off x="5500440" y="2314167"/>
                 <a:ext cx="186718" cy="276999"/>
               </a:xfrm>
               <a:prstGeom prst="rect">
                 <a:avLst/>
               </a:prstGeom>
               <a:blipFill>
-                <a:blip r:embed="rId10"/>
+                <a:blip r:embed="rId9"/>
                 <a:stretch>
-                  <a:fillRect l="-25000" r="-25000" b="-21739"/>
+                  <a:fillRect l="-32258" r="-25806" b="-26667"/>
                 </a:stretch>
               </a:blipFill>
             </p:spPr>
@@ -4767,7 +6189,7 @@
               <a:lstStyle/>
               <a:p>
                 <a:r>
-                  <a:rPr lang="ko-Kore-KR" altLang="en-US">
+                  <a:rPr lang="ko-KR" altLang="en-US">
                     <a:noFill/>
                   </a:rPr>
                   <a:t> </a:t>
@@ -4793,7 +6215,7 @@
             </p:nvSpPr>
             <p:spPr>
               <a:xfrm>
-                <a:off x="6810738" y="3259580"/>
+                <a:off x="4279983" y="3933835"/>
                 <a:ext cx="183319" cy="276999"/>
               </a:xfrm>
               <a:prstGeom prst="rect">
@@ -4807,6 +6229,7 @@
               </a:bodyPr>
               <a:lstStyle/>
               <a:p>
+                <a:pPr/>
                 <a14:m>
                   <m:oMathPara xmlns:m="http://schemas.openxmlformats.org/officeDocument/2006/math">
                     <m:oMathParaPr>
@@ -4844,14 +6267,14 @@
             </p:nvSpPr>
             <p:spPr>
               <a:xfrm>
-                <a:off x="6810738" y="3259580"/>
+                <a:off x="4279983" y="3933835"/>
                 <a:ext cx="183319" cy="276999"/>
               </a:xfrm>
               <a:prstGeom prst="rect">
                 <a:avLst/>
               </a:prstGeom>
               <a:blipFill>
-                <a:blip r:embed="rId11"/>
+                <a:blip r:embed="rId10"/>
                 <a:stretch>
                   <a:fillRect l="-20000" r="-13333"/>
                 </a:stretch>
@@ -4862,7 +6285,2130 @@
               <a:lstStyle/>
               <a:p>
                 <a:r>
-                  <a:rPr lang="ko-Kore-KR" altLang="en-US">
+                  <a:rPr lang="ko-KR" altLang="en-US">
+                    <a:noFill/>
+                  </a:rPr>
+                  <a:t> </a:t>
+                </a:r>
+              </a:p>
+            </p:txBody>
+          </p:sp>
+        </mc:Fallback>
+      </mc:AlternateContent>
+      <p:sp>
+        <p:nvSpPr>
+          <p:cNvPr id="9" name="모서리가 둥근 직사각형 3">
+            <a:extLst>
+              <a:ext uri="{FF2B5EF4-FFF2-40B4-BE49-F238E27FC236}">
+                <a16:creationId xmlns:a16="http://schemas.microsoft.com/office/drawing/2014/main" id="{28A0045E-9648-D258-F912-2163F3E012D4}"/>
+              </a:ext>
+            </a:extLst>
+          </p:cNvPr>
+          <p:cNvSpPr/>
+          <p:nvPr/>
+        </p:nvSpPr>
+        <p:spPr>
+          <a:xfrm>
+            <a:off x="6714346" y="2273364"/>
+            <a:ext cx="963827" cy="691978"/>
+          </a:xfrm>
+          <a:prstGeom prst="roundRect">
+            <a:avLst/>
+          </a:prstGeom>
+        </p:spPr>
+        <p:style>
+          <a:lnRef idx="3">
+            <a:schemeClr val="lt1"/>
+          </a:lnRef>
+          <a:fillRef idx="1">
+            <a:schemeClr val="accent4"/>
+          </a:fillRef>
+          <a:effectRef idx="1">
+            <a:schemeClr val="accent4"/>
+          </a:effectRef>
+          <a:fontRef idx="minor">
+            <a:schemeClr val="lt1"/>
+          </a:fontRef>
+        </p:style>
+        <p:txBody>
+          <a:bodyPr rtlCol="0" anchor="ctr"/>
+          <a:lstStyle/>
+          <a:p>
+            <a:pPr algn="ctr"/>
+            <a:endParaRPr kumimoji="1" lang="ko-Kore-KR" altLang="en-US" dirty="0"/>
+          </a:p>
+        </p:txBody>
+      </p:sp>
+      <p:sp>
+        <p:nvSpPr>
+          <p:cNvPr id="11" name="모서리가 둥근 직사각형 4">
+            <a:extLst>
+              <a:ext uri="{FF2B5EF4-FFF2-40B4-BE49-F238E27FC236}">
+                <a16:creationId xmlns:a16="http://schemas.microsoft.com/office/drawing/2014/main" id="{9A10EBA1-D1EA-A728-4B39-17F00255B411}"/>
+              </a:ext>
+            </a:extLst>
+          </p:cNvPr>
+          <p:cNvSpPr/>
+          <p:nvPr/>
+        </p:nvSpPr>
+        <p:spPr>
+          <a:xfrm>
+            <a:off x="8486006" y="3864845"/>
+            <a:ext cx="963827" cy="691978"/>
+          </a:xfrm>
+          <a:prstGeom prst="roundRect">
+            <a:avLst/>
+          </a:prstGeom>
+        </p:spPr>
+        <p:style>
+          <a:lnRef idx="3">
+            <a:schemeClr val="lt1"/>
+          </a:lnRef>
+          <a:fillRef idx="1">
+            <a:schemeClr val="accent4"/>
+          </a:fillRef>
+          <a:effectRef idx="1">
+            <a:schemeClr val="accent4"/>
+          </a:effectRef>
+          <a:fontRef idx="minor">
+            <a:schemeClr val="lt1"/>
+          </a:fontRef>
+        </p:style>
+        <p:txBody>
+          <a:bodyPr rtlCol="0" anchor="ctr"/>
+          <a:lstStyle/>
+          <a:p>
+            <a:pPr algn="ctr"/>
+            <a:endParaRPr kumimoji="1" lang="ko-Kore-KR" altLang="en-US"/>
+          </a:p>
+        </p:txBody>
+      </p:sp>
+      <p:sp>
+        <p:nvSpPr>
+          <p:cNvPr id="13" name="모서리가 둥근 직사각형 5">
+            <a:extLst>
+              <a:ext uri="{FF2B5EF4-FFF2-40B4-BE49-F238E27FC236}">
+                <a16:creationId xmlns:a16="http://schemas.microsoft.com/office/drawing/2014/main" id="{88972567-7F66-9B09-FE8B-3334ECFD6881}"/>
+              </a:ext>
+            </a:extLst>
+          </p:cNvPr>
+          <p:cNvSpPr/>
+          <p:nvPr/>
+        </p:nvSpPr>
+        <p:spPr>
+          <a:xfrm>
+            <a:off x="9161610" y="2135501"/>
+            <a:ext cx="1848182" cy="964311"/>
+          </a:xfrm>
+          <a:prstGeom prst="roundRect">
+            <a:avLst/>
+          </a:prstGeom>
+        </p:spPr>
+        <p:style>
+          <a:lnRef idx="3">
+            <a:schemeClr val="lt1"/>
+          </a:lnRef>
+          <a:fillRef idx="1">
+            <a:schemeClr val="accent4"/>
+          </a:fillRef>
+          <a:effectRef idx="1">
+            <a:schemeClr val="accent4"/>
+          </a:effectRef>
+          <a:fontRef idx="minor">
+            <a:schemeClr val="lt1"/>
+          </a:fontRef>
+        </p:style>
+        <p:txBody>
+          <a:bodyPr rtlCol="0" anchor="ctr"/>
+          <a:lstStyle/>
+          <a:p>
+            <a:pPr algn="ctr"/>
+            <a:endParaRPr kumimoji="1" lang="ko-Kore-KR" altLang="en-US" dirty="0"/>
+          </a:p>
+        </p:txBody>
+      </p:sp>
+      <p:sp>
+        <p:nvSpPr>
+          <p:cNvPr id="14" name="타원 13">
+            <a:extLst>
+              <a:ext uri="{FF2B5EF4-FFF2-40B4-BE49-F238E27FC236}">
+                <a16:creationId xmlns:a16="http://schemas.microsoft.com/office/drawing/2014/main" id="{2FA2C0C3-DD01-0A51-661A-806CABD624D2}"/>
+              </a:ext>
+            </a:extLst>
+          </p:cNvPr>
+          <p:cNvSpPr/>
+          <p:nvPr/>
+        </p:nvSpPr>
+        <p:spPr>
+          <a:xfrm>
+            <a:off x="7924473" y="2411469"/>
+            <a:ext cx="412376" cy="412376"/>
+          </a:xfrm>
+          <a:prstGeom prst="ellipse">
+            <a:avLst/>
+          </a:prstGeom>
+        </p:spPr>
+        <p:style>
+          <a:lnRef idx="3">
+            <a:schemeClr val="lt1"/>
+          </a:lnRef>
+          <a:fillRef idx="1">
+            <a:schemeClr val="accent4"/>
+          </a:fillRef>
+          <a:effectRef idx="1">
+            <a:schemeClr val="accent4"/>
+          </a:effectRef>
+          <a:fontRef idx="minor">
+            <a:schemeClr val="lt1"/>
+          </a:fontRef>
+        </p:style>
+        <p:txBody>
+          <a:bodyPr rtlCol="0" anchor="ctr"/>
+          <a:lstStyle/>
+          <a:p>
+            <a:pPr algn="ctr"/>
+            <a:endParaRPr kumimoji="1" lang="ko-Kore-KR" altLang="en-US"/>
+          </a:p>
+        </p:txBody>
+      </p:sp>
+      <p:cxnSp>
+        <p:nvCxnSpPr>
+          <p:cNvPr id="15" name="직선 화살표 연결선 14">
+            <a:extLst>
+              <a:ext uri="{FF2B5EF4-FFF2-40B4-BE49-F238E27FC236}">
+                <a16:creationId xmlns:a16="http://schemas.microsoft.com/office/drawing/2014/main" id="{637480AB-A978-727F-B24F-F5656F547F5E}"/>
+              </a:ext>
+            </a:extLst>
+          </p:cNvPr>
+          <p:cNvCxnSpPr>
+            <a:cxnSpLocks/>
+            <a:stCxn id="9" idx="3"/>
+            <a:endCxn id="14" idx="2"/>
+          </p:cNvCxnSpPr>
+          <p:nvPr/>
+        </p:nvCxnSpPr>
+        <p:spPr>
+          <a:xfrm flipV="1">
+            <a:off x="7678173" y="2617657"/>
+            <a:ext cx="246300" cy="1696"/>
+          </a:xfrm>
+          <a:prstGeom prst="straightConnector1">
+            <a:avLst/>
+          </a:prstGeom>
+          <a:ln>
+            <a:tailEnd type="triangle"/>
+          </a:ln>
+        </p:spPr>
+        <p:style>
+          <a:lnRef idx="2">
+            <a:schemeClr val="dk1"/>
+          </a:lnRef>
+          <a:fillRef idx="0">
+            <a:schemeClr val="dk1"/>
+          </a:fillRef>
+          <a:effectRef idx="1">
+            <a:schemeClr val="dk1"/>
+          </a:effectRef>
+          <a:fontRef idx="minor">
+            <a:schemeClr val="tx1"/>
+          </a:fontRef>
+        </p:style>
+      </p:cxnSp>
+      <p:cxnSp>
+        <p:nvCxnSpPr>
+          <p:cNvPr id="17" name="직선 화살표 연결선 16">
+            <a:extLst>
+              <a:ext uri="{FF2B5EF4-FFF2-40B4-BE49-F238E27FC236}">
+                <a16:creationId xmlns:a16="http://schemas.microsoft.com/office/drawing/2014/main" id="{F773DD1D-25D0-C720-FF00-53A3D31049C1}"/>
+              </a:ext>
+            </a:extLst>
+          </p:cNvPr>
+          <p:cNvCxnSpPr>
+            <a:cxnSpLocks/>
+            <a:endCxn id="9" idx="1"/>
+          </p:cNvCxnSpPr>
+          <p:nvPr/>
+        </p:nvCxnSpPr>
+        <p:spPr>
+          <a:xfrm>
+            <a:off x="6198627" y="2619353"/>
+            <a:ext cx="515719" cy="0"/>
+          </a:xfrm>
+          <a:prstGeom prst="straightConnector1">
+            <a:avLst/>
+          </a:prstGeom>
+          <a:ln>
+            <a:tailEnd type="triangle"/>
+          </a:ln>
+        </p:spPr>
+        <p:style>
+          <a:lnRef idx="2">
+            <a:schemeClr val="dk1"/>
+          </a:lnRef>
+          <a:fillRef idx="0">
+            <a:schemeClr val="dk1"/>
+          </a:fillRef>
+          <a:effectRef idx="1">
+            <a:schemeClr val="dk1"/>
+          </a:effectRef>
+          <a:fontRef idx="minor">
+            <a:schemeClr val="tx1"/>
+          </a:fontRef>
+        </p:style>
+      </p:cxnSp>
+      <p:cxnSp>
+        <p:nvCxnSpPr>
+          <p:cNvPr id="18" name="직선 화살표 연결선 17">
+            <a:extLst>
+              <a:ext uri="{FF2B5EF4-FFF2-40B4-BE49-F238E27FC236}">
+                <a16:creationId xmlns:a16="http://schemas.microsoft.com/office/drawing/2014/main" id="{D251440B-1E67-7B23-F501-795B51B2C08E}"/>
+              </a:ext>
+            </a:extLst>
+          </p:cNvPr>
+          <p:cNvCxnSpPr>
+            <a:cxnSpLocks/>
+            <a:stCxn id="14" idx="6"/>
+            <a:endCxn id="13" idx="1"/>
+          </p:cNvCxnSpPr>
+          <p:nvPr/>
+        </p:nvCxnSpPr>
+        <p:spPr>
+          <a:xfrm>
+            <a:off x="8336849" y="2617657"/>
+            <a:ext cx="824761" cy="0"/>
+          </a:xfrm>
+          <a:prstGeom prst="straightConnector1">
+            <a:avLst/>
+          </a:prstGeom>
+          <a:ln>
+            <a:tailEnd type="triangle"/>
+          </a:ln>
+        </p:spPr>
+        <p:style>
+          <a:lnRef idx="2">
+            <a:schemeClr val="dk1"/>
+          </a:lnRef>
+          <a:fillRef idx="0">
+            <a:schemeClr val="dk1"/>
+          </a:fillRef>
+          <a:effectRef idx="1">
+            <a:schemeClr val="dk1"/>
+          </a:effectRef>
+          <a:fontRef idx="minor">
+            <a:schemeClr val="tx1"/>
+          </a:fontRef>
+        </p:style>
+      </p:cxnSp>
+      <p:cxnSp>
+        <p:nvCxnSpPr>
+          <p:cNvPr id="19" name="꺾인 연결선[E] 21">
+            <a:extLst>
+              <a:ext uri="{FF2B5EF4-FFF2-40B4-BE49-F238E27FC236}">
+                <a16:creationId xmlns:a16="http://schemas.microsoft.com/office/drawing/2014/main" id="{202589E0-0C30-C3EF-3BCB-9A05DDAD55DB}"/>
+              </a:ext>
+            </a:extLst>
+          </p:cNvPr>
+          <p:cNvCxnSpPr>
+            <a:cxnSpLocks/>
+            <a:stCxn id="13" idx="2"/>
+            <a:endCxn id="11" idx="3"/>
+          </p:cNvCxnSpPr>
+          <p:nvPr/>
+        </p:nvCxnSpPr>
+        <p:spPr>
+          <a:xfrm rot="5400000">
+            <a:off x="9212256" y="3337389"/>
+            <a:ext cx="1111022" cy="635868"/>
+          </a:xfrm>
+          <a:prstGeom prst="bentConnector2">
+            <a:avLst/>
+          </a:prstGeom>
+          <a:ln>
+            <a:tailEnd type="triangle"/>
+          </a:ln>
+        </p:spPr>
+        <p:style>
+          <a:lnRef idx="2">
+            <a:schemeClr val="dk1"/>
+          </a:lnRef>
+          <a:fillRef idx="0">
+            <a:schemeClr val="dk1"/>
+          </a:fillRef>
+          <a:effectRef idx="1">
+            <a:schemeClr val="dk1"/>
+          </a:effectRef>
+          <a:fontRef idx="minor">
+            <a:schemeClr val="tx1"/>
+          </a:fontRef>
+        </p:style>
+      </p:cxnSp>
+      <p:cxnSp>
+        <p:nvCxnSpPr>
+          <p:cNvPr id="20" name="꺾인 연결선[E] 25">
+            <a:extLst>
+              <a:ext uri="{FF2B5EF4-FFF2-40B4-BE49-F238E27FC236}">
+                <a16:creationId xmlns:a16="http://schemas.microsoft.com/office/drawing/2014/main" id="{BE25D06A-8C49-1765-8FE3-92BEE7F72B60}"/>
+              </a:ext>
+            </a:extLst>
+          </p:cNvPr>
+          <p:cNvCxnSpPr>
+            <a:cxnSpLocks/>
+            <a:stCxn id="11" idx="1"/>
+            <a:endCxn id="14" idx="4"/>
+          </p:cNvCxnSpPr>
+          <p:nvPr/>
+        </p:nvCxnSpPr>
+        <p:spPr>
+          <a:xfrm rot="10800000">
+            <a:off x="8130662" y="2823846"/>
+            <a:ext cx="355345" cy="1386989"/>
+          </a:xfrm>
+          <a:prstGeom prst="bentConnector2">
+            <a:avLst/>
+          </a:prstGeom>
+          <a:ln>
+            <a:tailEnd type="triangle"/>
+          </a:ln>
+        </p:spPr>
+        <p:style>
+          <a:lnRef idx="2">
+            <a:schemeClr val="dk1"/>
+          </a:lnRef>
+          <a:fillRef idx="0">
+            <a:schemeClr val="dk1"/>
+          </a:fillRef>
+          <a:effectRef idx="1">
+            <a:schemeClr val="dk1"/>
+          </a:effectRef>
+          <a:fontRef idx="minor">
+            <a:schemeClr val="tx1"/>
+          </a:fontRef>
+        </p:style>
+      </p:cxnSp>
+      <mc:AlternateContent xmlns:mc="http://schemas.openxmlformats.org/markup-compatibility/2006">
+        <mc:Choice xmlns:a14="http://schemas.microsoft.com/office/drawing/2010/main" Requires="a14">
+          <p:sp>
+            <p:nvSpPr>
+              <p:cNvPr id="21" name="TextBox 20">
+                <a:extLst>
+                  <a:ext uri="{FF2B5EF4-FFF2-40B4-BE49-F238E27FC236}">
+                    <a16:creationId xmlns:a16="http://schemas.microsoft.com/office/drawing/2014/main" id="{1AF0DDCA-7033-FF92-5410-EE37D47C7C0E}"/>
+                  </a:ext>
+                </a:extLst>
+              </p:cNvPr>
+              <p:cNvSpPr txBox="1"/>
+              <p:nvPr/>
+            </p:nvSpPr>
+            <p:spPr>
+              <a:xfrm>
+                <a:off x="7009353" y="2432990"/>
+                <a:ext cx="377347" cy="369332"/>
+              </a:xfrm>
+              <a:prstGeom prst="rect">
+                <a:avLst/>
+              </a:prstGeom>
+              <a:noFill/>
+            </p:spPr>
+            <p:txBody>
+              <a:bodyPr wrap="none" lIns="0" tIns="0" rIns="0" bIns="0" rtlCol="0">
+                <a:spAutoFit/>
+              </a:bodyPr>
+              <a:lstStyle/>
+              <a:p>
+                <a:pPr/>
+                <a14:m>
+                  <m:oMathPara xmlns:m="http://schemas.openxmlformats.org/officeDocument/2006/math">
+                    <m:oMathParaPr>
+                      <m:jc m:val="centerGroup"/>
+                    </m:oMathParaPr>
+                    <m:oMath xmlns:m="http://schemas.openxmlformats.org/officeDocument/2006/math">
+                      <m:sSub>
+                        <m:sSubPr>
+                          <m:ctrlPr>
+                            <a:rPr kumimoji="1" lang="en-US" altLang="ko-Kore-KR" sz="2400" b="0" i="1" smtClean="0">
+                              <a:latin typeface="Cambria Math" panose="02040503050406030204" pitchFamily="18" charset="0"/>
+                            </a:rPr>
+                          </m:ctrlPr>
+                        </m:sSubPr>
+                        <m:e>
+                          <m:r>
+                            <a:rPr kumimoji="1" lang="en-US" altLang="ko-Kore-KR" sz="2400" b="0" i="1" smtClean="0">
+                              <a:latin typeface="Cambria Math" panose="02040503050406030204" pitchFamily="18" charset="0"/>
+                            </a:rPr>
+                            <m:t>𝑘</m:t>
+                          </m:r>
+                        </m:e>
+                        <m:sub>
+                          <m:r>
+                            <a:rPr kumimoji="1" lang="en-US" altLang="ko-Kore-KR" sz="2400" b="0" i="1" smtClean="0">
+                              <a:latin typeface="Cambria Math" panose="02040503050406030204" pitchFamily="18" charset="0"/>
+                            </a:rPr>
+                            <m:t>𝑟</m:t>
+                          </m:r>
+                        </m:sub>
+                      </m:sSub>
+                    </m:oMath>
+                  </m:oMathPara>
+                </a14:m>
+                <a:endParaRPr kumimoji="1" lang="ko-Kore-KR" altLang="en-US" sz="2400" dirty="0"/>
+              </a:p>
+            </p:txBody>
+          </p:sp>
+        </mc:Choice>
+        <mc:Fallback>
+          <p:sp>
+            <p:nvSpPr>
+              <p:cNvPr id="21" name="TextBox 20">
+                <a:extLst>
+                  <a:ext uri="{FF2B5EF4-FFF2-40B4-BE49-F238E27FC236}">
+                    <a16:creationId xmlns:a16="http://schemas.microsoft.com/office/drawing/2014/main" id="{1AF0DDCA-7033-FF92-5410-EE37D47C7C0E}"/>
+                  </a:ext>
+                </a:extLst>
+              </p:cNvPr>
+              <p:cNvSpPr txBox="1">
+                <a:spLocks noRot="1" noChangeAspect="1" noMove="1" noResize="1" noEditPoints="1" noAdjustHandles="1" noChangeArrowheads="1" noChangeShapeType="1" noTextEdit="1"/>
+              </p:cNvSpPr>
+              <p:nvPr/>
+            </p:nvSpPr>
+            <p:spPr>
+              <a:xfrm>
+                <a:off x="7009353" y="2432990"/>
+                <a:ext cx="377347" cy="369332"/>
+              </a:xfrm>
+              <a:prstGeom prst="rect">
+                <a:avLst/>
+              </a:prstGeom>
+              <a:blipFill>
+                <a:blip r:embed="rId11"/>
+                <a:stretch>
+                  <a:fillRect l="-19355" r="-1613" b="-9836"/>
+                </a:stretch>
+              </a:blipFill>
+            </p:spPr>
+            <p:txBody>
+              <a:bodyPr/>
+              <a:lstStyle/>
+              <a:p>
+                <a:r>
+                  <a:rPr lang="ko-KR" altLang="en-US">
+                    <a:noFill/>
+                  </a:rPr>
+                  <a:t> </a:t>
+                </a:r>
+              </a:p>
+            </p:txBody>
+          </p:sp>
+        </mc:Fallback>
+      </mc:AlternateContent>
+      <mc:AlternateContent xmlns:mc="http://schemas.openxmlformats.org/markup-compatibility/2006">
+        <mc:Choice xmlns:a14="http://schemas.microsoft.com/office/drawing/2010/main" Requires="a14">
+          <p:sp>
+            <p:nvSpPr>
+              <p:cNvPr id="23" name="TextBox 22">
+                <a:extLst>
+                  <a:ext uri="{FF2B5EF4-FFF2-40B4-BE49-F238E27FC236}">
+                    <a16:creationId xmlns:a16="http://schemas.microsoft.com/office/drawing/2014/main" id="{42B71A97-D7F9-FA68-16DE-EC9CC71792DF}"/>
+                  </a:ext>
+                </a:extLst>
+              </p:cNvPr>
+              <p:cNvSpPr txBox="1"/>
+              <p:nvPr/>
+            </p:nvSpPr>
+            <p:spPr>
+              <a:xfrm>
+                <a:off x="7753868" y="2203855"/>
+                <a:ext cx="226024" cy="276999"/>
+              </a:xfrm>
+              <a:prstGeom prst="rect">
+                <a:avLst/>
+              </a:prstGeom>
+              <a:noFill/>
+            </p:spPr>
+            <p:txBody>
+              <a:bodyPr wrap="none" lIns="0" tIns="0" rIns="0" bIns="0" rtlCol="0">
+                <a:spAutoFit/>
+              </a:bodyPr>
+              <a:lstStyle/>
+              <a:p>
+                <a:pPr/>
+                <a14:m>
+                  <m:oMathPara xmlns:m="http://schemas.openxmlformats.org/officeDocument/2006/math">
+                    <m:oMathParaPr>
+                      <m:jc m:val="centerGroup"/>
+                    </m:oMathParaPr>
+                    <m:oMath xmlns:m="http://schemas.openxmlformats.org/officeDocument/2006/math">
+                      <m:r>
+                        <a:rPr kumimoji="1" lang="en-US" altLang="ko-Kore-KR" b="0" i="1" smtClean="0">
+                          <a:latin typeface="Cambria Math" panose="02040503050406030204" pitchFamily="18" charset="0"/>
+                        </a:rPr>
+                        <m:t>+</m:t>
+                      </m:r>
+                    </m:oMath>
+                  </m:oMathPara>
+                </a14:m>
+                <a:endParaRPr kumimoji="1" lang="ko-Kore-KR" altLang="en-US" dirty="0"/>
+              </a:p>
+            </p:txBody>
+          </p:sp>
+        </mc:Choice>
+        <mc:Fallback>
+          <p:sp>
+            <p:nvSpPr>
+              <p:cNvPr id="23" name="TextBox 22">
+                <a:extLst>
+                  <a:ext uri="{FF2B5EF4-FFF2-40B4-BE49-F238E27FC236}">
+                    <a16:creationId xmlns:a16="http://schemas.microsoft.com/office/drawing/2014/main" id="{42B71A97-D7F9-FA68-16DE-EC9CC71792DF}"/>
+                  </a:ext>
+                </a:extLst>
+              </p:cNvPr>
+              <p:cNvSpPr txBox="1">
+                <a:spLocks noRot="1" noChangeAspect="1" noMove="1" noResize="1" noEditPoints="1" noAdjustHandles="1" noChangeArrowheads="1" noChangeShapeType="1" noTextEdit="1"/>
+              </p:cNvSpPr>
+              <p:nvPr/>
+            </p:nvSpPr>
+            <p:spPr>
+              <a:xfrm>
+                <a:off x="7753868" y="2203855"/>
+                <a:ext cx="226024" cy="276999"/>
+              </a:xfrm>
+              <a:prstGeom prst="rect">
+                <a:avLst/>
+              </a:prstGeom>
+              <a:blipFill>
+                <a:blip r:embed="rId12"/>
+                <a:stretch>
+                  <a:fillRect l="-24324" r="-18919" b="-6667"/>
+                </a:stretch>
+              </a:blipFill>
+            </p:spPr>
+            <p:txBody>
+              <a:bodyPr/>
+              <a:lstStyle/>
+              <a:p>
+                <a:r>
+                  <a:rPr lang="ko-KR" altLang="en-US">
+                    <a:noFill/>
+                  </a:rPr>
+                  <a:t> </a:t>
+                </a:r>
+              </a:p>
+            </p:txBody>
+          </p:sp>
+        </mc:Fallback>
+      </mc:AlternateContent>
+      <mc:AlternateContent xmlns:mc="http://schemas.openxmlformats.org/markup-compatibility/2006">
+        <mc:Choice xmlns:a14="http://schemas.microsoft.com/office/drawing/2010/main" Requires="a14">
+          <p:sp>
+            <p:nvSpPr>
+              <p:cNvPr id="24" name="TextBox 23">
+                <a:extLst>
+                  <a:ext uri="{FF2B5EF4-FFF2-40B4-BE49-F238E27FC236}">
+                    <a16:creationId xmlns:a16="http://schemas.microsoft.com/office/drawing/2014/main" id="{CC898391-7BBA-2D1B-CC65-9A6397B2E4BA}"/>
+                  </a:ext>
+                </a:extLst>
+              </p:cNvPr>
+              <p:cNvSpPr txBox="1"/>
+              <p:nvPr/>
+            </p:nvSpPr>
+            <p:spPr>
+              <a:xfrm>
+                <a:off x="7895674" y="2794440"/>
+                <a:ext cx="226024" cy="276999"/>
+              </a:xfrm>
+              <a:prstGeom prst="rect">
+                <a:avLst/>
+              </a:prstGeom>
+              <a:noFill/>
+            </p:spPr>
+            <p:txBody>
+              <a:bodyPr wrap="none" lIns="0" tIns="0" rIns="0" bIns="0" rtlCol="0">
+                <a:spAutoFit/>
+              </a:bodyPr>
+              <a:lstStyle/>
+              <a:p>
+                <a:pPr/>
+                <a14:m>
+                  <m:oMathPara xmlns:m="http://schemas.openxmlformats.org/officeDocument/2006/math">
+                    <m:oMathParaPr>
+                      <m:jc m:val="centerGroup"/>
+                    </m:oMathParaPr>
+                    <m:oMath xmlns:m="http://schemas.openxmlformats.org/officeDocument/2006/math">
+                      <m:r>
+                        <a:rPr kumimoji="1" lang="en-US" altLang="ko-Kore-KR" b="0" i="1" smtClean="0">
+                          <a:latin typeface="Cambria Math" panose="02040503050406030204" pitchFamily="18" charset="0"/>
+                        </a:rPr>
+                        <m:t>−</m:t>
+                      </m:r>
+                    </m:oMath>
+                  </m:oMathPara>
+                </a14:m>
+                <a:endParaRPr kumimoji="1" lang="ko-Kore-KR" altLang="en-US" dirty="0"/>
+              </a:p>
+            </p:txBody>
+          </p:sp>
+        </mc:Choice>
+        <mc:Fallback>
+          <p:sp>
+            <p:nvSpPr>
+              <p:cNvPr id="24" name="TextBox 23">
+                <a:extLst>
+                  <a:ext uri="{FF2B5EF4-FFF2-40B4-BE49-F238E27FC236}">
+                    <a16:creationId xmlns:a16="http://schemas.microsoft.com/office/drawing/2014/main" id="{CC898391-7BBA-2D1B-CC65-9A6397B2E4BA}"/>
+                  </a:ext>
+                </a:extLst>
+              </p:cNvPr>
+              <p:cNvSpPr txBox="1">
+                <a:spLocks noRot="1" noChangeAspect="1" noMove="1" noResize="1" noEditPoints="1" noAdjustHandles="1" noChangeArrowheads="1" noChangeShapeType="1" noTextEdit="1"/>
+              </p:cNvSpPr>
+              <p:nvPr/>
+            </p:nvSpPr>
+            <p:spPr>
+              <a:xfrm>
+                <a:off x="7895674" y="2794440"/>
+                <a:ext cx="226024" cy="276999"/>
+              </a:xfrm>
+              <a:prstGeom prst="rect">
+                <a:avLst/>
+              </a:prstGeom>
+              <a:blipFill>
+                <a:blip r:embed="rId13"/>
+                <a:stretch>
+                  <a:fillRect l="-5405" r="-5405"/>
+                </a:stretch>
+              </a:blipFill>
+            </p:spPr>
+            <p:txBody>
+              <a:bodyPr/>
+              <a:lstStyle/>
+              <a:p>
+                <a:r>
+                  <a:rPr lang="ko-KR" altLang="en-US">
+                    <a:noFill/>
+                  </a:rPr>
+                  <a:t> </a:t>
+                </a:r>
+              </a:p>
+            </p:txBody>
+          </p:sp>
+        </mc:Fallback>
+      </mc:AlternateContent>
+      <mc:AlternateContent xmlns:mc="http://schemas.openxmlformats.org/markup-compatibility/2006">
+        <mc:Choice xmlns:a14="http://schemas.microsoft.com/office/drawing/2010/main" Requires="a14">
+          <p:sp>
+            <p:nvSpPr>
+              <p:cNvPr id="25" name="TextBox 24">
+                <a:extLst>
+                  <a:ext uri="{FF2B5EF4-FFF2-40B4-BE49-F238E27FC236}">
+                    <a16:creationId xmlns:a16="http://schemas.microsoft.com/office/drawing/2014/main" id="{2F1ED63C-030D-719F-4226-714092CA8F92}"/>
+                  </a:ext>
+                </a:extLst>
+              </p:cNvPr>
+              <p:cNvSpPr txBox="1"/>
+              <p:nvPr/>
+            </p:nvSpPr>
+            <p:spPr>
+              <a:xfrm>
+                <a:off x="8861055" y="4026168"/>
+                <a:ext cx="247888" cy="369332"/>
+              </a:xfrm>
+              <a:prstGeom prst="rect">
+                <a:avLst/>
+              </a:prstGeom>
+              <a:noFill/>
+            </p:spPr>
+            <p:txBody>
+              <a:bodyPr wrap="none" lIns="0" tIns="0" rIns="0" bIns="0" rtlCol="0">
+                <a:spAutoFit/>
+              </a:bodyPr>
+              <a:lstStyle/>
+              <a:p>
+                <a:pPr/>
+                <a14:m>
+                  <m:oMathPara xmlns:m="http://schemas.openxmlformats.org/officeDocument/2006/math">
+                    <m:oMathParaPr>
+                      <m:jc m:val="centerGroup"/>
+                    </m:oMathParaPr>
+                    <m:oMath xmlns:m="http://schemas.openxmlformats.org/officeDocument/2006/math">
+                      <m:r>
+                        <a:rPr kumimoji="1" lang="en-US" altLang="ko-Kore-KR" sz="2400" b="0" i="1" smtClean="0">
+                          <a:latin typeface="Cambria Math" panose="02040503050406030204" pitchFamily="18" charset="0"/>
+                        </a:rPr>
+                        <m:t>𝑘</m:t>
+                      </m:r>
+                    </m:oMath>
+                  </m:oMathPara>
+                </a14:m>
+                <a:endParaRPr kumimoji="1" lang="ko-Kore-KR" altLang="en-US" sz="2400" dirty="0"/>
+              </a:p>
+            </p:txBody>
+          </p:sp>
+        </mc:Choice>
+        <mc:Fallback>
+          <p:sp>
+            <p:nvSpPr>
+              <p:cNvPr id="25" name="TextBox 24">
+                <a:extLst>
+                  <a:ext uri="{FF2B5EF4-FFF2-40B4-BE49-F238E27FC236}">
+                    <a16:creationId xmlns:a16="http://schemas.microsoft.com/office/drawing/2014/main" id="{2F1ED63C-030D-719F-4226-714092CA8F92}"/>
+                  </a:ext>
+                </a:extLst>
+              </p:cNvPr>
+              <p:cNvSpPr txBox="1">
+                <a:spLocks noRot="1" noChangeAspect="1" noMove="1" noResize="1" noEditPoints="1" noAdjustHandles="1" noChangeArrowheads="1" noChangeShapeType="1" noTextEdit="1"/>
+              </p:cNvSpPr>
+              <p:nvPr/>
+            </p:nvSpPr>
+            <p:spPr>
+              <a:xfrm>
+                <a:off x="8861055" y="4026168"/>
+                <a:ext cx="247888" cy="369332"/>
+              </a:xfrm>
+              <a:prstGeom prst="rect">
+                <a:avLst/>
+              </a:prstGeom>
+              <a:blipFill>
+                <a:blip r:embed="rId14"/>
+                <a:stretch>
+                  <a:fillRect l="-30000" r="-30000" b="-6557"/>
+                </a:stretch>
+              </a:blipFill>
+            </p:spPr>
+            <p:txBody>
+              <a:bodyPr/>
+              <a:lstStyle/>
+              <a:p>
+                <a:r>
+                  <a:rPr lang="ko-KR" altLang="en-US">
+                    <a:noFill/>
+                  </a:rPr>
+                  <a:t> </a:t>
+                </a:r>
+              </a:p>
+            </p:txBody>
+          </p:sp>
+        </mc:Fallback>
+      </mc:AlternateContent>
+      <mc:AlternateContent xmlns:mc="http://schemas.openxmlformats.org/markup-compatibility/2006">
+        <mc:Choice xmlns:a14="http://schemas.microsoft.com/office/drawing/2010/main" Requires="a14">
+          <p:sp>
+            <p:nvSpPr>
+              <p:cNvPr id="27" name="TextBox 26">
+                <a:extLst>
+                  <a:ext uri="{FF2B5EF4-FFF2-40B4-BE49-F238E27FC236}">
+                    <a16:creationId xmlns:a16="http://schemas.microsoft.com/office/drawing/2014/main" id="{197B8DF2-CD87-CDF1-869A-711768648C29}"/>
+                  </a:ext>
+                </a:extLst>
+              </p:cNvPr>
+              <p:cNvSpPr txBox="1"/>
+              <p:nvPr/>
+            </p:nvSpPr>
+            <p:spPr>
+              <a:xfrm>
+                <a:off x="9458716" y="2273367"/>
+                <a:ext cx="1327863" cy="276999"/>
+              </a:xfrm>
+              <a:prstGeom prst="rect">
+                <a:avLst/>
+              </a:prstGeom>
+              <a:noFill/>
+            </p:spPr>
+            <p:txBody>
+              <a:bodyPr wrap="none" lIns="0" tIns="0" rIns="0" bIns="0" rtlCol="0">
+                <a:spAutoFit/>
+              </a:bodyPr>
+              <a:lstStyle/>
+              <a:p>
+                <a:pPr/>
+                <a14:m>
+                  <m:oMathPara xmlns:m="http://schemas.openxmlformats.org/officeDocument/2006/math">
+                    <m:oMathParaPr>
+                      <m:jc m:val="centerGroup"/>
+                    </m:oMathParaPr>
+                    <m:oMath xmlns:m="http://schemas.openxmlformats.org/officeDocument/2006/math">
+                      <m:acc>
+                        <m:accPr>
+                          <m:chr m:val="̇"/>
+                          <m:ctrlPr>
+                            <a:rPr kumimoji="1" lang="ko-Kore-KR" altLang="en-US" i="1" smtClean="0">
+                              <a:latin typeface="Cambria Math" panose="02040503050406030204" pitchFamily="18" charset="0"/>
+                            </a:rPr>
+                          </m:ctrlPr>
+                        </m:accPr>
+                        <m:e>
+                          <m:r>
+                            <a:rPr kumimoji="1" lang="en-US" altLang="ko-Kore-KR" b="0" i="1" smtClean="0">
+                              <a:latin typeface="Cambria Math" panose="02040503050406030204" pitchFamily="18" charset="0"/>
+                            </a:rPr>
+                            <m:t>𝑥</m:t>
+                          </m:r>
+                        </m:e>
+                      </m:acc>
+                      <m:r>
+                        <a:rPr kumimoji="1" lang="en-US" altLang="ko-Kore-KR" b="0" i="1" smtClean="0">
+                          <a:latin typeface="Cambria Math" panose="02040503050406030204" pitchFamily="18" charset="0"/>
+                        </a:rPr>
+                        <m:t>=</m:t>
+                      </m:r>
+                      <m:r>
+                        <a:rPr kumimoji="1" lang="en-US" altLang="ko-Kore-KR" b="0" i="1" smtClean="0">
+                          <a:latin typeface="Cambria Math" panose="02040503050406030204" pitchFamily="18" charset="0"/>
+                        </a:rPr>
+                        <m:t>𝐴𝑥</m:t>
+                      </m:r>
+                      <m:r>
+                        <a:rPr kumimoji="1" lang="en-US" altLang="ko-Kore-KR" b="0" i="1" smtClean="0">
+                          <a:latin typeface="Cambria Math" panose="02040503050406030204" pitchFamily="18" charset="0"/>
+                        </a:rPr>
+                        <m:t>+</m:t>
+                      </m:r>
+                      <m:r>
+                        <a:rPr kumimoji="1" lang="en-US" altLang="ko-Kore-KR" b="0" i="1" smtClean="0">
+                          <a:latin typeface="Cambria Math" panose="02040503050406030204" pitchFamily="18" charset="0"/>
+                        </a:rPr>
+                        <m:t>𝐵𝑢</m:t>
+                      </m:r>
+                    </m:oMath>
+                  </m:oMathPara>
+                </a14:m>
+                <a:endParaRPr kumimoji="1" lang="en-US" altLang="ko-Kore-KR" b="0" dirty="0"/>
+              </a:p>
+            </p:txBody>
+          </p:sp>
+        </mc:Choice>
+        <mc:Fallback>
+          <p:sp>
+            <p:nvSpPr>
+              <p:cNvPr id="27" name="TextBox 26">
+                <a:extLst>
+                  <a:ext uri="{FF2B5EF4-FFF2-40B4-BE49-F238E27FC236}">
+                    <a16:creationId xmlns:a16="http://schemas.microsoft.com/office/drawing/2014/main" id="{197B8DF2-CD87-CDF1-869A-711768648C29}"/>
+                  </a:ext>
+                </a:extLst>
+              </p:cNvPr>
+              <p:cNvSpPr txBox="1">
+                <a:spLocks noRot="1" noChangeAspect="1" noMove="1" noResize="1" noEditPoints="1" noAdjustHandles="1" noChangeArrowheads="1" noChangeShapeType="1" noTextEdit="1"/>
+              </p:cNvSpPr>
+              <p:nvPr/>
+            </p:nvSpPr>
+            <p:spPr>
+              <a:xfrm>
+                <a:off x="9458716" y="2273367"/>
+                <a:ext cx="1327863" cy="276999"/>
+              </a:xfrm>
+              <a:prstGeom prst="rect">
+                <a:avLst/>
+              </a:prstGeom>
+              <a:blipFill>
+                <a:blip r:embed="rId15"/>
+                <a:stretch>
+                  <a:fillRect l="-2304" t="-4444" r="-3687" b="-6667"/>
+                </a:stretch>
+              </a:blipFill>
+            </p:spPr>
+            <p:txBody>
+              <a:bodyPr/>
+              <a:lstStyle/>
+              <a:p>
+                <a:r>
+                  <a:rPr lang="ko-KR" altLang="en-US">
+                    <a:noFill/>
+                  </a:rPr>
+                  <a:t> </a:t>
+                </a:r>
+              </a:p>
+            </p:txBody>
+          </p:sp>
+        </mc:Fallback>
+      </mc:AlternateContent>
+      <mc:AlternateContent xmlns:mc="http://schemas.openxmlformats.org/markup-compatibility/2006">
+        <mc:Choice xmlns:a14="http://schemas.microsoft.com/office/drawing/2010/main" Requires="a14">
+          <p:sp>
+            <p:nvSpPr>
+              <p:cNvPr id="28" name="TextBox 27">
+                <a:extLst>
+                  <a:ext uri="{FF2B5EF4-FFF2-40B4-BE49-F238E27FC236}">
+                    <a16:creationId xmlns:a16="http://schemas.microsoft.com/office/drawing/2014/main" id="{969B560C-5E23-4B81-94DE-8A0D73CBF97D}"/>
+                  </a:ext>
+                </a:extLst>
+              </p:cNvPr>
+              <p:cNvSpPr txBox="1"/>
+              <p:nvPr/>
+            </p:nvSpPr>
+            <p:spPr>
+              <a:xfrm>
+                <a:off x="9464019" y="2655901"/>
+                <a:ext cx="1331262" cy="276999"/>
+              </a:xfrm>
+              <a:prstGeom prst="rect">
+                <a:avLst/>
+              </a:prstGeom>
+              <a:noFill/>
+            </p:spPr>
+            <p:txBody>
+              <a:bodyPr wrap="none" lIns="0" tIns="0" rIns="0" bIns="0" rtlCol="0">
+                <a:spAutoFit/>
+              </a:bodyPr>
+              <a:lstStyle/>
+              <a:p>
+                <a:pPr/>
+                <a14:m>
+                  <m:oMathPara xmlns:m="http://schemas.openxmlformats.org/officeDocument/2006/math">
+                    <m:oMathParaPr>
+                      <m:jc m:val="centerGroup"/>
+                    </m:oMathParaPr>
+                    <m:oMath xmlns:m="http://schemas.openxmlformats.org/officeDocument/2006/math">
+                      <m:r>
+                        <a:rPr kumimoji="1" lang="en-US" altLang="ko-Kore-KR" b="0" i="1" smtClean="0">
+                          <a:latin typeface="Cambria Math" panose="02040503050406030204" pitchFamily="18" charset="0"/>
+                        </a:rPr>
+                        <m:t>𝑦</m:t>
+                      </m:r>
+                      <m:r>
+                        <a:rPr kumimoji="1" lang="en-US" altLang="ko-Kore-KR" b="0" i="1" smtClean="0">
+                          <a:latin typeface="Cambria Math" panose="02040503050406030204" pitchFamily="18" charset="0"/>
+                        </a:rPr>
+                        <m:t>=</m:t>
+                      </m:r>
+                      <m:r>
+                        <a:rPr kumimoji="1" lang="en-US" altLang="ko-Kore-KR" b="0" i="1" smtClean="0">
+                          <a:latin typeface="Cambria Math" panose="02040503050406030204" pitchFamily="18" charset="0"/>
+                        </a:rPr>
+                        <m:t>𝐶𝑥</m:t>
+                      </m:r>
+                      <m:r>
+                        <a:rPr kumimoji="1" lang="en-US" altLang="ko-Kore-KR" b="0" i="1" smtClean="0">
+                          <a:latin typeface="Cambria Math" panose="02040503050406030204" pitchFamily="18" charset="0"/>
+                        </a:rPr>
+                        <m:t>+</m:t>
+                      </m:r>
+                      <m:r>
+                        <a:rPr kumimoji="1" lang="en-US" altLang="ko-Kore-KR" b="0" i="1" smtClean="0">
+                          <a:latin typeface="Cambria Math" panose="02040503050406030204" pitchFamily="18" charset="0"/>
+                        </a:rPr>
+                        <m:t>𝐷𝑢</m:t>
+                      </m:r>
+                    </m:oMath>
+                  </m:oMathPara>
+                </a14:m>
+                <a:endParaRPr kumimoji="1" lang="en-US" altLang="ko-Kore-KR" b="0" dirty="0"/>
+              </a:p>
+            </p:txBody>
+          </p:sp>
+        </mc:Choice>
+        <mc:Fallback>
+          <p:sp>
+            <p:nvSpPr>
+              <p:cNvPr id="28" name="TextBox 27">
+                <a:extLst>
+                  <a:ext uri="{FF2B5EF4-FFF2-40B4-BE49-F238E27FC236}">
+                    <a16:creationId xmlns:a16="http://schemas.microsoft.com/office/drawing/2014/main" id="{969B560C-5E23-4B81-94DE-8A0D73CBF97D}"/>
+                  </a:ext>
+                </a:extLst>
+              </p:cNvPr>
+              <p:cNvSpPr txBox="1">
+                <a:spLocks noRot="1" noChangeAspect="1" noMove="1" noResize="1" noEditPoints="1" noAdjustHandles="1" noChangeArrowheads="1" noChangeShapeType="1" noTextEdit="1"/>
+              </p:cNvSpPr>
+              <p:nvPr/>
+            </p:nvSpPr>
+            <p:spPr>
+              <a:xfrm>
+                <a:off x="9464019" y="2655901"/>
+                <a:ext cx="1331262" cy="276999"/>
+              </a:xfrm>
+              <a:prstGeom prst="rect">
+                <a:avLst/>
+              </a:prstGeom>
+              <a:blipFill>
+                <a:blip r:embed="rId16"/>
+                <a:stretch>
+                  <a:fillRect l="-4110" r="-3196" b="-26667"/>
+                </a:stretch>
+              </a:blipFill>
+            </p:spPr>
+            <p:txBody>
+              <a:bodyPr/>
+              <a:lstStyle/>
+              <a:p>
+                <a:r>
+                  <a:rPr lang="ko-KR" altLang="en-US">
+                    <a:noFill/>
+                  </a:rPr>
+                  <a:t> </a:t>
+                </a:r>
+              </a:p>
+            </p:txBody>
+          </p:sp>
+        </mc:Fallback>
+      </mc:AlternateContent>
+      <p:cxnSp>
+        <p:nvCxnSpPr>
+          <p:cNvPr id="29" name="직선 화살표 연결선 28">
+            <a:extLst>
+              <a:ext uri="{FF2B5EF4-FFF2-40B4-BE49-F238E27FC236}">
+                <a16:creationId xmlns:a16="http://schemas.microsoft.com/office/drawing/2014/main" id="{73F04A68-8598-CEFC-6E0C-F61E19400100}"/>
+              </a:ext>
+            </a:extLst>
+          </p:cNvPr>
+          <p:cNvCxnSpPr>
+            <a:cxnSpLocks/>
+            <a:stCxn id="13" idx="3"/>
+          </p:cNvCxnSpPr>
+          <p:nvPr/>
+        </p:nvCxnSpPr>
+        <p:spPr>
+          <a:xfrm>
+            <a:off x="11009792" y="2617657"/>
+            <a:ext cx="532786" cy="0"/>
+          </a:xfrm>
+          <a:prstGeom prst="straightConnector1">
+            <a:avLst/>
+          </a:prstGeom>
+          <a:ln>
+            <a:tailEnd type="triangle"/>
+          </a:ln>
+        </p:spPr>
+        <p:style>
+          <a:lnRef idx="2">
+            <a:schemeClr val="dk1"/>
+          </a:lnRef>
+          <a:fillRef idx="0">
+            <a:schemeClr val="dk1"/>
+          </a:fillRef>
+          <a:effectRef idx="1">
+            <a:schemeClr val="dk1"/>
+          </a:effectRef>
+          <a:fontRef idx="minor">
+            <a:schemeClr val="tx1"/>
+          </a:fontRef>
+        </p:style>
+      </p:cxnSp>
+      <mc:AlternateContent xmlns:mc="http://schemas.openxmlformats.org/markup-compatibility/2006">
+        <mc:Choice xmlns:a14="http://schemas.microsoft.com/office/drawing/2010/main" Requires="a14">
+          <p:sp>
+            <p:nvSpPr>
+              <p:cNvPr id="30" name="TextBox 29">
+                <a:extLst>
+                  <a:ext uri="{FF2B5EF4-FFF2-40B4-BE49-F238E27FC236}">
+                    <a16:creationId xmlns:a16="http://schemas.microsoft.com/office/drawing/2014/main" id="{F2A8FF27-1800-DA3F-5837-755B6924A3DB}"/>
+                  </a:ext>
+                </a:extLst>
+              </p:cNvPr>
+              <p:cNvSpPr txBox="1"/>
+              <p:nvPr/>
+            </p:nvSpPr>
+            <p:spPr>
+              <a:xfrm>
+                <a:off x="6384591" y="2307011"/>
+                <a:ext cx="166969" cy="276999"/>
+              </a:xfrm>
+              <a:prstGeom prst="rect">
+                <a:avLst/>
+              </a:prstGeom>
+              <a:noFill/>
+            </p:spPr>
+            <p:txBody>
+              <a:bodyPr wrap="none" lIns="0" tIns="0" rIns="0" bIns="0" rtlCol="0">
+                <a:spAutoFit/>
+              </a:bodyPr>
+              <a:lstStyle/>
+              <a:p>
+                <a:pPr/>
+                <a14:m>
+                  <m:oMathPara xmlns:m="http://schemas.openxmlformats.org/officeDocument/2006/math">
+                    <m:oMathParaPr>
+                      <m:jc m:val="centerGroup"/>
+                    </m:oMathParaPr>
+                    <m:oMath xmlns:m="http://schemas.openxmlformats.org/officeDocument/2006/math">
+                      <m:r>
+                        <a:rPr kumimoji="1" lang="en-US" altLang="ko-Kore-KR" b="0" i="1" smtClean="0">
+                          <a:latin typeface="Cambria Math" panose="02040503050406030204" pitchFamily="18" charset="0"/>
+                        </a:rPr>
+                        <m:t>𝑟</m:t>
+                      </m:r>
+                    </m:oMath>
+                  </m:oMathPara>
+                </a14:m>
+                <a:endParaRPr kumimoji="1" lang="ko-Kore-KR" altLang="en-US" dirty="0"/>
+              </a:p>
+            </p:txBody>
+          </p:sp>
+        </mc:Choice>
+        <mc:Fallback>
+          <p:sp>
+            <p:nvSpPr>
+              <p:cNvPr id="30" name="TextBox 29">
+                <a:extLst>
+                  <a:ext uri="{FF2B5EF4-FFF2-40B4-BE49-F238E27FC236}">
+                    <a16:creationId xmlns:a16="http://schemas.microsoft.com/office/drawing/2014/main" id="{F2A8FF27-1800-DA3F-5837-755B6924A3DB}"/>
+                  </a:ext>
+                </a:extLst>
+              </p:cNvPr>
+              <p:cNvSpPr txBox="1">
+                <a:spLocks noRot="1" noChangeAspect="1" noMove="1" noResize="1" noEditPoints="1" noAdjustHandles="1" noChangeArrowheads="1" noChangeShapeType="1" noTextEdit="1"/>
+              </p:cNvSpPr>
+              <p:nvPr/>
+            </p:nvSpPr>
+            <p:spPr>
+              <a:xfrm>
+                <a:off x="6384591" y="2307011"/>
+                <a:ext cx="166969" cy="276999"/>
+              </a:xfrm>
+              <a:prstGeom prst="rect">
+                <a:avLst/>
+              </a:prstGeom>
+              <a:blipFill>
+                <a:blip r:embed="rId17"/>
+                <a:stretch>
+                  <a:fillRect l="-21429" r="-14286"/>
+                </a:stretch>
+              </a:blipFill>
+            </p:spPr>
+            <p:txBody>
+              <a:bodyPr/>
+              <a:lstStyle/>
+              <a:p>
+                <a:r>
+                  <a:rPr lang="ko-KR" altLang="en-US">
+                    <a:noFill/>
+                  </a:rPr>
+                  <a:t> </a:t>
+                </a:r>
+              </a:p>
+            </p:txBody>
+          </p:sp>
+        </mc:Fallback>
+      </mc:AlternateContent>
+      <mc:AlternateContent xmlns:mc="http://schemas.openxmlformats.org/markup-compatibility/2006">
+        <mc:Choice xmlns:a14="http://schemas.microsoft.com/office/drawing/2010/main" Requires="a14">
+          <p:sp>
+            <p:nvSpPr>
+              <p:cNvPr id="31" name="TextBox 30">
+                <a:extLst>
+                  <a:ext uri="{FF2B5EF4-FFF2-40B4-BE49-F238E27FC236}">
+                    <a16:creationId xmlns:a16="http://schemas.microsoft.com/office/drawing/2014/main" id="{CDB39656-56CB-18C8-1439-685CAED3CBAF}"/>
+                  </a:ext>
+                </a:extLst>
+              </p:cNvPr>
+              <p:cNvSpPr txBox="1"/>
+              <p:nvPr/>
+            </p:nvSpPr>
+            <p:spPr>
+              <a:xfrm>
+                <a:off x="11089467" y="2314167"/>
+                <a:ext cx="186718" cy="276999"/>
+              </a:xfrm>
+              <a:prstGeom prst="rect">
+                <a:avLst/>
+              </a:prstGeom>
+              <a:noFill/>
+            </p:spPr>
+            <p:txBody>
+              <a:bodyPr wrap="none" lIns="0" tIns="0" rIns="0" bIns="0" rtlCol="0">
+                <a:spAutoFit/>
+              </a:bodyPr>
+              <a:lstStyle/>
+              <a:p>
+                <a:pPr/>
+                <a14:m>
+                  <m:oMathPara xmlns:m="http://schemas.openxmlformats.org/officeDocument/2006/math">
+                    <m:oMathParaPr>
+                      <m:jc m:val="centerGroup"/>
+                    </m:oMathParaPr>
+                    <m:oMath xmlns:m="http://schemas.openxmlformats.org/officeDocument/2006/math">
+                      <m:r>
+                        <a:rPr kumimoji="1" lang="en-US" altLang="ko-Kore-KR" b="0" i="1" smtClean="0">
+                          <a:latin typeface="Cambria Math" panose="02040503050406030204" pitchFamily="18" charset="0"/>
+                        </a:rPr>
+                        <m:t>𝑦</m:t>
+                      </m:r>
+                    </m:oMath>
+                  </m:oMathPara>
+                </a14:m>
+                <a:endParaRPr kumimoji="1" lang="ko-Kore-KR" altLang="en-US" dirty="0"/>
+              </a:p>
+            </p:txBody>
+          </p:sp>
+        </mc:Choice>
+        <mc:Fallback>
+          <p:sp>
+            <p:nvSpPr>
+              <p:cNvPr id="31" name="TextBox 30">
+                <a:extLst>
+                  <a:ext uri="{FF2B5EF4-FFF2-40B4-BE49-F238E27FC236}">
+                    <a16:creationId xmlns:a16="http://schemas.microsoft.com/office/drawing/2014/main" id="{CDB39656-56CB-18C8-1439-685CAED3CBAF}"/>
+                  </a:ext>
+                </a:extLst>
+              </p:cNvPr>
+              <p:cNvSpPr txBox="1">
+                <a:spLocks noRot="1" noChangeAspect="1" noMove="1" noResize="1" noEditPoints="1" noAdjustHandles="1" noChangeArrowheads="1" noChangeShapeType="1" noTextEdit="1"/>
+              </p:cNvSpPr>
+              <p:nvPr/>
+            </p:nvSpPr>
+            <p:spPr>
+              <a:xfrm>
+                <a:off x="11089467" y="2314167"/>
+                <a:ext cx="186718" cy="276999"/>
+              </a:xfrm>
+              <a:prstGeom prst="rect">
+                <a:avLst/>
+              </a:prstGeom>
+              <a:blipFill>
+                <a:blip r:embed="rId18"/>
+                <a:stretch>
+                  <a:fillRect l="-32258" r="-25806" b="-26667"/>
+                </a:stretch>
+              </a:blipFill>
+            </p:spPr>
+            <p:txBody>
+              <a:bodyPr/>
+              <a:lstStyle/>
+              <a:p>
+                <a:r>
+                  <a:rPr lang="ko-KR" altLang="en-US">
+                    <a:noFill/>
+                  </a:rPr>
+                  <a:t> </a:t>
+                </a:r>
+              </a:p>
+            </p:txBody>
+          </p:sp>
+        </mc:Fallback>
+      </mc:AlternateContent>
+      <mc:AlternateContent xmlns:mc="http://schemas.openxmlformats.org/markup-compatibility/2006">
+        <mc:Choice xmlns:a14="http://schemas.microsoft.com/office/drawing/2010/main" Requires="a14">
+          <p:sp>
+            <p:nvSpPr>
+              <p:cNvPr id="35" name="TextBox 34">
+                <a:extLst>
+                  <a:ext uri="{FF2B5EF4-FFF2-40B4-BE49-F238E27FC236}">
+                    <a16:creationId xmlns:a16="http://schemas.microsoft.com/office/drawing/2014/main" id="{A88BDC37-929F-CB3B-47B5-F0BB26E3C682}"/>
+                  </a:ext>
+                </a:extLst>
+              </p:cNvPr>
+              <p:cNvSpPr txBox="1"/>
+              <p:nvPr/>
+            </p:nvSpPr>
+            <p:spPr>
+              <a:xfrm>
+                <a:off x="9869010" y="3933835"/>
+                <a:ext cx="183319" cy="276999"/>
+              </a:xfrm>
+              <a:prstGeom prst="rect">
+                <a:avLst/>
+              </a:prstGeom>
+              <a:noFill/>
+            </p:spPr>
+            <p:txBody>
+              <a:bodyPr wrap="none" lIns="0" tIns="0" rIns="0" bIns="0" rtlCol="0">
+                <a:spAutoFit/>
+              </a:bodyPr>
+              <a:lstStyle/>
+              <a:p>
+                <a:pPr/>
+                <a14:m>
+                  <m:oMathPara xmlns:m="http://schemas.openxmlformats.org/officeDocument/2006/math">
+                    <m:oMathParaPr>
+                      <m:jc m:val="centerGroup"/>
+                    </m:oMathParaPr>
+                    <m:oMath xmlns:m="http://schemas.openxmlformats.org/officeDocument/2006/math">
+                      <m:r>
+                        <a:rPr kumimoji="1" lang="en-US" altLang="ko-Kore-KR" b="0" i="1" smtClean="0">
+                          <a:latin typeface="Cambria Math" panose="02040503050406030204" pitchFamily="18" charset="0"/>
+                        </a:rPr>
+                        <m:t>𝑥</m:t>
+                      </m:r>
+                    </m:oMath>
+                  </m:oMathPara>
+                </a14:m>
+                <a:endParaRPr kumimoji="1" lang="ko-Kore-KR" altLang="en-US" dirty="0"/>
+              </a:p>
+            </p:txBody>
+          </p:sp>
+        </mc:Choice>
+        <mc:Fallback>
+          <p:sp>
+            <p:nvSpPr>
+              <p:cNvPr id="35" name="TextBox 34">
+                <a:extLst>
+                  <a:ext uri="{FF2B5EF4-FFF2-40B4-BE49-F238E27FC236}">
+                    <a16:creationId xmlns:a16="http://schemas.microsoft.com/office/drawing/2014/main" id="{A88BDC37-929F-CB3B-47B5-F0BB26E3C682}"/>
+                  </a:ext>
+                </a:extLst>
+              </p:cNvPr>
+              <p:cNvSpPr txBox="1">
+                <a:spLocks noRot="1" noChangeAspect="1" noMove="1" noResize="1" noEditPoints="1" noAdjustHandles="1" noChangeArrowheads="1" noChangeShapeType="1" noTextEdit="1"/>
+              </p:cNvSpPr>
+              <p:nvPr/>
+            </p:nvSpPr>
+            <p:spPr>
+              <a:xfrm>
+                <a:off x="9869010" y="3933835"/>
+                <a:ext cx="183319" cy="276999"/>
+              </a:xfrm>
+              <a:prstGeom prst="rect">
+                <a:avLst/>
+              </a:prstGeom>
+              <a:blipFill>
+                <a:blip r:embed="rId19"/>
+                <a:stretch>
+                  <a:fillRect l="-20000" r="-13333"/>
+                </a:stretch>
+              </a:blipFill>
+            </p:spPr>
+            <p:txBody>
+              <a:bodyPr/>
+              <a:lstStyle/>
+              <a:p>
+                <a:r>
+                  <a:rPr lang="ko-KR" altLang="en-US">
+                    <a:noFill/>
+                  </a:rPr>
+                  <a:t> </a:t>
+                </a:r>
+              </a:p>
+            </p:txBody>
+          </p:sp>
+        </mc:Fallback>
+      </mc:AlternateContent>
+      <p:sp>
+        <p:nvSpPr>
+          <p:cNvPr id="41" name="TextBox 40">
+            <a:extLst>
+              <a:ext uri="{FF2B5EF4-FFF2-40B4-BE49-F238E27FC236}">
+                <a16:creationId xmlns:a16="http://schemas.microsoft.com/office/drawing/2014/main" id="{645D2FA0-303D-75CD-3468-4F4FDEEE6612}"/>
+              </a:ext>
+            </a:extLst>
+          </p:cNvPr>
+          <p:cNvSpPr txBox="1"/>
+          <p:nvPr/>
+        </p:nvSpPr>
+        <p:spPr>
+          <a:xfrm>
+            <a:off x="2609362" y="1142576"/>
+            <a:ext cx="1931261" cy="369332"/>
+          </a:xfrm>
+          <a:prstGeom prst="rect">
+            <a:avLst/>
+          </a:prstGeom>
+          <a:noFill/>
+        </p:spPr>
+        <p:txBody>
+          <a:bodyPr wrap="square" rtlCol="0">
+            <a:spAutoFit/>
+          </a:bodyPr>
+          <a:lstStyle/>
+          <a:p>
+            <a:r>
+              <a:rPr lang="en-US" altLang="ko-KR" b="1" dirty="0"/>
+              <a:t>Pole</a:t>
+            </a:r>
+            <a:r>
+              <a:rPr lang="ko-KR" altLang="en-US" b="1" dirty="0"/>
+              <a:t> </a:t>
+            </a:r>
+            <a:r>
+              <a:rPr lang="en-US" altLang="ko-KR" b="1" dirty="0"/>
+              <a:t>Placement</a:t>
+            </a:r>
+            <a:endParaRPr lang="ko-KR" altLang="en-US" b="1" dirty="0"/>
+          </a:p>
+        </p:txBody>
+      </p:sp>
+      <p:sp>
+        <p:nvSpPr>
+          <p:cNvPr id="42" name="TextBox 41">
+            <a:extLst>
+              <a:ext uri="{FF2B5EF4-FFF2-40B4-BE49-F238E27FC236}">
+                <a16:creationId xmlns:a16="http://schemas.microsoft.com/office/drawing/2014/main" id="{E5B6EDF5-15AB-181C-517E-1AF482B9EB8A}"/>
+              </a:ext>
+            </a:extLst>
+          </p:cNvPr>
+          <p:cNvSpPr txBox="1"/>
+          <p:nvPr/>
+        </p:nvSpPr>
+        <p:spPr>
+          <a:xfrm>
+            <a:off x="8789527" y="1142576"/>
+            <a:ext cx="1053662" cy="369332"/>
+          </a:xfrm>
+          <a:prstGeom prst="rect">
+            <a:avLst/>
+          </a:prstGeom>
+          <a:noFill/>
+        </p:spPr>
+        <p:txBody>
+          <a:bodyPr wrap="square" rtlCol="0">
+            <a:spAutoFit/>
+          </a:bodyPr>
+          <a:lstStyle/>
+          <a:p>
+            <a:r>
+              <a:rPr lang="en-US" altLang="ko-KR" b="1" dirty="0"/>
+              <a:t>LQR</a:t>
+            </a:r>
+            <a:endParaRPr lang="ko-KR" altLang="en-US" b="1" dirty="0"/>
+          </a:p>
+        </p:txBody>
+      </p:sp>
+    </p:spTree>
+    <p:extLst>
+      <p:ext uri="{BB962C8B-B14F-4D97-AF65-F5344CB8AC3E}">
+        <p14:creationId xmlns:p14="http://schemas.microsoft.com/office/powerpoint/2010/main" val="865341130"/>
+      </p:ext>
+    </p:extLst>
+  </p:cSld>
+  <p:clrMapOvr>
+    <a:masterClrMapping/>
+  </p:clrMapOvr>
+</p:sld>
+</file>
+
+<file path=ppt/slides/slide3.xml><?xml version="1.0" encoding="utf-8"?>
+<p:sld xmlns:a="http://schemas.openxmlformats.org/drawingml/2006/main" xmlns:r="http://schemas.openxmlformats.org/officeDocument/2006/relationships" xmlns:p="http://schemas.openxmlformats.org/presentationml/2006/main">
+  <p:cSld>
+    <p:spTree>
+      <p:nvGrpSpPr>
+        <p:cNvPr id="1" name=""/>
+        <p:cNvGrpSpPr/>
+        <p:nvPr/>
+      </p:nvGrpSpPr>
+      <p:grpSpPr>
+        <a:xfrm>
+          <a:off x="0" y="0"/>
+          <a:ext cx="0" cy="0"/>
+          <a:chOff x="0" y="0"/>
+          <a:chExt cx="0" cy="0"/>
+        </a:xfrm>
+      </p:grpSpPr>
+      <p:pic>
+        <p:nvPicPr>
+          <p:cNvPr id="5" name="그래픽 4" descr="이륙 단색으로 채워진">
+            <a:extLst>
+              <a:ext uri="{FF2B5EF4-FFF2-40B4-BE49-F238E27FC236}">
+                <a16:creationId xmlns:a16="http://schemas.microsoft.com/office/drawing/2014/main" id="{94DD5259-13DB-973F-D6F6-5CBBAFD9733F}"/>
+              </a:ext>
+            </a:extLst>
+          </p:cNvPr>
+          <p:cNvPicPr>
+            <a:picLocks noChangeAspect="1"/>
+          </p:cNvPicPr>
+          <p:nvPr/>
+        </p:nvPicPr>
+        <p:blipFill>
+          <a:blip r:embed="rId2">
+            <a:extLst>
+              <a:ext uri="{96DAC541-7B7A-43D3-8B79-37D633B846F1}">
+                <asvg:svgBlip xmlns:asvg="http://schemas.microsoft.com/office/drawing/2016/SVG/main" r:embed="rId3"/>
+              </a:ext>
+            </a:extLst>
+          </a:blip>
+          <a:stretch>
+            <a:fillRect/>
+          </a:stretch>
+        </p:blipFill>
+        <p:spPr>
+          <a:xfrm>
+            <a:off x="1339090" y="5713959"/>
+            <a:ext cx="914400" cy="914400"/>
+          </a:xfrm>
+          <a:prstGeom prst="rect">
+            <a:avLst/>
+          </a:prstGeom>
+        </p:spPr>
+      </p:pic>
+      <p:pic>
+        <p:nvPicPr>
+          <p:cNvPr id="7" name="그래픽 6" descr="버스 단색으로 채워진">
+            <a:extLst>
+              <a:ext uri="{FF2B5EF4-FFF2-40B4-BE49-F238E27FC236}">
+                <a16:creationId xmlns:a16="http://schemas.microsoft.com/office/drawing/2014/main" id="{83F783D6-E097-875D-F5A4-E0D5745919B3}"/>
+              </a:ext>
+            </a:extLst>
+          </p:cNvPr>
+          <p:cNvPicPr>
+            <a:picLocks noChangeAspect="1"/>
+          </p:cNvPicPr>
+          <p:nvPr/>
+        </p:nvPicPr>
+        <p:blipFill>
+          <a:blip r:embed="rId4">
+            <a:extLst>
+              <a:ext uri="{96DAC541-7B7A-43D3-8B79-37D633B846F1}">
+                <asvg:svgBlip xmlns:asvg="http://schemas.microsoft.com/office/drawing/2016/SVG/main" r:embed="rId5"/>
+              </a:ext>
+            </a:extLst>
+          </a:blip>
+          <a:stretch>
+            <a:fillRect/>
+          </a:stretch>
+        </p:blipFill>
+        <p:spPr>
+          <a:xfrm>
+            <a:off x="1339090" y="4668890"/>
+            <a:ext cx="914400" cy="914400"/>
+          </a:xfrm>
+          <a:prstGeom prst="rect">
+            <a:avLst/>
+          </a:prstGeom>
+        </p:spPr>
+      </p:pic>
+      <p:pic>
+        <p:nvPicPr>
+          <p:cNvPr id="9" name="그래픽 8" descr="세발자전거 단색으로 채워진">
+            <a:extLst>
+              <a:ext uri="{FF2B5EF4-FFF2-40B4-BE49-F238E27FC236}">
+                <a16:creationId xmlns:a16="http://schemas.microsoft.com/office/drawing/2014/main" id="{54182B72-0AEB-6917-7F75-AE55FC8BFBBC}"/>
+              </a:ext>
+            </a:extLst>
+          </p:cNvPr>
+          <p:cNvPicPr>
+            <a:picLocks noChangeAspect="1"/>
+          </p:cNvPicPr>
+          <p:nvPr/>
+        </p:nvPicPr>
+        <p:blipFill>
+          <a:blip r:embed="rId6">
+            <a:extLst>
+              <a:ext uri="{96DAC541-7B7A-43D3-8B79-37D633B846F1}">
+                <asvg:svgBlip xmlns:asvg="http://schemas.microsoft.com/office/drawing/2016/SVG/main" r:embed="rId7"/>
+              </a:ext>
+            </a:extLst>
+          </a:blip>
+          <a:stretch>
+            <a:fillRect/>
+          </a:stretch>
+        </p:blipFill>
+        <p:spPr>
+          <a:xfrm>
+            <a:off x="1339090" y="2486390"/>
+            <a:ext cx="914400" cy="914400"/>
+          </a:xfrm>
+          <a:prstGeom prst="rect">
+            <a:avLst/>
+          </a:prstGeom>
+        </p:spPr>
+      </p:pic>
+      <p:pic>
+        <p:nvPicPr>
+          <p:cNvPr id="11" name="그래픽 10" descr="자동차 단색으로 채워진">
+            <a:extLst>
+              <a:ext uri="{FF2B5EF4-FFF2-40B4-BE49-F238E27FC236}">
+                <a16:creationId xmlns:a16="http://schemas.microsoft.com/office/drawing/2014/main" id="{64BCF1EB-ECEC-D92E-C062-6E5B72824140}"/>
+              </a:ext>
+            </a:extLst>
+          </p:cNvPr>
+          <p:cNvPicPr>
+            <a:picLocks noChangeAspect="1"/>
+          </p:cNvPicPr>
+          <p:nvPr/>
+        </p:nvPicPr>
+        <p:blipFill>
+          <a:blip r:embed="rId8">
+            <a:extLst>
+              <a:ext uri="{96DAC541-7B7A-43D3-8B79-37D633B846F1}">
+                <asvg:svgBlip xmlns:asvg="http://schemas.microsoft.com/office/drawing/2016/SVG/main" r:embed="rId9"/>
+              </a:ext>
+            </a:extLst>
+          </a:blip>
+          <a:stretch>
+            <a:fillRect/>
+          </a:stretch>
+        </p:blipFill>
+        <p:spPr>
+          <a:xfrm>
+            <a:off x="1339090" y="3577640"/>
+            <a:ext cx="914400" cy="914400"/>
+          </a:xfrm>
+          <a:prstGeom prst="rect">
+            <a:avLst/>
+          </a:prstGeom>
+        </p:spPr>
+      </p:pic>
+      <p:pic>
+        <p:nvPicPr>
+          <p:cNvPr id="13" name="그래픽 12" descr="학교 윤곽선">
+            <a:extLst>
+              <a:ext uri="{FF2B5EF4-FFF2-40B4-BE49-F238E27FC236}">
+                <a16:creationId xmlns:a16="http://schemas.microsoft.com/office/drawing/2014/main" id="{ABC6BB4D-2D81-4445-8F6A-D0B4B5CC47CE}"/>
+              </a:ext>
+            </a:extLst>
+          </p:cNvPr>
+          <p:cNvPicPr>
+            <a:picLocks noChangeAspect="1"/>
+          </p:cNvPicPr>
+          <p:nvPr/>
+        </p:nvPicPr>
+        <p:blipFill>
+          <a:blip r:embed="rId10">
+            <a:extLst>
+              <a:ext uri="{96DAC541-7B7A-43D3-8B79-37D633B846F1}">
+                <asvg:svgBlip xmlns:asvg="http://schemas.microsoft.com/office/drawing/2016/SVG/main" r:embed="rId11"/>
+              </a:ext>
+            </a:extLst>
+          </a:blip>
+          <a:stretch>
+            <a:fillRect/>
+          </a:stretch>
+        </p:blipFill>
+        <p:spPr>
+          <a:xfrm>
+            <a:off x="7966000" y="496092"/>
+            <a:ext cx="914400" cy="914400"/>
+          </a:xfrm>
+          <a:prstGeom prst="rect">
+            <a:avLst/>
+          </a:prstGeom>
+        </p:spPr>
+      </p:pic>
+      <p:pic>
+        <p:nvPicPr>
+          <p:cNvPr id="15" name="그래픽 14" descr="집 Wi-Fi에서 작업 단색으로 채워진">
+            <a:extLst>
+              <a:ext uri="{FF2B5EF4-FFF2-40B4-BE49-F238E27FC236}">
+                <a16:creationId xmlns:a16="http://schemas.microsoft.com/office/drawing/2014/main" id="{94B2BA36-E1DD-C879-35DB-F15176922BAB}"/>
+              </a:ext>
+            </a:extLst>
+          </p:cNvPr>
+          <p:cNvPicPr>
+            <a:picLocks noChangeAspect="1"/>
+          </p:cNvPicPr>
+          <p:nvPr/>
+        </p:nvPicPr>
+        <p:blipFill>
+          <a:blip r:embed="rId12">
+            <a:extLst>
+              <a:ext uri="{96DAC541-7B7A-43D3-8B79-37D633B846F1}">
+                <asvg:svgBlip xmlns:asvg="http://schemas.microsoft.com/office/drawing/2016/SVG/main" r:embed="rId13"/>
+              </a:ext>
+            </a:extLst>
+          </a:blip>
+          <a:stretch>
+            <a:fillRect/>
+          </a:stretch>
+        </p:blipFill>
+        <p:spPr>
+          <a:xfrm>
+            <a:off x="2712727" y="496092"/>
+            <a:ext cx="914400" cy="914400"/>
+          </a:xfrm>
+          <a:prstGeom prst="rect">
+            <a:avLst/>
+          </a:prstGeom>
+        </p:spPr>
+      </p:pic>
+      <p:sp>
+        <p:nvSpPr>
+          <p:cNvPr id="16" name="화살표: 오른쪽 15">
+            <a:extLst>
+              <a:ext uri="{FF2B5EF4-FFF2-40B4-BE49-F238E27FC236}">
+                <a16:creationId xmlns:a16="http://schemas.microsoft.com/office/drawing/2014/main" id="{84B6D6E9-383F-33F2-9124-AC9A18BB4562}"/>
+              </a:ext>
+            </a:extLst>
+          </p:cNvPr>
+          <p:cNvSpPr/>
+          <p:nvPr/>
+        </p:nvSpPr>
+        <p:spPr>
+          <a:xfrm>
+            <a:off x="4098182" y="773183"/>
+            <a:ext cx="3676072" cy="360218"/>
+          </a:xfrm>
+          <a:prstGeom prst="rightArrow">
+            <a:avLst/>
+          </a:prstGeom>
+        </p:spPr>
+        <p:style>
+          <a:lnRef idx="2">
+            <a:schemeClr val="dk1">
+              <a:shade val="15000"/>
+            </a:schemeClr>
+          </a:lnRef>
+          <a:fillRef idx="1">
+            <a:schemeClr val="dk1"/>
+          </a:fillRef>
+          <a:effectRef idx="0">
+            <a:schemeClr val="dk1"/>
+          </a:effectRef>
+          <a:fontRef idx="minor">
+            <a:schemeClr val="lt1"/>
+          </a:fontRef>
+        </p:style>
+        <p:txBody>
+          <a:bodyPr rtlCol="0" anchor="ctr"/>
+          <a:lstStyle/>
+          <a:p>
+            <a:pPr algn="ctr"/>
+            <a:endParaRPr lang="ko-KR" altLang="en-US"/>
+          </a:p>
+        </p:txBody>
+      </p:sp>
+      <p:graphicFrame>
+        <p:nvGraphicFramePr>
+          <p:cNvPr id="20" name="표 20">
+            <a:extLst>
+              <a:ext uri="{FF2B5EF4-FFF2-40B4-BE49-F238E27FC236}">
+                <a16:creationId xmlns:a16="http://schemas.microsoft.com/office/drawing/2014/main" id="{39DB317B-E280-4546-8E96-FA74CC2890F1}"/>
+              </a:ext>
+            </a:extLst>
+          </p:cNvPr>
+          <p:cNvGraphicFramePr>
+            <a:graphicFrameLocks noGrp="1"/>
+          </p:cNvGraphicFramePr>
+          <p:nvPr>
+            <p:extLst>
+              <p:ext uri="{D42A27DB-BD31-4B8C-83A1-F6EECF244321}">
+                <p14:modId xmlns:p14="http://schemas.microsoft.com/office/powerpoint/2010/main" val="332319912"/>
+              </p:ext>
+            </p:extLst>
+          </p:nvPr>
+        </p:nvGraphicFramePr>
+        <p:xfrm>
+          <a:off x="4098182" y="2161310"/>
+          <a:ext cx="5671128" cy="4319265"/>
+        </p:xfrm>
+        <a:graphic>
+          <a:graphicData uri="http://schemas.openxmlformats.org/drawingml/2006/table">
+            <a:tbl>
+              <a:tblPr firstRow="1" bandRow="1">
+                <a:tableStyleId>{073A0DAA-6AF3-43AB-8588-CEC1D06C72B9}</a:tableStyleId>
+              </a:tblPr>
+              <a:tblGrid>
+                <a:gridCol w="2835564">
+                  <a:extLst>
+                    <a:ext uri="{9D8B030D-6E8A-4147-A177-3AD203B41FA5}">
+                      <a16:colId xmlns:a16="http://schemas.microsoft.com/office/drawing/2014/main" val="618737819"/>
+                    </a:ext>
+                  </a:extLst>
+                </a:gridCol>
+                <a:gridCol w="2835564">
+                  <a:extLst>
+                    <a:ext uri="{9D8B030D-6E8A-4147-A177-3AD203B41FA5}">
+                      <a16:colId xmlns:a16="http://schemas.microsoft.com/office/drawing/2014/main" val="3110510332"/>
+                    </a:ext>
+                  </a:extLst>
+                </a:gridCol>
+              </a:tblGrid>
+              <a:tr h="383897">
+                <a:tc>
+                  <a:txBody>
+                    <a:bodyPr/>
+                    <a:lstStyle/>
+                    <a:p>
+                      <a:pPr algn="ctr" latinLnBrk="1"/>
+                      <a:r>
+                        <a:rPr lang="en-US" altLang="ko-KR" dirty="0"/>
+                        <a:t>Time / Trip</a:t>
+                      </a:r>
+                      <a:endParaRPr lang="ko-KR" altLang="en-US" dirty="0"/>
+                    </a:p>
+                  </a:txBody>
+                  <a:tcPr/>
+                </a:tc>
+                <a:tc>
+                  <a:txBody>
+                    <a:bodyPr/>
+                    <a:lstStyle/>
+                    <a:p>
+                      <a:pPr algn="ctr" latinLnBrk="1"/>
+                      <a:r>
+                        <a:rPr lang="en-US" altLang="ko-KR" dirty="0"/>
+                        <a:t>Cost / Trip</a:t>
+                      </a:r>
+                      <a:endParaRPr lang="ko-KR" altLang="en-US" dirty="0"/>
+                    </a:p>
+                  </a:txBody>
+                  <a:tcPr/>
+                </a:tc>
+                <a:extLst>
+                  <a:ext uri="{0D108BD9-81ED-4DB2-BD59-A6C34878D82A}">
+                    <a16:rowId xmlns:a16="http://schemas.microsoft.com/office/drawing/2014/main" val="246547807"/>
+                  </a:ext>
+                </a:extLst>
+              </a:tr>
+              <a:tr h="983842">
+                <a:tc>
+                  <a:txBody>
+                    <a:bodyPr/>
+                    <a:lstStyle/>
+                    <a:p>
+                      <a:pPr algn="ctr" latinLnBrk="1"/>
+                      <a:r>
+                        <a:rPr lang="en-US" altLang="ko-KR" sz="3600" dirty="0"/>
+                        <a:t>20 min</a:t>
+                      </a:r>
+                      <a:endParaRPr lang="ko-KR" altLang="en-US" sz="3600" dirty="0"/>
+                    </a:p>
+                  </a:txBody>
+                  <a:tcPr/>
+                </a:tc>
+                <a:tc>
+                  <a:txBody>
+                    <a:bodyPr/>
+                    <a:lstStyle/>
+                    <a:p>
+                      <a:pPr algn="ctr" latinLnBrk="1"/>
+                      <a:r>
+                        <a:rPr lang="en-US" altLang="ko-KR" sz="3600" dirty="0"/>
+                        <a:t>7 $</a:t>
+                      </a:r>
+                      <a:endParaRPr lang="ko-KR" altLang="en-US" sz="3600" dirty="0"/>
+                    </a:p>
+                  </a:txBody>
+                  <a:tcPr/>
+                </a:tc>
+                <a:extLst>
+                  <a:ext uri="{0D108BD9-81ED-4DB2-BD59-A6C34878D82A}">
+                    <a16:rowId xmlns:a16="http://schemas.microsoft.com/office/drawing/2014/main" val="1912590016"/>
+                  </a:ext>
+                </a:extLst>
+              </a:tr>
+              <a:tr h="983842">
+                <a:tc>
+                  <a:txBody>
+                    <a:bodyPr/>
+                    <a:lstStyle/>
+                    <a:p>
+                      <a:pPr algn="ctr" latinLnBrk="1"/>
+                      <a:r>
+                        <a:rPr lang="en-US" altLang="ko-KR" sz="3600" dirty="0"/>
+                        <a:t>75 min</a:t>
+                      </a:r>
+                      <a:endParaRPr lang="ko-KR" altLang="en-US" sz="3600" dirty="0"/>
+                    </a:p>
+                  </a:txBody>
+                  <a:tcPr/>
+                </a:tc>
+                <a:tc>
+                  <a:txBody>
+                    <a:bodyPr/>
+                    <a:lstStyle/>
+                    <a:p>
+                      <a:pPr algn="ctr" latinLnBrk="1"/>
+                      <a:r>
+                        <a:rPr lang="en-US" altLang="ko-KR" sz="3600" dirty="0"/>
+                        <a:t>0 $</a:t>
+                      </a:r>
+                      <a:endParaRPr lang="ko-KR" altLang="en-US" sz="3600" dirty="0"/>
+                    </a:p>
+                  </a:txBody>
+                  <a:tcPr/>
+                </a:tc>
+                <a:extLst>
+                  <a:ext uri="{0D108BD9-81ED-4DB2-BD59-A6C34878D82A}">
+                    <a16:rowId xmlns:a16="http://schemas.microsoft.com/office/drawing/2014/main" val="1322412716"/>
+                  </a:ext>
+                </a:extLst>
+              </a:tr>
+              <a:tr h="983842">
+                <a:tc>
+                  <a:txBody>
+                    <a:bodyPr/>
+                    <a:lstStyle/>
+                    <a:p>
+                      <a:pPr algn="ctr" latinLnBrk="1"/>
+                      <a:r>
+                        <a:rPr lang="en-US" altLang="ko-KR" sz="3600" dirty="0"/>
+                        <a:t>30 min</a:t>
+                      </a:r>
+                      <a:endParaRPr lang="ko-KR" altLang="en-US" sz="3600" dirty="0"/>
+                    </a:p>
+                  </a:txBody>
+                  <a:tcPr/>
+                </a:tc>
+                <a:tc>
+                  <a:txBody>
+                    <a:bodyPr/>
+                    <a:lstStyle/>
+                    <a:p>
+                      <a:pPr algn="ctr" latinLnBrk="1"/>
+                      <a:r>
+                        <a:rPr lang="en-US" altLang="ko-KR" sz="3600" dirty="0"/>
+                        <a:t>2 $</a:t>
+                      </a:r>
+                      <a:endParaRPr lang="ko-KR" altLang="en-US" sz="3600" dirty="0"/>
+                    </a:p>
+                  </a:txBody>
+                  <a:tcPr/>
+                </a:tc>
+                <a:extLst>
+                  <a:ext uri="{0D108BD9-81ED-4DB2-BD59-A6C34878D82A}">
+                    <a16:rowId xmlns:a16="http://schemas.microsoft.com/office/drawing/2014/main" val="2916085095"/>
+                  </a:ext>
+                </a:extLst>
+              </a:tr>
+              <a:tr h="983842">
+                <a:tc>
+                  <a:txBody>
+                    <a:bodyPr/>
+                    <a:lstStyle/>
+                    <a:p>
+                      <a:pPr algn="ctr" latinLnBrk="1"/>
+                      <a:r>
+                        <a:rPr lang="en-US" altLang="ko-KR" sz="3600" dirty="0"/>
+                        <a:t>4 min</a:t>
+                      </a:r>
+                      <a:endParaRPr lang="ko-KR" altLang="en-US" sz="3600" dirty="0"/>
+                    </a:p>
+                  </a:txBody>
+                  <a:tcPr/>
+                </a:tc>
+                <a:tc>
+                  <a:txBody>
+                    <a:bodyPr/>
+                    <a:lstStyle/>
+                    <a:p>
+                      <a:pPr algn="ctr" latinLnBrk="1"/>
+                      <a:r>
+                        <a:rPr lang="en-US" altLang="ko-KR" sz="3600" dirty="0"/>
+                        <a:t>400 $</a:t>
+                      </a:r>
+                      <a:endParaRPr lang="ko-KR" altLang="en-US" sz="3600" dirty="0"/>
+                    </a:p>
+                  </a:txBody>
+                  <a:tcPr/>
+                </a:tc>
+                <a:extLst>
+                  <a:ext uri="{0D108BD9-81ED-4DB2-BD59-A6C34878D82A}">
+                    <a16:rowId xmlns:a16="http://schemas.microsoft.com/office/drawing/2014/main" val="3031486094"/>
+                  </a:ext>
+                </a:extLst>
+              </a:tr>
+            </a:tbl>
+          </a:graphicData>
+        </a:graphic>
+      </p:graphicFrame>
+      <mc:AlternateContent xmlns:mc="http://schemas.openxmlformats.org/markup-compatibility/2006">
+        <mc:Choice xmlns:a14="http://schemas.microsoft.com/office/drawing/2010/main" Requires="a14">
+          <p:sp>
+            <p:nvSpPr>
+              <p:cNvPr id="21" name="TextBox 20">
+                <a:extLst>
+                  <a:ext uri="{FF2B5EF4-FFF2-40B4-BE49-F238E27FC236}">
+                    <a16:creationId xmlns:a16="http://schemas.microsoft.com/office/drawing/2014/main" id="{B2E0BB27-5DB6-25C0-C8AA-197E55438F5E}"/>
+                  </a:ext>
+                </a:extLst>
+              </p:cNvPr>
+              <p:cNvSpPr txBox="1"/>
+              <p:nvPr/>
+            </p:nvSpPr>
+            <p:spPr>
+              <a:xfrm>
+                <a:off x="4592933" y="1514886"/>
+                <a:ext cx="2686569" cy="369332"/>
+              </a:xfrm>
+              <a:prstGeom prst="rect">
+                <a:avLst/>
+              </a:prstGeom>
+              <a:noFill/>
+            </p:spPr>
+            <p:txBody>
+              <a:bodyPr wrap="none" lIns="0" tIns="0" rIns="0" bIns="0" rtlCol="0">
+                <a:spAutoFit/>
+              </a:bodyPr>
+              <a:lstStyle/>
+              <a:p>
+                <a14:m>
+                  <m:oMathPara xmlns:m="http://schemas.openxmlformats.org/officeDocument/2006/math">
+                    <m:oMathParaPr>
+                      <m:jc m:val="centerGroup"/>
+                    </m:oMathParaPr>
+                    <m:oMath xmlns:m="http://schemas.openxmlformats.org/officeDocument/2006/math">
+                      <m:r>
+                        <a:rPr lang="en-US" altLang="ko-KR" sz="2400" b="0" i="1" smtClean="0">
+                          <a:latin typeface="Cambria Math" panose="02040503050406030204" pitchFamily="18" charset="0"/>
+                        </a:rPr>
+                        <m:t>𝐽</m:t>
+                      </m:r>
+                      <m:r>
+                        <a:rPr lang="en-US" altLang="ko-KR" sz="2400" b="0" i="1" smtClean="0">
+                          <a:latin typeface="Cambria Math" panose="02040503050406030204" pitchFamily="18" charset="0"/>
+                        </a:rPr>
+                        <m:t>=</m:t>
+                      </m:r>
+                      <m:r>
+                        <a:rPr lang="en-US" altLang="ko-KR" sz="2400" b="0" i="1" smtClean="0">
+                          <a:latin typeface="Cambria Math" panose="02040503050406030204" pitchFamily="18" charset="0"/>
+                        </a:rPr>
+                        <m:t>𝑄</m:t>
+                      </m:r>
+                      <m:r>
+                        <a:rPr lang="en-US" altLang="ko-KR" sz="2400" b="0" i="1" smtClean="0">
+                          <a:latin typeface="Cambria Math" panose="02040503050406030204" pitchFamily="18" charset="0"/>
+                        </a:rPr>
+                        <m:t> ∙</m:t>
+                      </m:r>
+                      <m:r>
+                        <a:rPr lang="en-US" altLang="ko-KR" sz="2400" b="0" i="1" smtClean="0">
+                          <a:latin typeface="Cambria Math" panose="02040503050406030204" pitchFamily="18" charset="0"/>
+                          <a:ea typeface="Cambria Math" panose="02040503050406030204" pitchFamily="18" charset="0"/>
+                        </a:rPr>
+                        <m:t>𝑡𝑖𝑚𝑒</m:t>
+                      </m:r>
+                      <m:r>
+                        <a:rPr lang="en-US" altLang="ko-KR" sz="2400" b="0" i="1" smtClean="0">
+                          <a:latin typeface="Cambria Math" panose="02040503050406030204" pitchFamily="18" charset="0"/>
+                          <a:ea typeface="Cambria Math" panose="02040503050406030204" pitchFamily="18" charset="0"/>
+                        </a:rPr>
+                        <m:t>+</m:t>
+                      </m:r>
+                      <m:r>
+                        <a:rPr lang="en-US" altLang="ko-KR" sz="2400" b="0" i="1" smtClean="0">
+                          <a:latin typeface="Cambria Math" panose="02040503050406030204" pitchFamily="18" charset="0"/>
+                          <a:ea typeface="Cambria Math" panose="02040503050406030204" pitchFamily="18" charset="0"/>
+                        </a:rPr>
+                        <m:t>𝑅</m:t>
+                      </m:r>
+                      <m:r>
+                        <a:rPr lang="en-US" altLang="ko-KR" sz="2400" b="0" i="1" smtClean="0">
+                          <a:latin typeface="Cambria Math" panose="02040503050406030204" pitchFamily="18" charset="0"/>
+                          <a:ea typeface="Cambria Math" panose="02040503050406030204" pitchFamily="18" charset="0"/>
+                        </a:rPr>
+                        <m:t>∙$</m:t>
+                      </m:r>
+                    </m:oMath>
+                  </m:oMathPara>
+                </a14:m>
+                <a:endParaRPr lang="ko-KR" altLang="en-US" sz="2400" dirty="0"/>
+              </a:p>
+            </p:txBody>
+          </p:sp>
+        </mc:Choice>
+        <mc:Fallback>
+          <p:sp>
+            <p:nvSpPr>
+              <p:cNvPr id="21" name="TextBox 20">
+                <a:extLst>
+                  <a:ext uri="{FF2B5EF4-FFF2-40B4-BE49-F238E27FC236}">
+                    <a16:creationId xmlns:a16="http://schemas.microsoft.com/office/drawing/2014/main" id="{B2E0BB27-5DB6-25C0-C8AA-197E55438F5E}"/>
+                  </a:ext>
+                </a:extLst>
+              </p:cNvPr>
+              <p:cNvSpPr txBox="1">
+                <a:spLocks noRot="1" noChangeAspect="1" noMove="1" noResize="1" noEditPoints="1" noAdjustHandles="1" noChangeArrowheads="1" noChangeShapeType="1" noTextEdit="1"/>
+              </p:cNvSpPr>
+              <p:nvPr/>
+            </p:nvSpPr>
+            <p:spPr>
+              <a:xfrm>
+                <a:off x="4592933" y="1514886"/>
+                <a:ext cx="2686569" cy="369332"/>
+              </a:xfrm>
+              <a:prstGeom prst="rect">
+                <a:avLst/>
+              </a:prstGeom>
+              <a:blipFill>
+                <a:blip r:embed="rId14"/>
+                <a:stretch>
+                  <a:fillRect l="-3175" t="-3333" r="-2948" b="-30000"/>
+                </a:stretch>
+              </a:blipFill>
+            </p:spPr>
+            <p:txBody>
+              <a:bodyPr/>
+              <a:lstStyle/>
+              <a:p>
+                <a:r>
+                  <a:rPr lang="ko-KR" altLang="en-US">
                     <a:noFill/>
                   </a:rPr>
                   <a:t> </a:t>
@@ -4875,7 +8421,1021 @@
     </p:spTree>
     <p:extLst>
       <p:ext uri="{BB962C8B-B14F-4D97-AF65-F5344CB8AC3E}">
-        <p14:creationId xmlns:p14="http://schemas.microsoft.com/office/powerpoint/2010/main" val="3291112625"/>
+        <p14:creationId xmlns:p14="http://schemas.microsoft.com/office/powerpoint/2010/main" val="2271606254"/>
+      </p:ext>
+    </p:extLst>
+  </p:cSld>
+  <p:clrMapOvr>
+    <a:masterClrMapping/>
+  </p:clrMapOvr>
+</p:sld>
+</file>
+
+<file path=ppt/slides/slide4.xml><?xml version="1.0" encoding="utf-8"?>
+<p:sld xmlns:a="http://schemas.openxmlformats.org/drawingml/2006/main" xmlns:r="http://schemas.openxmlformats.org/officeDocument/2006/relationships" xmlns:p="http://schemas.openxmlformats.org/presentationml/2006/main">
+  <p:cSld>
+    <p:spTree>
+      <p:nvGrpSpPr>
+        <p:cNvPr id="1" name=""/>
+        <p:cNvGrpSpPr/>
+        <p:nvPr/>
+      </p:nvGrpSpPr>
+      <p:grpSpPr>
+        <a:xfrm>
+          <a:off x="0" y="0"/>
+          <a:ext cx="0" cy="0"/>
+          <a:chOff x="0" y="0"/>
+          <a:chExt cx="0" cy="0"/>
+        </a:xfrm>
+      </p:grpSpPr>
+      <p:pic>
+        <p:nvPicPr>
+          <p:cNvPr id="5" name="그래픽 4" descr="이륙 단색으로 채워진">
+            <a:extLst>
+              <a:ext uri="{FF2B5EF4-FFF2-40B4-BE49-F238E27FC236}">
+                <a16:creationId xmlns:a16="http://schemas.microsoft.com/office/drawing/2014/main" id="{94DD5259-13DB-973F-D6F6-5CBBAFD9733F}"/>
+              </a:ext>
+            </a:extLst>
+          </p:cNvPr>
+          <p:cNvPicPr>
+            <a:picLocks noChangeAspect="1"/>
+          </p:cNvPicPr>
+          <p:nvPr/>
+        </p:nvPicPr>
+        <p:blipFill>
+          <a:blip r:embed="rId2">
+            <a:extLst>
+              <a:ext uri="{96DAC541-7B7A-43D3-8B79-37D633B846F1}">
+                <asvg:svgBlip xmlns:asvg="http://schemas.microsoft.com/office/drawing/2016/SVG/main" r:embed="rId3"/>
+              </a:ext>
+            </a:extLst>
+          </a:blip>
+          <a:stretch>
+            <a:fillRect/>
+          </a:stretch>
+        </p:blipFill>
+        <p:spPr>
+          <a:xfrm>
+            <a:off x="1339090" y="5713959"/>
+            <a:ext cx="914400" cy="914400"/>
+          </a:xfrm>
+          <a:prstGeom prst="rect">
+            <a:avLst/>
+          </a:prstGeom>
+        </p:spPr>
+      </p:pic>
+      <p:pic>
+        <p:nvPicPr>
+          <p:cNvPr id="7" name="그래픽 6" descr="버스 단색으로 채워진">
+            <a:extLst>
+              <a:ext uri="{FF2B5EF4-FFF2-40B4-BE49-F238E27FC236}">
+                <a16:creationId xmlns:a16="http://schemas.microsoft.com/office/drawing/2014/main" id="{83F783D6-E097-875D-F5A4-E0D5745919B3}"/>
+              </a:ext>
+            </a:extLst>
+          </p:cNvPr>
+          <p:cNvPicPr>
+            <a:picLocks noChangeAspect="1"/>
+          </p:cNvPicPr>
+          <p:nvPr/>
+        </p:nvPicPr>
+        <p:blipFill>
+          <a:blip r:embed="rId4">
+            <a:extLst>
+              <a:ext uri="{96DAC541-7B7A-43D3-8B79-37D633B846F1}">
+                <asvg:svgBlip xmlns:asvg="http://schemas.microsoft.com/office/drawing/2016/SVG/main" r:embed="rId5"/>
+              </a:ext>
+            </a:extLst>
+          </a:blip>
+          <a:stretch>
+            <a:fillRect/>
+          </a:stretch>
+        </p:blipFill>
+        <p:spPr>
+          <a:xfrm>
+            <a:off x="1339090" y="4668890"/>
+            <a:ext cx="914400" cy="914400"/>
+          </a:xfrm>
+          <a:prstGeom prst="rect">
+            <a:avLst/>
+          </a:prstGeom>
+        </p:spPr>
+      </p:pic>
+      <p:pic>
+        <p:nvPicPr>
+          <p:cNvPr id="9" name="그래픽 8" descr="세발자전거 단색으로 채워진">
+            <a:extLst>
+              <a:ext uri="{FF2B5EF4-FFF2-40B4-BE49-F238E27FC236}">
+                <a16:creationId xmlns:a16="http://schemas.microsoft.com/office/drawing/2014/main" id="{54182B72-0AEB-6917-7F75-AE55FC8BFBBC}"/>
+              </a:ext>
+            </a:extLst>
+          </p:cNvPr>
+          <p:cNvPicPr>
+            <a:picLocks noChangeAspect="1"/>
+          </p:cNvPicPr>
+          <p:nvPr/>
+        </p:nvPicPr>
+        <p:blipFill>
+          <a:blip r:embed="rId6">
+            <a:extLst>
+              <a:ext uri="{96DAC541-7B7A-43D3-8B79-37D633B846F1}">
+                <asvg:svgBlip xmlns:asvg="http://schemas.microsoft.com/office/drawing/2016/SVG/main" r:embed="rId7"/>
+              </a:ext>
+            </a:extLst>
+          </a:blip>
+          <a:stretch>
+            <a:fillRect/>
+          </a:stretch>
+        </p:blipFill>
+        <p:spPr>
+          <a:xfrm>
+            <a:off x="1339090" y="2486390"/>
+            <a:ext cx="914400" cy="914400"/>
+          </a:xfrm>
+          <a:prstGeom prst="rect">
+            <a:avLst/>
+          </a:prstGeom>
+        </p:spPr>
+      </p:pic>
+      <p:pic>
+        <p:nvPicPr>
+          <p:cNvPr id="11" name="그래픽 10" descr="자동차 단색으로 채워진">
+            <a:extLst>
+              <a:ext uri="{FF2B5EF4-FFF2-40B4-BE49-F238E27FC236}">
+                <a16:creationId xmlns:a16="http://schemas.microsoft.com/office/drawing/2014/main" id="{64BCF1EB-ECEC-D92E-C062-6E5B72824140}"/>
+              </a:ext>
+            </a:extLst>
+          </p:cNvPr>
+          <p:cNvPicPr>
+            <a:picLocks noChangeAspect="1"/>
+          </p:cNvPicPr>
+          <p:nvPr/>
+        </p:nvPicPr>
+        <p:blipFill>
+          <a:blip r:embed="rId8">
+            <a:extLst>
+              <a:ext uri="{96DAC541-7B7A-43D3-8B79-37D633B846F1}">
+                <asvg:svgBlip xmlns:asvg="http://schemas.microsoft.com/office/drawing/2016/SVG/main" r:embed="rId9"/>
+              </a:ext>
+            </a:extLst>
+          </a:blip>
+          <a:stretch>
+            <a:fillRect/>
+          </a:stretch>
+        </p:blipFill>
+        <p:spPr>
+          <a:xfrm>
+            <a:off x="1339090" y="3577640"/>
+            <a:ext cx="914400" cy="914400"/>
+          </a:xfrm>
+          <a:prstGeom prst="rect">
+            <a:avLst/>
+          </a:prstGeom>
+        </p:spPr>
+      </p:pic>
+      <p:pic>
+        <p:nvPicPr>
+          <p:cNvPr id="13" name="그래픽 12" descr="학교 윤곽선">
+            <a:extLst>
+              <a:ext uri="{FF2B5EF4-FFF2-40B4-BE49-F238E27FC236}">
+                <a16:creationId xmlns:a16="http://schemas.microsoft.com/office/drawing/2014/main" id="{ABC6BB4D-2D81-4445-8F6A-D0B4B5CC47CE}"/>
+              </a:ext>
+            </a:extLst>
+          </p:cNvPr>
+          <p:cNvPicPr>
+            <a:picLocks noChangeAspect="1"/>
+          </p:cNvPicPr>
+          <p:nvPr/>
+        </p:nvPicPr>
+        <p:blipFill>
+          <a:blip r:embed="rId10">
+            <a:extLst>
+              <a:ext uri="{96DAC541-7B7A-43D3-8B79-37D633B846F1}">
+                <asvg:svgBlip xmlns:asvg="http://schemas.microsoft.com/office/drawing/2016/SVG/main" r:embed="rId11"/>
+              </a:ext>
+            </a:extLst>
+          </a:blip>
+          <a:stretch>
+            <a:fillRect/>
+          </a:stretch>
+        </p:blipFill>
+        <p:spPr>
+          <a:xfrm>
+            <a:off x="7966000" y="496092"/>
+            <a:ext cx="914400" cy="914400"/>
+          </a:xfrm>
+          <a:prstGeom prst="rect">
+            <a:avLst/>
+          </a:prstGeom>
+        </p:spPr>
+      </p:pic>
+      <p:pic>
+        <p:nvPicPr>
+          <p:cNvPr id="15" name="그래픽 14" descr="집 Wi-Fi에서 작업 단색으로 채워진">
+            <a:extLst>
+              <a:ext uri="{FF2B5EF4-FFF2-40B4-BE49-F238E27FC236}">
+                <a16:creationId xmlns:a16="http://schemas.microsoft.com/office/drawing/2014/main" id="{94B2BA36-E1DD-C879-35DB-F15176922BAB}"/>
+              </a:ext>
+            </a:extLst>
+          </p:cNvPr>
+          <p:cNvPicPr>
+            <a:picLocks noChangeAspect="1"/>
+          </p:cNvPicPr>
+          <p:nvPr/>
+        </p:nvPicPr>
+        <p:blipFill>
+          <a:blip r:embed="rId12">
+            <a:extLst>
+              <a:ext uri="{96DAC541-7B7A-43D3-8B79-37D633B846F1}">
+                <asvg:svgBlip xmlns:asvg="http://schemas.microsoft.com/office/drawing/2016/SVG/main" r:embed="rId13"/>
+              </a:ext>
+            </a:extLst>
+          </a:blip>
+          <a:stretch>
+            <a:fillRect/>
+          </a:stretch>
+        </p:blipFill>
+        <p:spPr>
+          <a:xfrm>
+            <a:off x="2712727" y="496092"/>
+            <a:ext cx="914400" cy="914400"/>
+          </a:xfrm>
+          <a:prstGeom prst="rect">
+            <a:avLst/>
+          </a:prstGeom>
+        </p:spPr>
+      </p:pic>
+      <p:sp>
+        <p:nvSpPr>
+          <p:cNvPr id="16" name="화살표: 오른쪽 15">
+            <a:extLst>
+              <a:ext uri="{FF2B5EF4-FFF2-40B4-BE49-F238E27FC236}">
+                <a16:creationId xmlns:a16="http://schemas.microsoft.com/office/drawing/2014/main" id="{84B6D6E9-383F-33F2-9124-AC9A18BB4562}"/>
+              </a:ext>
+            </a:extLst>
+          </p:cNvPr>
+          <p:cNvSpPr/>
+          <p:nvPr/>
+        </p:nvSpPr>
+        <p:spPr>
+          <a:xfrm>
+            <a:off x="4098182" y="773183"/>
+            <a:ext cx="3676072" cy="360218"/>
+          </a:xfrm>
+          <a:prstGeom prst="rightArrow">
+            <a:avLst/>
+          </a:prstGeom>
+        </p:spPr>
+        <p:style>
+          <a:lnRef idx="2">
+            <a:schemeClr val="dk1">
+              <a:shade val="15000"/>
+            </a:schemeClr>
+          </a:lnRef>
+          <a:fillRef idx="1">
+            <a:schemeClr val="dk1"/>
+          </a:fillRef>
+          <a:effectRef idx="0">
+            <a:schemeClr val="dk1"/>
+          </a:effectRef>
+          <a:fontRef idx="minor">
+            <a:schemeClr val="lt1"/>
+          </a:fontRef>
+        </p:style>
+        <p:txBody>
+          <a:bodyPr rtlCol="0" anchor="ctr"/>
+          <a:lstStyle/>
+          <a:p>
+            <a:pPr algn="ctr"/>
+            <a:endParaRPr lang="ko-KR" altLang="en-US"/>
+          </a:p>
+        </p:txBody>
+      </p:sp>
+      <p:graphicFrame>
+        <p:nvGraphicFramePr>
+          <p:cNvPr id="20" name="표 20">
+            <a:extLst>
+              <a:ext uri="{FF2B5EF4-FFF2-40B4-BE49-F238E27FC236}">
+                <a16:creationId xmlns:a16="http://schemas.microsoft.com/office/drawing/2014/main" id="{39DB317B-E280-4546-8E96-FA74CC2890F1}"/>
+              </a:ext>
+            </a:extLst>
+          </p:cNvPr>
+          <p:cNvGraphicFramePr>
+            <a:graphicFrameLocks noGrp="1"/>
+          </p:cNvGraphicFramePr>
+          <p:nvPr>
+            <p:extLst>
+              <p:ext uri="{D42A27DB-BD31-4B8C-83A1-F6EECF244321}">
+                <p14:modId xmlns:p14="http://schemas.microsoft.com/office/powerpoint/2010/main" val="2040251630"/>
+              </p:ext>
+            </p:extLst>
+          </p:nvPr>
+        </p:nvGraphicFramePr>
+        <p:xfrm>
+          <a:off x="2879165" y="2161311"/>
+          <a:ext cx="7973745" cy="4319265"/>
+        </p:xfrm>
+        <a:graphic>
+          <a:graphicData uri="http://schemas.openxmlformats.org/drawingml/2006/table">
+            <a:tbl>
+              <a:tblPr firstRow="1" bandRow="1">
+                <a:tableStyleId>{073A0DAA-6AF3-43AB-8588-CEC1D06C72B9}</a:tableStyleId>
+              </a:tblPr>
+              <a:tblGrid>
+                <a:gridCol w="1594749">
+                  <a:extLst>
+                    <a:ext uri="{9D8B030D-6E8A-4147-A177-3AD203B41FA5}">
+                      <a16:colId xmlns:a16="http://schemas.microsoft.com/office/drawing/2014/main" val="2582133387"/>
+                    </a:ext>
+                  </a:extLst>
+                </a:gridCol>
+                <a:gridCol w="1594749">
+                  <a:extLst>
+                    <a:ext uri="{9D8B030D-6E8A-4147-A177-3AD203B41FA5}">
+                      <a16:colId xmlns:a16="http://schemas.microsoft.com/office/drawing/2014/main" val="618737819"/>
+                    </a:ext>
+                  </a:extLst>
+                </a:gridCol>
+                <a:gridCol w="1594749">
+                  <a:extLst>
+                    <a:ext uri="{9D8B030D-6E8A-4147-A177-3AD203B41FA5}">
+                      <a16:colId xmlns:a16="http://schemas.microsoft.com/office/drawing/2014/main" val="1552827867"/>
+                    </a:ext>
+                  </a:extLst>
+                </a:gridCol>
+                <a:gridCol w="1594749">
+                  <a:extLst>
+                    <a:ext uri="{9D8B030D-6E8A-4147-A177-3AD203B41FA5}">
+                      <a16:colId xmlns:a16="http://schemas.microsoft.com/office/drawing/2014/main" val="3110510332"/>
+                    </a:ext>
+                  </a:extLst>
+                </a:gridCol>
+                <a:gridCol w="1594749">
+                  <a:extLst>
+                    <a:ext uri="{9D8B030D-6E8A-4147-A177-3AD203B41FA5}">
+                      <a16:colId xmlns:a16="http://schemas.microsoft.com/office/drawing/2014/main" val="3636279211"/>
+                    </a:ext>
+                  </a:extLst>
+                </a:gridCol>
+              </a:tblGrid>
+              <a:tr h="383897">
+                <a:tc>
+                  <a:txBody>
+                    <a:bodyPr/>
+                    <a:lstStyle/>
+                    <a:p>
+                      <a:pPr algn="ctr" latinLnBrk="1"/>
+                      <a:r>
+                        <a:rPr lang="en-US" altLang="ko-KR" dirty="0"/>
+                        <a:t>Q</a:t>
+                      </a:r>
+                      <a:endParaRPr lang="ko-KR" altLang="en-US" dirty="0"/>
+                    </a:p>
+                  </a:txBody>
+                  <a:tcPr/>
+                </a:tc>
+                <a:tc>
+                  <a:txBody>
+                    <a:bodyPr/>
+                    <a:lstStyle/>
+                    <a:p>
+                      <a:pPr algn="ctr" latinLnBrk="1"/>
+                      <a:r>
+                        <a:rPr lang="en-US" altLang="ko-KR" dirty="0"/>
+                        <a:t>Time / Trip</a:t>
+                      </a:r>
+                      <a:endParaRPr lang="ko-KR" altLang="en-US" dirty="0"/>
+                    </a:p>
+                  </a:txBody>
+                  <a:tcPr/>
+                </a:tc>
+                <a:tc>
+                  <a:txBody>
+                    <a:bodyPr/>
+                    <a:lstStyle/>
+                    <a:p>
+                      <a:pPr algn="ctr" latinLnBrk="1"/>
+                      <a:r>
+                        <a:rPr lang="en-US" altLang="ko-KR" dirty="0"/>
+                        <a:t>R</a:t>
+                      </a:r>
+                      <a:endParaRPr lang="ko-KR" altLang="en-US" dirty="0"/>
+                    </a:p>
+                  </a:txBody>
+                  <a:tcPr/>
+                </a:tc>
+                <a:tc>
+                  <a:txBody>
+                    <a:bodyPr/>
+                    <a:lstStyle/>
+                    <a:p>
+                      <a:pPr algn="ctr" latinLnBrk="1"/>
+                      <a:r>
+                        <a:rPr lang="en-US" altLang="ko-KR" dirty="0"/>
+                        <a:t>Cost / Trip</a:t>
+                      </a:r>
+                      <a:endParaRPr lang="ko-KR" altLang="en-US" dirty="0"/>
+                    </a:p>
+                  </a:txBody>
+                  <a:tcPr/>
+                </a:tc>
+                <a:tc>
+                  <a:txBody>
+                    <a:bodyPr/>
+                    <a:lstStyle/>
+                    <a:p>
+                      <a:pPr algn="ctr" latinLnBrk="1"/>
+                      <a:r>
+                        <a:rPr lang="en-US" altLang="ko-KR" dirty="0"/>
+                        <a:t>J (cost)</a:t>
+                      </a:r>
+                      <a:endParaRPr lang="ko-KR" altLang="en-US" dirty="0"/>
+                    </a:p>
+                  </a:txBody>
+                  <a:tcPr/>
+                </a:tc>
+                <a:extLst>
+                  <a:ext uri="{0D108BD9-81ED-4DB2-BD59-A6C34878D82A}">
+                    <a16:rowId xmlns:a16="http://schemas.microsoft.com/office/drawing/2014/main" val="246547807"/>
+                  </a:ext>
+                </a:extLst>
+              </a:tr>
+              <a:tr h="983842">
+                <a:tc>
+                  <a:txBody>
+                    <a:bodyPr/>
+                    <a:lstStyle/>
+                    <a:p>
+                      <a:pPr algn="ctr" latinLnBrk="1"/>
+                      <a:r>
+                        <a:rPr lang="en-US" altLang="ko-KR" sz="3600" dirty="0">
+                          <a:solidFill>
+                            <a:srgbClr val="FF0000"/>
+                          </a:solidFill>
+                        </a:rPr>
+                        <a:t>2</a:t>
+                      </a:r>
+                      <a:endParaRPr lang="ko-KR" altLang="en-US" sz="3600" dirty="0">
+                        <a:solidFill>
+                          <a:srgbClr val="FF0000"/>
+                        </a:solidFill>
+                      </a:endParaRPr>
+                    </a:p>
+                  </a:txBody>
+                  <a:tcPr/>
+                </a:tc>
+                <a:tc>
+                  <a:txBody>
+                    <a:bodyPr/>
+                    <a:lstStyle/>
+                    <a:p>
+                      <a:pPr algn="ctr" latinLnBrk="1"/>
+                      <a:r>
+                        <a:rPr lang="en-US" altLang="ko-KR" sz="2800" dirty="0"/>
+                        <a:t>20 min</a:t>
+                      </a:r>
+                      <a:endParaRPr lang="ko-KR" altLang="en-US" sz="2800" dirty="0"/>
+                    </a:p>
+                  </a:txBody>
+                  <a:tcPr/>
+                </a:tc>
+                <a:tc>
+                  <a:txBody>
+                    <a:bodyPr/>
+                    <a:lstStyle/>
+                    <a:p>
+                      <a:pPr algn="ctr" latinLnBrk="1"/>
+                      <a:r>
+                        <a:rPr lang="en-US" altLang="ko-KR" sz="3600" dirty="0">
+                          <a:solidFill>
+                            <a:schemeClr val="accent1">
+                              <a:lumMod val="50000"/>
+                            </a:schemeClr>
+                          </a:solidFill>
+                        </a:rPr>
+                        <a:t>10</a:t>
+                      </a:r>
+                      <a:endParaRPr lang="ko-KR" altLang="en-US" sz="3600" dirty="0">
+                        <a:solidFill>
+                          <a:schemeClr val="accent1">
+                            <a:lumMod val="50000"/>
+                          </a:schemeClr>
+                        </a:solidFill>
+                      </a:endParaRPr>
+                    </a:p>
+                  </a:txBody>
+                  <a:tcPr/>
+                </a:tc>
+                <a:tc>
+                  <a:txBody>
+                    <a:bodyPr/>
+                    <a:lstStyle/>
+                    <a:p>
+                      <a:pPr algn="ctr" latinLnBrk="1"/>
+                      <a:r>
+                        <a:rPr lang="en-US" altLang="ko-KR" sz="2800" dirty="0"/>
+                        <a:t>7 $</a:t>
+                      </a:r>
+                      <a:endParaRPr lang="ko-KR" altLang="en-US" sz="2800" dirty="0"/>
+                    </a:p>
+                  </a:txBody>
+                  <a:tcPr/>
+                </a:tc>
+                <a:tc>
+                  <a:txBody>
+                    <a:bodyPr/>
+                    <a:lstStyle/>
+                    <a:p>
+                      <a:pPr algn="ctr" latinLnBrk="1"/>
+                      <a:r>
+                        <a:rPr lang="en-US" altLang="ko-KR" sz="3600" dirty="0">
+                          <a:solidFill>
+                            <a:schemeClr val="bg2">
+                              <a:lumMod val="10000"/>
+                            </a:schemeClr>
+                          </a:solidFill>
+                        </a:rPr>
+                        <a:t>110</a:t>
+                      </a:r>
+                      <a:endParaRPr lang="ko-KR" altLang="en-US" sz="3600" dirty="0">
+                        <a:solidFill>
+                          <a:schemeClr val="bg2">
+                            <a:lumMod val="10000"/>
+                          </a:schemeClr>
+                        </a:solidFill>
+                      </a:endParaRPr>
+                    </a:p>
+                  </a:txBody>
+                  <a:tcPr/>
+                </a:tc>
+                <a:extLst>
+                  <a:ext uri="{0D108BD9-81ED-4DB2-BD59-A6C34878D82A}">
+                    <a16:rowId xmlns:a16="http://schemas.microsoft.com/office/drawing/2014/main" val="1912590016"/>
+                  </a:ext>
+                </a:extLst>
+              </a:tr>
+              <a:tr h="983842">
+                <a:tc>
+                  <a:txBody>
+                    <a:bodyPr/>
+                    <a:lstStyle/>
+                    <a:p>
+                      <a:pPr algn="ctr" latinLnBrk="1"/>
+                      <a:r>
+                        <a:rPr lang="en-US" altLang="ko-KR" sz="3600" dirty="0">
+                          <a:solidFill>
+                            <a:srgbClr val="FF0000"/>
+                          </a:solidFill>
+                        </a:rPr>
+                        <a:t>2</a:t>
+                      </a:r>
+                      <a:endParaRPr lang="ko-KR" altLang="en-US" sz="3600" dirty="0">
+                        <a:solidFill>
+                          <a:srgbClr val="FF0000"/>
+                        </a:solidFill>
+                      </a:endParaRPr>
+                    </a:p>
+                  </a:txBody>
+                  <a:tcPr/>
+                </a:tc>
+                <a:tc>
+                  <a:txBody>
+                    <a:bodyPr/>
+                    <a:lstStyle/>
+                    <a:p>
+                      <a:pPr algn="ctr" latinLnBrk="1"/>
+                      <a:r>
+                        <a:rPr lang="en-US" altLang="ko-KR" sz="2800" dirty="0"/>
+                        <a:t>75 min</a:t>
+                      </a:r>
+                      <a:endParaRPr lang="ko-KR" altLang="en-US" sz="2800" dirty="0"/>
+                    </a:p>
+                  </a:txBody>
+                  <a:tcPr/>
+                </a:tc>
+                <a:tc>
+                  <a:txBody>
+                    <a:bodyPr/>
+                    <a:lstStyle/>
+                    <a:p>
+                      <a:pPr algn="ctr" latinLnBrk="1"/>
+                      <a:r>
+                        <a:rPr lang="en-US" altLang="ko-KR" sz="3600" dirty="0">
+                          <a:solidFill>
+                            <a:schemeClr val="accent1">
+                              <a:lumMod val="50000"/>
+                            </a:schemeClr>
+                          </a:solidFill>
+                        </a:rPr>
+                        <a:t>10</a:t>
+                      </a:r>
+                      <a:endParaRPr lang="ko-KR" altLang="en-US" sz="3600" dirty="0">
+                        <a:solidFill>
+                          <a:schemeClr val="accent1">
+                            <a:lumMod val="50000"/>
+                          </a:schemeClr>
+                        </a:solidFill>
+                      </a:endParaRPr>
+                    </a:p>
+                  </a:txBody>
+                  <a:tcPr/>
+                </a:tc>
+                <a:tc>
+                  <a:txBody>
+                    <a:bodyPr/>
+                    <a:lstStyle/>
+                    <a:p>
+                      <a:pPr algn="ctr" latinLnBrk="1"/>
+                      <a:r>
+                        <a:rPr lang="en-US" altLang="ko-KR" sz="2800" dirty="0"/>
+                        <a:t>0 $</a:t>
+                      </a:r>
+                      <a:endParaRPr lang="ko-KR" altLang="en-US" sz="2800" dirty="0"/>
+                    </a:p>
+                  </a:txBody>
+                  <a:tcPr/>
+                </a:tc>
+                <a:tc>
+                  <a:txBody>
+                    <a:bodyPr/>
+                    <a:lstStyle/>
+                    <a:p>
+                      <a:pPr algn="ctr" latinLnBrk="1"/>
+                      <a:r>
+                        <a:rPr lang="en-US" altLang="ko-KR" sz="3600" dirty="0"/>
+                        <a:t>150</a:t>
+                      </a:r>
+                      <a:endParaRPr lang="ko-KR" altLang="en-US" sz="3600" dirty="0"/>
+                    </a:p>
+                  </a:txBody>
+                  <a:tcPr/>
+                </a:tc>
+                <a:extLst>
+                  <a:ext uri="{0D108BD9-81ED-4DB2-BD59-A6C34878D82A}">
+                    <a16:rowId xmlns:a16="http://schemas.microsoft.com/office/drawing/2014/main" val="1322412716"/>
+                  </a:ext>
+                </a:extLst>
+              </a:tr>
+              <a:tr h="983842">
+                <a:tc>
+                  <a:txBody>
+                    <a:bodyPr/>
+                    <a:lstStyle/>
+                    <a:p>
+                      <a:pPr algn="ctr" latinLnBrk="1"/>
+                      <a:r>
+                        <a:rPr lang="en-US" altLang="ko-KR" sz="3600" dirty="0">
+                          <a:solidFill>
+                            <a:srgbClr val="FF0000"/>
+                          </a:solidFill>
+                        </a:rPr>
+                        <a:t>2</a:t>
+                      </a:r>
+                      <a:endParaRPr lang="ko-KR" altLang="en-US" sz="3600" dirty="0">
+                        <a:solidFill>
+                          <a:srgbClr val="FF0000"/>
+                        </a:solidFill>
+                      </a:endParaRPr>
+                    </a:p>
+                  </a:txBody>
+                  <a:tcPr/>
+                </a:tc>
+                <a:tc>
+                  <a:txBody>
+                    <a:bodyPr/>
+                    <a:lstStyle/>
+                    <a:p>
+                      <a:pPr algn="ctr" latinLnBrk="1"/>
+                      <a:r>
+                        <a:rPr lang="en-US" altLang="ko-KR" sz="2800" dirty="0"/>
+                        <a:t>30 min</a:t>
+                      </a:r>
+                      <a:endParaRPr lang="ko-KR" altLang="en-US" sz="2800" dirty="0"/>
+                    </a:p>
+                  </a:txBody>
+                  <a:tcPr/>
+                </a:tc>
+                <a:tc>
+                  <a:txBody>
+                    <a:bodyPr/>
+                    <a:lstStyle/>
+                    <a:p>
+                      <a:pPr algn="ctr" latinLnBrk="1"/>
+                      <a:r>
+                        <a:rPr lang="en-US" altLang="ko-KR" sz="3600" dirty="0">
+                          <a:solidFill>
+                            <a:schemeClr val="accent1">
+                              <a:lumMod val="50000"/>
+                            </a:schemeClr>
+                          </a:solidFill>
+                        </a:rPr>
+                        <a:t>10</a:t>
+                      </a:r>
+                      <a:endParaRPr lang="ko-KR" altLang="en-US" sz="3600" dirty="0">
+                        <a:solidFill>
+                          <a:schemeClr val="accent1">
+                            <a:lumMod val="50000"/>
+                          </a:schemeClr>
+                        </a:solidFill>
+                      </a:endParaRPr>
+                    </a:p>
+                  </a:txBody>
+                  <a:tcPr/>
+                </a:tc>
+                <a:tc>
+                  <a:txBody>
+                    <a:bodyPr/>
+                    <a:lstStyle/>
+                    <a:p>
+                      <a:pPr algn="ctr" latinLnBrk="1"/>
+                      <a:r>
+                        <a:rPr lang="en-US" altLang="ko-KR" sz="2800" dirty="0"/>
+                        <a:t>2 $</a:t>
+                      </a:r>
+                      <a:endParaRPr lang="ko-KR" altLang="en-US" sz="2800" dirty="0"/>
+                    </a:p>
+                  </a:txBody>
+                  <a:tcPr/>
+                </a:tc>
+                <a:tc>
+                  <a:txBody>
+                    <a:bodyPr/>
+                    <a:lstStyle/>
+                    <a:p>
+                      <a:pPr algn="ctr" latinLnBrk="1"/>
+                      <a:r>
+                        <a:rPr lang="en-US" altLang="ko-KR" sz="5400" dirty="0">
+                          <a:solidFill>
+                            <a:srgbClr val="00B050"/>
+                          </a:solidFill>
+                        </a:rPr>
+                        <a:t>80</a:t>
+                      </a:r>
+                      <a:endParaRPr lang="ko-KR" altLang="en-US" sz="5400" dirty="0">
+                        <a:solidFill>
+                          <a:srgbClr val="00B050"/>
+                        </a:solidFill>
+                      </a:endParaRPr>
+                    </a:p>
+                  </a:txBody>
+                  <a:tcPr/>
+                </a:tc>
+                <a:extLst>
+                  <a:ext uri="{0D108BD9-81ED-4DB2-BD59-A6C34878D82A}">
+                    <a16:rowId xmlns:a16="http://schemas.microsoft.com/office/drawing/2014/main" val="2916085095"/>
+                  </a:ext>
+                </a:extLst>
+              </a:tr>
+              <a:tr h="983842">
+                <a:tc>
+                  <a:txBody>
+                    <a:bodyPr/>
+                    <a:lstStyle/>
+                    <a:p>
+                      <a:pPr algn="ctr" latinLnBrk="1"/>
+                      <a:r>
+                        <a:rPr lang="en-US" altLang="ko-KR" sz="3600" dirty="0">
+                          <a:solidFill>
+                            <a:srgbClr val="FF0000"/>
+                          </a:solidFill>
+                        </a:rPr>
+                        <a:t>2</a:t>
+                      </a:r>
+                      <a:endParaRPr lang="ko-KR" altLang="en-US" sz="3600" dirty="0">
+                        <a:solidFill>
+                          <a:srgbClr val="FF0000"/>
+                        </a:solidFill>
+                      </a:endParaRPr>
+                    </a:p>
+                  </a:txBody>
+                  <a:tcPr/>
+                </a:tc>
+                <a:tc>
+                  <a:txBody>
+                    <a:bodyPr/>
+                    <a:lstStyle/>
+                    <a:p>
+                      <a:pPr algn="ctr" latinLnBrk="1"/>
+                      <a:r>
+                        <a:rPr lang="en-US" altLang="ko-KR" sz="2800" dirty="0"/>
+                        <a:t>4 min</a:t>
+                      </a:r>
+                      <a:endParaRPr lang="ko-KR" altLang="en-US" sz="2800" dirty="0"/>
+                    </a:p>
+                  </a:txBody>
+                  <a:tcPr/>
+                </a:tc>
+                <a:tc>
+                  <a:txBody>
+                    <a:bodyPr/>
+                    <a:lstStyle/>
+                    <a:p>
+                      <a:pPr algn="ctr" latinLnBrk="1"/>
+                      <a:r>
+                        <a:rPr lang="en-US" altLang="ko-KR" sz="3600" dirty="0">
+                          <a:solidFill>
+                            <a:schemeClr val="accent1">
+                              <a:lumMod val="50000"/>
+                            </a:schemeClr>
+                          </a:solidFill>
+                        </a:rPr>
+                        <a:t>10</a:t>
+                      </a:r>
+                      <a:endParaRPr lang="ko-KR" altLang="en-US" sz="3600" dirty="0">
+                        <a:solidFill>
+                          <a:schemeClr val="accent1">
+                            <a:lumMod val="50000"/>
+                          </a:schemeClr>
+                        </a:solidFill>
+                      </a:endParaRPr>
+                    </a:p>
+                  </a:txBody>
+                  <a:tcPr/>
+                </a:tc>
+                <a:tc>
+                  <a:txBody>
+                    <a:bodyPr/>
+                    <a:lstStyle/>
+                    <a:p>
+                      <a:pPr algn="ctr" latinLnBrk="1"/>
+                      <a:r>
+                        <a:rPr lang="en-US" altLang="ko-KR" sz="2800" dirty="0"/>
+                        <a:t>400 $</a:t>
+                      </a:r>
+                      <a:endParaRPr lang="ko-KR" altLang="en-US" sz="2800" dirty="0"/>
+                    </a:p>
+                  </a:txBody>
+                  <a:tcPr/>
+                </a:tc>
+                <a:tc>
+                  <a:txBody>
+                    <a:bodyPr/>
+                    <a:lstStyle/>
+                    <a:p>
+                      <a:pPr algn="ctr" latinLnBrk="1"/>
+                      <a:r>
+                        <a:rPr lang="en-US" altLang="ko-KR" sz="3600" dirty="0"/>
+                        <a:t>4008</a:t>
+                      </a:r>
+                      <a:endParaRPr lang="ko-KR" altLang="en-US" sz="3600" dirty="0"/>
+                    </a:p>
+                  </a:txBody>
+                  <a:tcPr/>
+                </a:tc>
+                <a:extLst>
+                  <a:ext uri="{0D108BD9-81ED-4DB2-BD59-A6C34878D82A}">
+                    <a16:rowId xmlns:a16="http://schemas.microsoft.com/office/drawing/2014/main" val="3031486094"/>
+                  </a:ext>
+                </a:extLst>
+              </a:tr>
+            </a:tbl>
+          </a:graphicData>
+        </a:graphic>
+      </p:graphicFrame>
+      <mc:AlternateContent xmlns:mc="http://schemas.openxmlformats.org/markup-compatibility/2006">
+        <mc:Choice xmlns:a14="http://schemas.microsoft.com/office/drawing/2010/main" Requires="a14">
+          <p:sp>
+            <p:nvSpPr>
+              <p:cNvPr id="21" name="TextBox 20">
+                <a:extLst>
+                  <a:ext uri="{FF2B5EF4-FFF2-40B4-BE49-F238E27FC236}">
+                    <a16:creationId xmlns:a16="http://schemas.microsoft.com/office/drawing/2014/main" id="{B2E0BB27-5DB6-25C0-C8AA-197E55438F5E}"/>
+                  </a:ext>
+                </a:extLst>
+              </p:cNvPr>
+              <p:cNvSpPr txBox="1"/>
+              <p:nvPr/>
+            </p:nvSpPr>
+            <p:spPr>
+              <a:xfrm>
+                <a:off x="4592933" y="1514886"/>
+                <a:ext cx="2686569" cy="369332"/>
+              </a:xfrm>
+              <a:prstGeom prst="rect">
+                <a:avLst/>
+              </a:prstGeom>
+              <a:noFill/>
+            </p:spPr>
+            <p:txBody>
+              <a:bodyPr wrap="none" lIns="0" tIns="0" rIns="0" bIns="0" rtlCol="0">
+                <a:spAutoFit/>
+              </a:bodyPr>
+              <a:lstStyle/>
+              <a:p>
+                <a14:m>
+                  <m:oMathPara xmlns:m="http://schemas.openxmlformats.org/officeDocument/2006/math">
+                    <m:oMathParaPr>
+                      <m:jc m:val="centerGroup"/>
+                    </m:oMathParaPr>
+                    <m:oMath xmlns:m="http://schemas.openxmlformats.org/officeDocument/2006/math">
+                      <m:r>
+                        <a:rPr lang="en-US" altLang="ko-KR" sz="2400" b="0" i="1" smtClean="0">
+                          <a:latin typeface="Cambria Math" panose="02040503050406030204" pitchFamily="18" charset="0"/>
+                        </a:rPr>
+                        <m:t>𝐽</m:t>
+                      </m:r>
+                      <m:r>
+                        <a:rPr lang="en-US" altLang="ko-KR" sz="2400" b="0" i="1" smtClean="0">
+                          <a:latin typeface="Cambria Math" panose="02040503050406030204" pitchFamily="18" charset="0"/>
+                        </a:rPr>
+                        <m:t>=</m:t>
+                      </m:r>
+                      <m:r>
+                        <a:rPr lang="en-US" altLang="ko-KR" sz="2400" b="0" i="1" smtClean="0">
+                          <a:latin typeface="Cambria Math" panose="02040503050406030204" pitchFamily="18" charset="0"/>
+                        </a:rPr>
+                        <m:t>𝑄</m:t>
+                      </m:r>
+                      <m:r>
+                        <a:rPr lang="en-US" altLang="ko-KR" sz="2400" b="0" i="1" smtClean="0">
+                          <a:latin typeface="Cambria Math" panose="02040503050406030204" pitchFamily="18" charset="0"/>
+                        </a:rPr>
+                        <m:t> ∙</m:t>
+                      </m:r>
+                      <m:r>
+                        <a:rPr lang="en-US" altLang="ko-KR" sz="2400" b="0" i="1" smtClean="0">
+                          <a:latin typeface="Cambria Math" panose="02040503050406030204" pitchFamily="18" charset="0"/>
+                          <a:ea typeface="Cambria Math" panose="02040503050406030204" pitchFamily="18" charset="0"/>
+                        </a:rPr>
+                        <m:t>𝑡𝑖𝑚𝑒</m:t>
+                      </m:r>
+                      <m:r>
+                        <a:rPr lang="en-US" altLang="ko-KR" sz="2400" b="0" i="1" smtClean="0">
+                          <a:latin typeface="Cambria Math" panose="02040503050406030204" pitchFamily="18" charset="0"/>
+                          <a:ea typeface="Cambria Math" panose="02040503050406030204" pitchFamily="18" charset="0"/>
+                        </a:rPr>
+                        <m:t>+</m:t>
+                      </m:r>
+                      <m:r>
+                        <a:rPr lang="en-US" altLang="ko-KR" sz="2400" b="0" i="1" smtClean="0">
+                          <a:latin typeface="Cambria Math" panose="02040503050406030204" pitchFamily="18" charset="0"/>
+                          <a:ea typeface="Cambria Math" panose="02040503050406030204" pitchFamily="18" charset="0"/>
+                        </a:rPr>
+                        <m:t>𝑅</m:t>
+                      </m:r>
+                      <m:r>
+                        <a:rPr lang="en-US" altLang="ko-KR" sz="2400" b="0" i="1" smtClean="0">
+                          <a:latin typeface="Cambria Math" panose="02040503050406030204" pitchFamily="18" charset="0"/>
+                          <a:ea typeface="Cambria Math" panose="02040503050406030204" pitchFamily="18" charset="0"/>
+                        </a:rPr>
+                        <m:t>∙$</m:t>
+                      </m:r>
+                    </m:oMath>
+                  </m:oMathPara>
+                </a14:m>
+                <a:endParaRPr lang="ko-KR" altLang="en-US" sz="2400" dirty="0"/>
+              </a:p>
+            </p:txBody>
+          </p:sp>
+        </mc:Choice>
+        <mc:Fallback>
+          <p:sp>
+            <p:nvSpPr>
+              <p:cNvPr id="21" name="TextBox 20">
+                <a:extLst>
+                  <a:ext uri="{FF2B5EF4-FFF2-40B4-BE49-F238E27FC236}">
+                    <a16:creationId xmlns:a16="http://schemas.microsoft.com/office/drawing/2014/main" id="{B2E0BB27-5DB6-25C0-C8AA-197E55438F5E}"/>
+                  </a:ext>
+                </a:extLst>
+              </p:cNvPr>
+              <p:cNvSpPr txBox="1">
+                <a:spLocks noRot="1" noChangeAspect="1" noMove="1" noResize="1" noEditPoints="1" noAdjustHandles="1" noChangeArrowheads="1" noChangeShapeType="1" noTextEdit="1"/>
+              </p:cNvSpPr>
+              <p:nvPr/>
+            </p:nvSpPr>
+            <p:spPr>
+              <a:xfrm>
+                <a:off x="4592933" y="1514886"/>
+                <a:ext cx="2686569" cy="369332"/>
+              </a:xfrm>
+              <a:prstGeom prst="rect">
+                <a:avLst/>
+              </a:prstGeom>
+              <a:blipFill>
+                <a:blip r:embed="rId14"/>
+                <a:stretch>
+                  <a:fillRect l="-3175" t="-3333" r="-2948" b="-30000"/>
+                </a:stretch>
+              </a:blipFill>
+            </p:spPr>
+            <p:txBody>
+              <a:bodyPr/>
+              <a:lstStyle/>
+              <a:p>
+                <a:r>
+                  <a:rPr lang="ko-KR" altLang="en-US">
+                    <a:noFill/>
+                  </a:rPr>
+                  <a:t> </a:t>
+                </a:r>
+              </a:p>
+            </p:txBody>
+          </p:sp>
+        </mc:Fallback>
+      </mc:AlternateContent>
+    </p:spTree>
+    <p:extLst>
+      <p:ext uri="{BB962C8B-B14F-4D97-AF65-F5344CB8AC3E}">
+        <p14:creationId xmlns:p14="http://schemas.microsoft.com/office/powerpoint/2010/main" val="915255410"/>
       </p:ext>
     </p:extLst>
   </p:cSld>
